--- a/Presentations/Group 13 Level 4 & 5 Presentation.pptx
+++ b/Presentations/Group 13 Level 4 & 5 Presentation.pptx
@@ -109,6 +109,11 @@
       </a:defRPr>
     </a:lvl9pPr>
   </p:defaultTextStyle>
+  <p:extLst>
+    <p:ext uri="{EFAFB233-063F-42B5-8137-9DF3F51BA10A}">
+      <p15:sldGuideLst xmlns:p15="http://schemas.microsoft.com/office/powerpoint/2012/main"/>
+    </p:ext>
+  </p:extLst>
 </p:presentation>
 </file>
 
@@ -3441,7 +3446,13 @@
           <a:p>
             <a:r>
               <a:rPr lang="en-GB" b="1" dirty="0"/>
-              <a:t> Group 13 Level 4 &amp; 5</a:t>
+              <a:t> </a:t>
+            </a:r>
+            <a:r>
+              <a:rPr lang="en-GB" b="1" dirty="0">
+                <a:latin typeface="Agency FB" panose="020B0503020202020204" pitchFamily="34" charset="0"/>
+              </a:rPr>
+              <a:t>Group 13 Level 4 &amp; 5</a:t>
             </a:r>
           </a:p>
         </p:txBody>
@@ -3464,7 +3475,7 @@
         </p:nvSpPr>
         <p:spPr>
           <a:xfrm>
-            <a:off x="1619073" y="2316610"/>
+            <a:off x="1619072" y="2231225"/>
             <a:ext cx="9144000" cy="1655762"/>
           </a:xfrm>
         </p:spPr>
@@ -3473,23 +3484,33 @@
           <a:lstStyle/>
           <a:p>
             <a:r>
-              <a:rPr lang="en-GB" dirty="0"/>
+              <a:rPr lang="en-GB" dirty="0">
+                <a:latin typeface="Bahnschrift Condensed" panose="020B0502040204020203" pitchFamily="34" charset="0"/>
+              </a:rPr>
               <a:t>Jayden Murray, </a:t>
             </a:r>
             <a:r>
-              <a:rPr lang="en-GB" dirty="0" err="1"/>
+              <a:rPr lang="en-GB" dirty="0" err="1">
+                <a:latin typeface="Bahnschrift Condensed" panose="020B0502040204020203" pitchFamily="34" charset="0"/>
+              </a:rPr>
               <a:t>Loucas</a:t>
             </a:r>
             <a:r>
-              <a:rPr lang="en-GB" dirty="0"/>
+              <a:rPr lang="en-GB" dirty="0">
+                <a:latin typeface="Bahnschrift Condensed" panose="020B0502040204020203" pitchFamily="34" charset="0"/>
+              </a:rPr>
               <a:t> </a:t>
             </a:r>
             <a:r>
-              <a:rPr lang="en-GB" dirty="0" err="1"/>
+              <a:rPr lang="en-GB" dirty="0" err="1">
+                <a:latin typeface="Bahnschrift Condensed" panose="020B0502040204020203" pitchFamily="34" charset="0"/>
+              </a:rPr>
               <a:t>Savvides</a:t>
             </a:r>
             <a:r>
-              <a:rPr lang="en-GB" dirty="0"/>
+              <a:rPr lang="en-GB" dirty="0">
+                <a:latin typeface="Bahnschrift Condensed" panose="020B0502040204020203" pitchFamily="34" charset="0"/>
+              </a:rPr>
               <a:t>, Tate Morgan &amp; Denis Remo</a:t>
             </a:r>
           </a:p>
@@ -5550,7 +5571,9 @@
           </a:lstStyle>
           <a:p>
             <a:r>
-              <a:rPr lang="en-GB" sz="4800" b="1" dirty="0"/>
+              <a:rPr lang="en-GB" sz="4800" b="1" dirty="0">
+                <a:latin typeface="Agency FB" panose="020B0503020202020204" pitchFamily="34" charset="0"/>
+              </a:rPr>
               <a:t>The Key Points </a:t>
             </a:r>
           </a:p>
@@ -5573,6 +5596,4021 @@
         <p:spPr>
           <a:xfrm>
             <a:off x="2640117" y="1639266"/>
+            <a:ext cx="6911766" cy="2701647"/>
+          </a:xfrm>
+          <a:prstGeom prst="rect">
+            <a:avLst/>
+          </a:prstGeom>
+        </p:spPr>
+        <p:txBody>
+          <a:bodyPr vert="horz" lIns="91440" tIns="45720" rIns="91440" bIns="45720" rtlCol="0">
+            <a:normAutofit lnSpcReduction="10000"/>
+          </a:bodyPr>
+          <a:lstStyle>
+            <a:lvl1pPr marL="0" indent="0" algn="ctr" defTabSz="914400" rtl="0" eaLnBrk="1" latinLnBrk="0" hangingPunct="1">
+              <a:lnSpc>
+                <a:spcPct val="90000"/>
+              </a:lnSpc>
+              <a:spcBef>
+                <a:spcPts val="1000"/>
+              </a:spcBef>
+              <a:buFont typeface="Arial" panose="020B0604020202020204" pitchFamily="34" charset="0"/>
+              <a:buNone/>
+              <a:defRPr sz="2400" kern="1200">
+                <a:solidFill>
+                  <a:schemeClr val="tx1"/>
+                </a:solidFill>
+                <a:latin typeface="+mn-lt"/>
+                <a:ea typeface="+mn-ea"/>
+                <a:cs typeface="+mn-cs"/>
+              </a:defRPr>
+            </a:lvl1pPr>
+            <a:lvl2pPr marL="457200" indent="0" algn="ctr" defTabSz="914400" rtl="0" eaLnBrk="1" latinLnBrk="0" hangingPunct="1">
+              <a:lnSpc>
+                <a:spcPct val="90000"/>
+              </a:lnSpc>
+              <a:spcBef>
+                <a:spcPts val="500"/>
+              </a:spcBef>
+              <a:buFont typeface="Arial" panose="020B0604020202020204" pitchFamily="34" charset="0"/>
+              <a:buNone/>
+              <a:defRPr sz="2000" kern="1200">
+                <a:solidFill>
+                  <a:schemeClr val="tx1"/>
+                </a:solidFill>
+                <a:latin typeface="+mn-lt"/>
+                <a:ea typeface="+mn-ea"/>
+                <a:cs typeface="+mn-cs"/>
+              </a:defRPr>
+            </a:lvl2pPr>
+            <a:lvl3pPr marL="914400" indent="0" algn="ctr" defTabSz="914400" rtl="0" eaLnBrk="1" latinLnBrk="0" hangingPunct="1">
+              <a:lnSpc>
+                <a:spcPct val="90000"/>
+              </a:lnSpc>
+              <a:spcBef>
+                <a:spcPts val="500"/>
+              </a:spcBef>
+              <a:buFont typeface="Arial" panose="020B0604020202020204" pitchFamily="34" charset="0"/>
+              <a:buNone/>
+              <a:defRPr sz="1800" kern="1200">
+                <a:solidFill>
+                  <a:schemeClr val="tx1"/>
+                </a:solidFill>
+                <a:latin typeface="+mn-lt"/>
+                <a:ea typeface="+mn-ea"/>
+                <a:cs typeface="+mn-cs"/>
+              </a:defRPr>
+            </a:lvl3pPr>
+            <a:lvl4pPr marL="1371600" indent="0" algn="ctr" defTabSz="914400" rtl="0" eaLnBrk="1" latinLnBrk="0" hangingPunct="1">
+              <a:lnSpc>
+                <a:spcPct val="90000"/>
+              </a:lnSpc>
+              <a:spcBef>
+                <a:spcPts val="500"/>
+              </a:spcBef>
+              <a:buFont typeface="Arial" panose="020B0604020202020204" pitchFamily="34" charset="0"/>
+              <a:buNone/>
+              <a:defRPr sz="1600" kern="1200">
+                <a:solidFill>
+                  <a:schemeClr val="tx1"/>
+                </a:solidFill>
+                <a:latin typeface="+mn-lt"/>
+                <a:ea typeface="+mn-ea"/>
+                <a:cs typeface="+mn-cs"/>
+              </a:defRPr>
+            </a:lvl4pPr>
+            <a:lvl5pPr marL="1828800" indent="0" algn="ctr" defTabSz="914400" rtl="0" eaLnBrk="1" latinLnBrk="0" hangingPunct="1">
+              <a:lnSpc>
+                <a:spcPct val="90000"/>
+              </a:lnSpc>
+              <a:spcBef>
+                <a:spcPts val="500"/>
+              </a:spcBef>
+              <a:buFont typeface="Arial" panose="020B0604020202020204" pitchFamily="34" charset="0"/>
+              <a:buNone/>
+              <a:defRPr sz="1600" kern="1200">
+                <a:solidFill>
+                  <a:schemeClr val="tx1"/>
+                </a:solidFill>
+                <a:latin typeface="+mn-lt"/>
+                <a:ea typeface="+mn-ea"/>
+                <a:cs typeface="+mn-cs"/>
+              </a:defRPr>
+            </a:lvl5pPr>
+            <a:lvl6pPr marL="2286000" indent="0" algn="ctr" defTabSz="914400" rtl="0" eaLnBrk="1" latinLnBrk="0" hangingPunct="1">
+              <a:lnSpc>
+                <a:spcPct val="90000"/>
+              </a:lnSpc>
+              <a:spcBef>
+                <a:spcPts val="500"/>
+              </a:spcBef>
+              <a:buFont typeface="Arial" panose="020B0604020202020204" pitchFamily="34" charset="0"/>
+              <a:buNone/>
+              <a:defRPr sz="1600" kern="1200">
+                <a:solidFill>
+                  <a:schemeClr val="tx1"/>
+                </a:solidFill>
+                <a:latin typeface="+mn-lt"/>
+                <a:ea typeface="+mn-ea"/>
+                <a:cs typeface="+mn-cs"/>
+              </a:defRPr>
+            </a:lvl6pPr>
+            <a:lvl7pPr marL="2743200" indent="0" algn="ctr" defTabSz="914400" rtl="0" eaLnBrk="1" latinLnBrk="0" hangingPunct="1">
+              <a:lnSpc>
+                <a:spcPct val="90000"/>
+              </a:lnSpc>
+              <a:spcBef>
+                <a:spcPts val="500"/>
+              </a:spcBef>
+              <a:buFont typeface="Arial" panose="020B0604020202020204" pitchFamily="34" charset="0"/>
+              <a:buNone/>
+              <a:defRPr sz="1600" kern="1200">
+                <a:solidFill>
+                  <a:schemeClr val="tx1"/>
+                </a:solidFill>
+                <a:latin typeface="+mn-lt"/>
+                <a:ea typeface="+mn-ea"/>
+                <a:cs typeface="+mn-cs"/>
+              </a:defRPr>
+            </a:lvl7pPr>
+            <a:lvl8pPr marL="3200400" indent="0" algn="ctr" defTabSz="914400" rtl="0" eaLnBrk="1" latinLnBrk="0" hangingPunct="1">
+              <a:lnSpc>
+                <a:spcPct val="90000"/>
+              </a:lnSpc>
+              <a:spcBef>
+                <a:spcPts val="500"/>
+              </a:spcBef>
+              <a:buFont typeface="Arial" panose="020B0604020202020204" pitchFamily="34" charset="0"/>
+              <a:buNone/>
+              <a:defRPr sz="1600" kern="1200">
+                <a:solidFill>
+                  <a:schemeClr val="tx1"/>
+                </a:solidFill>
+                <a:latin typeface="+mn-lt"/>
+                <a:ea typeface="+mn-ea"/>
+                <a:cs typeface="+mn-cs"/>
+              </a:defRPr>
+            </a:lvl8pPr>
+            <a:lvl9pPr marL="3657600" indent="0" algn="ctr" defTabSz="914400" rtl="0" eaLnBrk="1" latinLnBrk="0" hangingPunct="1">
+              <a:lnSpc>
+                <a:spcPct val="90000"/>
+              </a:lnSpc>
+              <a:spcBef>
+                <a:spcPts val="500"/>
+              </a:spcBef>
+              <a:buFont typeface="Arial" panose="020B0604020202020204" pitchFamily="34" charset="0"/>
+              <a:buNone/>
+              <a:defRPr sz="1600" kern="1200">
+                <a:solidFill>
+                  <a:schemeClr val="tx1"/>
+                </a:solidFill>
+                <a:latin typeface="+mn-lt"/>
+                <a:ea typeface="+mn-ea"/>
+                <a:cs typeface="+mn-cs"/>
+              </a:defRPr>
+            </a:lvl9pPr>
+          </a:lstStyle>
+          <a:p>
+            <a:pPr marL="342900" indent="-342900">
+              <a:buFont typeface="Arial" panose="020B0604020202020204" pitchFamily="34" charset="0"/>
+              <a:buChar char="•"/>
+            </a:pPr>
+            <a:r>
+              <a:rPr lang="en-GB" sz="2800" dirty="0">
+                <a:latin typeface="Bahnschrift Condensed" panose="020B0502040204020203" pitchFamily="34" charset="0"/>
+              </a:rPr>
+              <a:t>Single Player.</a:t>
+            </a:r>
+          </a:p>
+          <a:p>
+            <a:pPr marL="342900" indent="-342900">
+              <a:buFont typeface="Arial" panose="020B0604020202020204" pitchFamily="34" charset="0"/>
+              <a:buChar char="•"/>
+            </a:pPr>
+            <a:r>
+              <a:rPr lang="en-GB" sz="2800" dirty="0">
+                <a:latin typeface="Bahnschrift Condensed" panose="020B0502040204020203" pitchFamily="34" charset="0"/>
+              </a:rPr>
+              <a:t>Emphasis on a single mechanic.</a:t>
+            </a:r>
+          </a:p>
+          <a:p>
+            <a:pPr marL="342900" indent="-342900">
+              <a:buFont typeface="Arial" panose="020B0604020202020204" pitchFamily="34" charset="0"/>
+              <a:buChar char="•"/>
+            </a:pPr>
+            <a:r>
+              <a:rPr lang="en-GB" sz="2800" dirty="0">
+                <a:latin typeface="Bahnschrift Condensed" panose="020B0502040204020203" pitchFamily="34" charset="0"/>
+              </a:rPr>
+              <a:t>Substitute the mechanics with a solution to the problem removing the mechanic creates.</a:t>
+            </a:r>
+          </a:p>
+          <a:p>
+            <a:pPr marL="342900" indent="-342900">
+              <a:buFont typeface="Arial" panose="020B0604020202020204" pitchFamily="34" charset="0"/>
+              <a:buChar char="•"/>
+            </a:pPr>
+            <a:r>
+              <a:rPr lang="en-GB" sz="2800" dirty="0">
+                <a:latin typeface="Bahnschrift Condensed" panose="020B0502040204020203" pitchFamily="34" charset="0"/>
+              </a:rPr>
+              <a:t>A self contained game that needs no explanation from the developer to play.</a:t>
+            </a:r>
+          </a:p>
+        </p:txBody>
+      </p:sp>
+    </p:spTree>
+    <p:extLst>
+      <p:ext uri="{BB962C8B-B14F-4D97-AF65-F5344CB8AC3E}">
+        <p14:creationId xmlns:p14="http://schemas.microsoft.com/office/powerpoint/2010/main" val="3624561384"/>
+      </p:ext>
+    </p:extLst>
+  </p:cSld>
+  <p:clrMapOvr>
+    <a:masterClrMapping/>
+  </p:clrMapOvr>
+</p:sld>
+</file>
+
+<file path=ppt/slides/slide3.xml><?xml version="1.0" encoding="utf-8"?>
+<p:sld xmlns:a="http://schemas.openxmlformats.org/drawingml/2006/main" xmlns:r="http://schemas.openxmlformats.org/officeDocument/2006/relationships" xmlns:p="http://schemas.openxmlformats.org/presentationml/2006/main">
+  <p:cSld>
+    <p:bg>
+      <p:bgPr>
+        <a:gradFill flip="none" rotWithShape="1">
+          <a:gsLst>
+            <a:gs pos="0">
+              <a:schemeClr val="accent2">
+                <a:lumMod val="40000"/>
+                <a:lumOff val="60000"/>
+              </a:schemeClr>
+            </a:gs>
+            <a:gs pos="26000">
+              <a:schemeClr val="accent2">
+                <a:lumMod val="95000"/>
+                <a:lumOff val="5000"/>
+              </a:schemeClr>
+            </a:gs>
+            <a:gs pos="75000">
+              <a:srgbClr val="EC7A2C">
+                <a:alpha val="69804"/>
+              </a:srgbClr>
+            </a:gs>
+          </a:gsLst>
+          <a:path path="circle">
+            <a:fillToRect l="50000" t="130000" r="50000" b="-30000"/>
+          </a:path>
+          <a:tileRect/>
+        </a:gradFill>
+        <a:effectLst/>
+      </p:bgPr>
+    </p:bg>
+    <p:spTree>
+      <p:nvGrpSpPr>
+        <p:cNvPr id="1" name=""/>
+        <p:cNvGrpSpPr/>
+        <p:nvPr/>
+      </p:nvGrpSpPr>
+      <p:grpSpPr>
+        <a:xfrm>
+          <a:off x="0" y="0"/>
+          <a:ext cx="0" cy="0"/>
+          <a:chOff x="0" y="0"/>
+          <a:chExt cx="0" cy="0"/>
+        </a:xfrm>
+      </p:grpSpPr>
+      <p:pic>
+        <p:nvPicPr>
+          <p:cNvPr id="19" name="Picture 18">
+            <a:extLst>
+              <a:ext uri="{FF2B5EF4-FFF2-40B4-BE49-F238E27FC236}">
+                <a16:creationId xmlns:a16="http://schemas.microsoft.com/office/drawing/2014/main" id="{F798BCC0-40C5-48AD-A30D-299CBD1CCA67}"/>
+              </a:ext>
+            </a:extLst>
+          </p:cNvPr>
+          <p:cNvPicPr>
+            <a:picLocks noChangeAspect="1"/>
+          </p:cNvPicPr>
+          <p:nvPr/>
+        </p:nvPicPr>
+        <p:blipFill>
+          <a:blip r:embed="rId2">
+            <a:extLst>
+              <a:ext uri="{28A0092B-C50C-407E-A947-70E740481C1C}">
+                <a14:useLocalDpi xmlns:a14="http://schemas.microsoft.com/office/drawing/2010/main" val="0"/>
+              </a:ext>
+            </a:extLst>
+          </a:blip>
+          <a:stretch>
+            <a:fillRect/>
+          </a:stretch>
+        </p:blipFill>
+        <p:spPr>
+          <a:xfrm>
+            <a:off x="7130667" y="1519419"/>
+            <a:ext cx="1113290" cy="1335948"/>
+          </a:xfrm>
+          <a:prstGeom prst="rect">
+            <a:avLst/>
+          </a:prstGeom>
+        </p:spPr>
+      </p:pic>
+      <p:pic>
+        <p:nvPicPr>
+          <p:cNvPr id="7" name="Picture 6">
+            <a:extLst>
+              <a:ext uri="{FF2B5EF4-FFF2-40B4-BE49-F238E27FC236}">
+                <a16:creationId xmlns:a16="http://schemas.microsoft.com/office/drawing/2014/main" id="{44B836B1-C6C3-4EAD-B5AC-9D1EF71AAA55}"/>
+              </a:ext>
+            </a:extLst>
+          </p:cNvPr>
+          <p:cNvPicPr>
+            <a:picLocks noChangeAspect="1"/>
+          </p:cNvPicPr>
+          <p:nvPr/>
+        </p:nvPicPr>
+        <p:blipFill>
+          <a:blip r:embed="rId3">
+            <a:extLst>
+              <a:ext uri="{28A0092B-C50C-407E-A947-70E740481C1C}">
+                <a14:useLocalDpi xmlns:a14="http://schemas.microsoft.com/office/drawing/2010/main" val="0"/>
+              </a:ext>
+            </a:extLst>
+          </a:blip>
+          <a:stretch>
+            <a:fillRect/>
+          </a:stretch>
+        </p:blipFill>
+        <p:spPr>
+          <a:xfrm>
+            <a:off x="0" y="5482206"/>
+            <a:ext cx="1375794" cy="1375794"/>
+          </a:xfrm>
+          <a:prstGeom prst="rect">
+            <a:avLst/>
+          </a:prstGeom>
+          <a:effectLst>
+            <a:outerShdw dist="165100" algn="ctr" rotWithShape="0">
+              <a:srgbClr val="000000">
+                <a:alpha val="43137"/>
+              </a:srgbClr>
+            </a:outerShdw>
+          </a:effectLst>
+        </p:spPr>
+      </p:pic>
+      <p:pic>
+        <p:nvPicPr>
+          <p:cNvPr id="10" name="Picture 9">
+            <a:extLst>
+              <a:ext uri="{FF2B5EF4-FFF2-40B4-BE49-F238E27FC236}">
+                <a16:creationId xmlns:a16="http://schemas.microsoft.com/office/drawing/2014/main" id="{4B0A6CF1-72CA-47E6-B852-8AAAA1E54C5B}"/>
+              </a:ext>
+            </a:extLst>
+          </p:cNvPr>
+          <p:cNvPicPr>
+            <a:picLocks noChangeAspect="1"/>
+          </p:cNvPicPr>
+          <p:nvPr/>
+        </p:nvPicPr>
+        <p:blipFill>
+          <a:blip r:embed="rId3">
+            <a:extLst>
+              <a:ext uri="{28A0092B-C50C-407E-A947-70E740481C1C}">
+                <a14:useLocalDpi xmlns:a14="http://schemas.microsoft.com/office/drawing/2010/main" val="0"/>
+              </a:ext>
+            </a:extLst>
+          </a:blip>
+          <a:stretch>
+            <a:fillRect/>
+          </a:stretch>
+        </p:blipFill>
+        <p:spPr>
+          <a:xfrm>
+            <a:off x="1375794" y="5482206"/>
+            <a:ext cx="1375794" cy="1375794"/>
+          </a:xfrm>
+          <a:prstGeom prst="rect">
+            <a:avLst/>
+          </a:prstGeom>
+          <a:effectLst>
+            <a:outerShdw dist="165100" algn="ctr" rotWithShape="0">
+              <a:srgbClr val="000000">
+                <a:alpha val="43137"/>
+              </a:srgbClr>
+            </a:outerShdw>
+          </a:effectLst>
+        </p:spPr>
+      </p:pic>
+      <p:pic>
+        <p:nvPicPr>
+          <p:cNvPr id="11" name="Picture 10">
+            <a:extLst>
+              <a:ext uri="{FF2B5EF4-FFF2-40B4-BE49-F238E27FC236}">
+                <a16:creationId xmlns:a16="http://schemas.microsoft.com/office/drawing/2014/main" id="{2ACD24B4-FAEE-4450-8B52-5868D3309BFE}"/>
+              </a:ext>
+            </a:extLst>
+          </p:cNvPr>
+          <p:cNvPicPr>
+            <a:picLocks noChangeAspect="1"/>
+          </p:cNvPicPr>
+          <p:nvPr/>
+        </p:nvPicPr>
+        <p:blipFill>
+          <a:blip r:embed="rId3">
+            <a:extLst>
+              <a:ext uri="{28A0092B-C50C-407E-A947-70E740481C1C}">
+                <a14:useLocalDpi xmlns:a14="http://schemas.microsoft.com/office/drawing/2010/main" val="0"/>
+              </a:ext>
+            </a:extLst>
+          </a:blip>
+          <a:stretch>
+            <a:fillRect/>
+          </a:stretch>
+        </p:blipFill>
+        <p:spPr>
+          <a:xfrm>
+            <a:off x="2751588" y="5482206"/>
+            <a:ext cx="1375794" cy="1375794"/>
+          </a:xfrm>
+          <a:prstGeom prst="rect">
+            <a:avLst/>
+          </a:prstGeom>
+          <a:effectLst>
+            <a:outerShdw dist="165100" algn="ctr" rotWithShape="0">
+              <a:srgbClr val="000000">
+                <a:alpha val="43137"/>
+              </a:srgbClr>
+            </a:outerShdw>
+          </a:effectLst>
+        </p:spPr>
+      </p:pic>
+      <p:pic>
+        <p:nvPicPr>
+          <p:cNvPr id="12" name="Picture 11">
+            <a:extLst>
+              <a:ext uri="{FF2B5EF4-FFF2-40B4-BE49-F238E27FC236}">
+                <a16:creationId xmlns:a16="http://schemas.microsoft.com/office/drawing/2014/main" id="{4775F30A-10B9-4C48-AA69-9A5B1A98D2DA}"/>
+              </a:ext>
+            </a:extLst>
+          </p:cNvPr>
+          <p:cNvPicPr>
+            <a:picLocks noChangeAspect="1"/>
+          </p:cNvPicPr>
+          <p:nvPr/>
+        </p:nvPicPr>
+        <p:blipFill>
+          <a:blip r:embed="rId3">
+            <a:extLst>
+              <a:ext uri="{28A0092B-C50C-407E-A947-70E740481C1C}">
+                <a14:useLocalDpi xmlns:a14="http://schemas.microsoft.com/office/drawing/2010/main" val="0"/>
+              </a:ext>
+            </a:extLst>
+          </a:blip>
+          <a:stretch>
+            <a:fillRect/>
+          </a:stretch>
+        </p:blipFill>
+        <p:spPr>
+          <a:xfrm>
+            <a:off x="4127382" y="5482206"/>
+            <a:ext cx="1375794" cy="1375794"/>
+          </a:xfrm>
+          <a:prstGeom prst="rect">
+            <a:avLst/>
+          </a:prstGeom>
+          <a:effectLst>
+            <a:outerShdw dist="165100" algn="ctr" rotWithShape="0">
+              <a:srgbClr val="000000">
+                <a:alpha val="43137"/>
+              </a:srgbClr>
+            </a:outerShdw>
+          </a:effectLst>
+        </p:spPr>
+      </p:pic>
+      <p:pic>
+        <p:nvPicPr>
+          <p:cNvPr id="13" name="Picture 12">
+            <a:extLst>
+              <a:ext uri="{FF2B5EF4-FFF2-40B4-BE49-F238E27FC236}">
+                <a16:creationId xmlns:a16="http://schemas.microsoft.com/office/drawing/2014/main" id="{6309CBEB-58D7-46B6-809D-9038F02C0D37}"/>
+              </a:ext>
+            </a:extLst>
+          </p:cNvPr>
+          <p:cNvPicPr>
+            <a:picLocks noChangeAspect="1"/>
+          </p:cNvPicPr>
+          <p:nvPr/>
+        </p:nvPicPr>
+        <p:blipFill>
+          <a:blip r:embed="rId3">
+            <a:extLst>
+              <a:ext uri="{28A0092B-C50C-407E-A947-70E740481C1C}">
+                <a14:useLocalDpi xmlns:a14="http://schemas.microsoft.com/office/drawing/2010/main" val="0"/>
+              </a:ext>
+            </a:extLst>
+          </a:blip>
+          <a:stretch>
+            <a:fillRect/>
+          </a:stretch>
+        </p:blipFill>
+        <p:spPr>
+          <a:xfrm>
+            <a:off x="5503176" y="5482206"/>
+            <a:ext cx="1375794" cy="1375794"/>
+          </a:xfrm>
+          <a:prstGeom prst="rect">
+            <a:avLst/>
+          </a:prstGeom>
+          <a:effectLst>
+            <a:outerShdw dist="165100" algn="ctr" rotWithShape="0">
+              <a:srgbClr val="000000">
+                <a:alpha val="43137"/>
+              </a:srgbClr>
+            </a:outerShdw>
+          </a:effectLst>
+        </p:spPr>
+      </p:pic>
+      <p:pic>
+        <p:nvPicPr>
+          <p:cNvPr id="14" name="Picture 13">
+            <a:extLst>
+              <a:ext uri="{FF2B5EF4-FFF2-40B4-BE49-F238E27FC236}">
+                <a16:creationId xmlns:a16="http://schemas.microsoft.com/office/drawing/2014/main" id="{BF502DC7-20A1-4713-B8F0-27F5F6D3FA6D}"/>
+              </a:ext>
+            </a:extLst>
+          </p:cNvPr>
+          <p:cNvPicPr>
+            <a:picLocks noChangeAspect="1"/>
+          </p:cNvPicPr>
+          <p:nvPr/>
+        </p:nvPicPr>
+        <p:blipFill>
+          <a:blip r:embed="rId3">
+            <a:extLst>
+              <a:ext uri="{28A0092B-C50C-407E-A947-70E740481C1C}">
+                <a14:useLocalDpi xmlns:a14="http://schemas.microsoft.com/office/drawing/2010/main" val="0"/>
+              </a:ext>
+            </a:extLst>
+          </a:blip>
+          <a:stretch>
+            <a:fillRect/>
+          </a:stretch>
+        </p:blipFill>
+        <p:spPr>
+          <a:xfrm>
+            <a:off x="6878970" y="5482206"/>
+            <a:ext cx="1375794" cy="1375794"/>
+          </a:xfrm>
+          <a:prstGeom prst="rect">
+            <a:avLst/>
+          </a:prstGeom>
+          <a:effectLst>
+            <a:outerShdw dist="165100" algn="ctr" rotWithShape="0">
+              <a:srgbClr val="000000">
+                <a:alpha val="43137"/>
+              </a:srgbClr>
+            </a:outerShdw>
+          </a:effectLst>
+        </p:spPr>
+      </p:pic>
+      <p:pic>
+        <p:nvPicPr>
+          <p:cNvPr id="15" name="Picture 14">
+            <a:extLst>
+              <a:ext uri="{FF2B5EF4-FFF2-40B4-BE49-F238E27FC236}">
+                <a16:creationId xmlns:a16="http://schemas.microsoft.com/office/drawing/2014/main" id="{B163AFE9-FCAA-42DC-A3A4-EA6B06744B0B}"/>
+              </a:ext>
+            </a:extLst>
+          </p:cNvPr>
+          <p:cNvPicPr>
+            <a:picLocks noChangeAspect="1"/>
+          </p:cNvPicPr>
+          <p:nvPr/>
+        </p:nvPicPr>
+        <p:blipFill>
+          <a:blip r:embed="rId3">
+            <a:extLst>
+              <a:ext uri="{28A0092B-C50C-407E-A947-70E740481C1C}">
+                <a14:useLocalDpi xmlns:a14="http://schemas.microsoft.com/office/drawing/2010/main" val="0"/>
+              </a:ext>
+            </a:extLst>
+          </a:blip>
+          <a:stretch>
+            <a:fillRect/>
+          </a:stretch>
+        </p:blipFill>
+        <p:spPr>
+          <a:xfrm>
+            <a:off x="8254764" y="5482206"/>
+            <a:ext cx="1375794" cy="1375794"/>
+          </a:xfrm>
+          <a:prstGeom prst="rect">
+            <a:avLst/>
+          </a:prstGeom>
+          <a:effectLst>
+            <a:outerShdw dist="165100" algn="ctr" rotWithShape="0">
+              <a:srgbClr val="000000">
+                <a:alpha val="43137"/>
+              </a:srgbClr>
+            </a:outerShdw>
+          </a:effectLst>
+        </p:spPr>
+      </p:pic>
+      <p:pic>
+        <p:nvPicPr>
+          <p:cNvPr id="16" name="Picture 15">
+            <a:extLst>
+              <a:ext uri="{FF2B5EF4-FFF2-40B4-BE49-F238E27FC236}">
+                <a16:creationId xmlns:a16="http://schemas.microsoft.com/office/drawing/2014/main" id="{01CA3122-8BBD-4ECB-BB95-00FB73D72B65}"/>
+              </a:ext>
+            </a:extLst>
+          </p:cNvPr>
+          <p:cNvPicPr>
+            <a:picLocks noChangeAspect="1"/>
+          </p:cNvPicPr>
+          <p:nvPr/>
+        </p:nvPicPr>
+        <p:blipFill>
+          <a:blip r:embed="rId3">
+            <a:extLst>
+              <a:ext uri="{28A0092B-C50C-407E-A947-70E740481C1C}">
+                <a14:useLocalDpi xmlns:a14="http://schemas.microsoft.com/office/drawing/2010/main" val="0"/>
+              </a:ext>
+            </a:extLst>
+          </a:blip>
+          <a:stretch>
+            <a:fillRect/>
+          </a:stretch>
+        </p:blipFill>
+        <p:spPr>
+          <a:xfrm>
+            <a:off x="9630558" y="5482206"/>
+            <a:ext cx="1375794" cy="1375794"/>
+          </a:xfrm>
+          <a:prstGeom prst="rect">
+            <a:avLst/>
+          </a:prstGeom>
+          <a:effectLst>
+            <a:outerShdw dist="165100" algn="ctr" rotWithShape="0">
+              <a:srgbClr val="000000">
+                <a:alpha val="43137"/>
+              </a:srgbClr>
+            </a:outerShdw>
+          </a:effectLst>
+        </p:spPr>
+      </p:pic>
+      <p:pic>
+        <p:nvPicPr>
+          <p:cNvPr id="17" name="Picture 16">
+            <a:extLst>
+              <a:ext uri="{FF2B5EF4-FFF2-40B4-BE49-F238E27FC236}">
+                <a16:creationId xmlns:a16="http://schemas.microsoft.com/office/drawing/2014/main" id="{47C0484B-D26D-4BD6-A04D-3FF4C2916F98}"/>
+              </a:ext>
+            </a:extLst>
+          </p:cNvPr>
+          <p:cNvPicPr>
+            <a:picLocks noChangeAspect="1"/>
+          </p:cNvPicPr>
+          <p:nvPr/>
+        </p:nvPicPr>
+        <p:blipFill>
+          <a:blip r:embed="rId3">
+            <a:extLst>
+              <a:ext uri="{28A0092B-C50C-407E-A947-70E740481C1C}">
+                <a14:useLocalDpi xmlns:a14="http://schemas.microsoft.com/office/drawing/2010/main" val="0"/>
+              </a:ext>
+            </a:extLst>
+          </a:blip>
+          <a:stretch>
+            <a:fillRect/>
+          </a:stretch>
+        </p:blipFill>
+        <p:spPr>
+          <a:xfrm>
+            <a:off x="11006352" y="5482206"/>
+            <a:ext cx="1375794" cy="1375794"/>
+          </a:xfrm>
+          <a:prstGeom prst="rect">
+            <a:avLst/>
+          </a:prstGeom>
+          <a:effectLst>
+            <a:outerShdw dist="165100" algn="ctr" rotWithShape="0">
+              <a:srgbClr val="000000">
+                <a:alpha val="43137"/>
+              </a:srgbClr>
+            </a:outerShdw>
+          </a:effectLst>
+        </p:spPr>
+      </p:pic>
+      <p:pic>
+        <p:nvPicPr>
+          <p:cNvPr id="29" name="Picture 28">
+            <a:extLst>
+              <a:ext uri="{FF2B5EF4-FFF2-40B4-BE49-F238E27FC236}">
+                <a16:creationId xmlns:a16="http://schemas.microsoft.com/office/drawing/2014/main" id="{AD04A304-858F-48E1-BF87-761D6D9A8A70}"/>
+              </a:ext>
+            </a:extLst>
+          </p:cNvPr>
+          <p:cNvPicPr>
+            <a:picLocks noChangeAspect="1"/>
+          </p:cNvPicPr>
+          <p:nvPr/>
+        </p:nvPicPr>
+        <p:blipFill>
+          <a:blip r:embed="rId4">
+            <a:extLst>
+              <a:ext uri="{28A0092B-C50C-407E-A947-70E740481C1C}">
+                <a14:useLocalDpi xmlns:a14="http://schemas.microsoft.com/office/drawing/2010/main" val="0"/>
+              </a:ext>
+            </a:extLst>
+          </a:blip>
+          <a:stretch>
+            <a:fillRect/>
+          </a:stretch>
+        </p:blipFill>
+        <p:spPr>
+          <a:xfrm>
+            <a:off x="0" y="0"/>
+            <a:ext cx="905660" cy="905660"/>
+          </a:xfrm>
+          <a:prstGeom prst="rect">
+            <a:avLst/>
+          </a:prstGeom>
+        </p:spPr>
+      </p:pic>
+      <p:pic>
+        <p:nvPicPr>
+          <p:cNvPr id="30" name="Picture 29">
+            <a:extLst>
+              <a:ext uri="{FF2B5EF4-FFF2-40B4-BE49-F238E27FC236}">
+                <a16:creationId xmlns:a16="http://schemas.microsoft.com/office/drawing/2014/main" id="{0A10D12A-7790-4FBC-801F-27505887D3AE}"/>
+              </a:ext>
+            </a:extLst>
+          </p:cNvPr>
+          <p:cNvPicPr>
+            <a:picLocks noChangeAspect="1"/>
+          </p:cNvPicPr>
+          <p:nvPr/>
+        </p:nvPicPr>
+        <p:blipFill>
+          <a:blip r:embed="rId4">
+            <a:extLst>
+              <a:ext uri="{28A0092B-C50C-407E-A947-70E740481C1C}">
+                <a14:useLocalDpi xmlns:a14="http://schemas.microsoft.com/office/drawing/2010/main" val="0"/>
+              </a:ext>
+            </a:extLst>
+          </a:blip>
+          <a:stretch>
+            <a:fillRect/>
+          </a:stretch>
+        </p:blipFill>
+        <p:spPr>
+          <a:xfrm>
+            <a:off x="905660" y="0"/>
+            <a:ext cx="905660" cy="905660"/>
+          </a:xfrm>
+          <a:prstGeom prst="rect">
+            <a:avLst/>
+          </a:prstGeom>
+        </p:spPr>
+      </p:pic>
+      <p:pic>
+        <p:nvPicPr>
+          <p:cNvPr id="31" name="Picture 30">
+            <a:extLst>
+              <a:ext uri="{FF2B5EF4-FFF2-40B4-BE49-F238E27FC236}">
+                <a16:creationId xmlns:a16="http://schemas.microsoft.com/office/drawing/2014/main" id="{34568B21-4967-4460-A568-8F7DE8B79CB5}"/>
+              </a:ext>
+            </a:extLst>
+          </p:cNvPr>
+          <p:cNvPicPr>
+            <a:picLocks noChangeAspect="1"/>
+          </p:cNvPicPr>
+          <p:nvPr/>
+        </p:nvPicPr>
+        <p:blipFill>
+          <a:blip r:embed="rId4">
+            <a:extLst>
+              <a:ext uri="{28A0092B-C50C-407E-A947-70E740481C1C}">
+                <a14:useLocalDpi xmlns:a14="http://schemas.microsoft.com/office/drawing/2010/main" val="0"/>
+              </a:ext>
+            </a:extLst>
+          </a:blip>
+          <a:stretch>
+            <a:fillRect/>
+          </a:stretch>
+        </p:blipFill>
+        <p:spPr>
+          <a:xfrm>
+            <a:off x="1811320" y="-7926"/>
+            <a:ext cx="905660" cy="905660"/>
+          </a:xfrm>
+          <a:prstGeom prst="rect">
+            <a:avLst/>
+          </a:prstGeom>
+        </p:spPr>
+      </p:pic>
+      <p:pic>
+        <p:nvPicPr>
+          <p:cNvPr id="32" name="Picture 31">
+            <a:extLst>
+              <a:ext uri="{FF2B5EF4-FFF2-40B4-BE49-F238E27FC236}">
+                <a16:creationId xmlns:a16="http://schemas.microsoft.com/office/drawing/2014/main" id="{1F50D146-0480-463B-B14A-86EE03C3699F}"/>
+              </a:ext>
+            </a:extLst>
+          </p:cNvPr>
+          <p:cNvPicPr>
+            <a:picLocks noChangeAspect="1"/>
+          </p:cNvPicPr>
+          <p:nvPr/>
+        </p:nvPicPr>
+        <p:blipFill>
+          <a:blip r:embed="rId4">
+            <a:extLst>
+              <a:ext uri="{28A0092B-C50C-407E-A947-70E740481C1C}">
+                <a14:useLocalDpi xmlns:a14="http://schemas.microsoft.com/office/drawing/2010/main" val="0"/>
+              </a:ext>
+            </a:extLst>
+          </a:blip>
+          <a:stretch>
+            <a:fillRect/>
+          </a:stretch>
+        </p:blipFill>
+        <p:spPr>
+          <a:xfrm>
+            <a:off x="2716980" y="-7926"/>
+            <a:ext cx="905660" cy="905660"/>
+          </a:xfrm>
+          <a:prstGeom prst="rect">
+            <a:avLst/>
+          </a:prstGeom>
+        </p:spPr>
+      </p:pic>
+      <p:pic>
+        <p:nvPicPr>
+          <p:cNvPr id="33" name="Picture 32">
+            <a:extLst>
+              <a:ext uri="{FF2B5EF4-FFF2-40B4-BE49-F238E27FC236}">
+                <a16:creationId xmlns:a16="http://schemas.microsoft.com/office/drawing/2014/main" id="{E851B150-EFAD-4FDE-B8D0-14E6ADAE534E}"/>
+              </a:ext>
+            </a:extLst>
+          </p:cNvPr>
+          <p:cNvPicPr>
+            <a:picLocks noChangeAspect="1"/>
+          </p:cNvPicPr>
+          <p:nvPr/>
+        </p:nvPicPr>
+        <p:blipFill>
+          <a:blip r:embed="rId4">
+            <a:extLst>
+              <a:ext uri="{28A0092B-C50C-407E-A947-70E740481C1C}">
+                <a14:useLocalDpi xmlns:a14="http://schemas.microsoft.com/office/drawing/2010/main" val="0"/>
+              </a:ext>
+            </a:extLst>
+          </a:blip>
+          <a:stretch>
+            <a:fillRect/>
+          </a:stretch>
+        </p:blipFill>
+        <p:spPr>
+          <a:xfrm>
+            <a:off x="3622640" y="0"/>
+            <a:ext cx="905660" cy="905660"/>
+          </a:xfrm>
+          <a:prstGeom prst="rect">
+            <a:avLst/>
+          </a:prstGeom>
+        </p:spPr>
+      </p:pic>
+      <p:pic>
+        <p:nvPicPr>
+          <p:cNvPr id="34" name="Picture 33">
+            <a:extLst>
+              <a:ext uri="{FF2B5EF4-FFF2-40B4-BE49-F238E27FC236}">
+                <a16:creationId xmlns:a16="http://schemas.microsoft.com/office/drawing/2014/main" id="{A6B509EC-568E-4992-9B66-2DA3DEF480DB}"/>
+              </a:ext>
+            </a:extLst>
+          </p:cNvPr>
+          <p:cNvPicPr>
+            <a:picLocks noChangeAspect="1"/>
+          </p:cNvPicPr>
+          <p:nvPr/>
+        </p:nvPicPr>
+        <p:blipFill>
+          <a:blip r:embed="rId4">
+            <a:extLst>
+              <a:ext uri="{28A0092B-C50C-407E-A947-70E740481C1C}">
+                <a14:useLocalDpi xmlns:a14="http://schemas.microsoft.com/office/drawing/2010/main" val="0"/>
+              </a:ext>
+            </a:extLst>
+          </a:blip>
+          <a:stretch>
+            <a:fillRect/>
+          </a:stretch>
+        </p:blipFill>
+        <p:spPr>
+          <a:xfrm>
+            <a:off x="4528300" y="0"/>
+            <a:ext cx="905660" cy="905660"/>
+          </a:xfrm>
+          <a:prstGeom prst="rect">
+            <a:avLst/>
+          </a:prstGeom>
+        </p:spPr>
+      </p:pic>
+      <p:pic>
+        <p:nvPicPr>
+          <p:cNvPr id="35" name="Picture 34">
+            <a:extLst>
+              <a:ext uri="{FF2B5EF4-FFF2-40B4-BE49-F238E27FC236}">
+                <a16:creationId xmlns:a16="http://schemas.microsoft.com/office/drawing/2014/main" id="{A617F1BB-C1A2-43A3-9283-B5F48B7D9F31}"/>
+              </a:ext>
+            </a:extLst>
+          </p:cNvPr>
+          <p:cNvPicPr>
+            <a:picLocks noChangeAspect="1"/>
+          </p:cNvPicPr>
+          <p:nvPr/>
+        </p:nvPicPr>
+        <p:blipFill>
+          <a:blip r:embed="rId4">
+            <a:extLst>
+              <a:ext uri="{28A0092B-C50C-407E-A947-70E740481C1C}">
+                <a14:useLocalDpi xmlns:a14="http://schemas.microsoft.com/office/drawing/2010/main" val="0"/>
+              </a:ext>
+            </a:extLst>
+          </a:blip>
+          <a:stretch>
+            <a:fillRect/>
+          </a:stretch>
+        </p:blipFill>
+        <p:spPr>
+          <a:xfrm>
+            <a:off x="5433960" y="0"/>
+            <a:ext cx="905660" cy="905660"/>
+          </a:xfrm>
+          <a:prstGeom prst="rect">
+            <a:avLst/>
+          </a:prstGeom>
+        </p:spPr>
+      </p:pic>
+      <p:pic>
+        <p:nvPicPr>
+          <p:cNvPr id="36" name="Picture 35">
+            <a:extLst>
+              <a:ext uri="{FF2B5EF4-FFF2-40B4-BE49-F238E27FC236}">
+                <a16:creationId xmlns:a16="http://schemas.microsoft.com/office/drawing/2014/main" id="{E9540E28-1E7D-4185-B9B2-28D6DA52AAAA}"/>
+              </a:ext>
+            </a:extLst>
+          </p:cNvPr>
+          <p:cNvPicPr>
+            <a:picLocks noChangeAspect="1"/>
+          </p:cNvPicPr>
+          <p:nvPr/>
+        </p:nvPicPr>
+        <p:blipFill>
+          <a:blip r:embed="rId4">
+            <a:extLst>
+              <a:ext uri="{28A0092B-C50C-407E-A947-70E740481C1C}">
+                <a14:useLocalDpi xmlns:a14="http://schemas.microsoft.com/office/drawing/2010/main" val="0"/>
+              </a:ext>
+            </a:extLst>
+          </a:blip>
+          <a:stretch>
+            <a:fillRect/>
+          </a:stretch>
+        </p:blipFill>
+        <p:spPr>
+          <a:xfrm>
+            <a:off x="6339620" y="0"/>
+            <a:ext cx="905660" cy="905660"/>
+          </a:xfrm>
+          <a:prstGeom prst="rect">
+            <a:avLst/>
+          </a:prstGeom>
+        </p:spPr>
+      </p:pic>
+      <p:pic>
+        <p:nvPicPr>
+          <p:cNvPr id="37" name="Picture 36">
+            <a:extLst>
+              <a:ext uri="{FF2B5EF4-FFF2-40B4-BE49-F238E27FC236}">
+                <a16:creationId xmlns:a16="http://schemas.microsoft.com/office/drawing/2014/main" id="{0634F39E-D40A-4F93-A3C5-DF8F7E34231B}"/>
+              </a:ext>
+            </a:extLst>
+          </p:cNvPr>
+          <p:cNvPicPr>
+            <a:picLocks noChangeAspect="1"/>
+          </p:cNvPicPr>
+          <p:nvPr/>
+        </p:nvPicPr>
+        <p:blipFill>
+          <a:blip r:embed="rId4">
+            <a:extLst>
+              <a:ext uri="{28A0092B-C50C-407E-A947-70E740481C1C}">
+                <a14:useLocalDpi xmlns:a14="http://schemas.microsoft.com/office/drawing/2010/main" val="0"/>
+              </a:ext>
+            </a:extLst>
+          </a:blip>
+          <a:stretch>
+            <a:fillRect/>
+          </a:stretch>
+        </p:blipFill>
+        <p:spPr>
+          <a:xfrm>
+            <a:off x="7210870" y="0"/>
+            <a:ext cx="905660" cy="905660"/>
+          </a:xfrm>
+          <a:prstGeom prst="rect">
+            <a:avLst/>
+          </a:prstGeom>
+        </p:spPr>
+      </p:pic>
+      <p:pic>
+        <p:nvPicPr>
+          <p:cNvPr id="38" name="Picture 37">
+            <a:extLst>
+              <a:ext uri="{FF2B5EF4-FFF2-40B4-BE49-F238E27FC236}">
+                <a16:creationId xmlns:a16="http://schemas.microsoft.com/office/drawing/2014/main" id="{BBDFA3FD-AC1D-4651-AAC9-B605D920D28E}"/>
+              </a:ext>
+            </a:extLst>
+          </p:cNvPr>
+          <p:cNvPicPr>
+            <a:picLocks noChangeAspect="1"/>
+          </p:cNvPicPr>
+          <p:nvPr/>
+        </p:nvPicPr>
+        <p:blipFill>
+          <a:blip r:embed="rId4">
+            <a:extLst>
+              <a:ext uri="{28A0092B-C50C-407E-A947-70E740481C1C}">
+                <a14:useLocalDpi xmlns:a14="http://schemas.microsoft.com/office/drawing/2010/main" val="0"/>
+              </a:ext>
+            </a:extLst>
+          </a:blip>
+          <a:stretch>
+            <a:fillRect/>
+          </a:stretch>
+        </p:blipFill>
+        <p:spPr>
+          <a:xfrm>
+            <a:off x="8116530" y="0"/>
+            <a:ext cx="905660" cy="905660"/>
+          </a:xfrm>
+          <a:prstGeom prst="rect">
+            <a:avLst/>
+          </a:prstGeom>
+        </p:spPr>
+      </p:pic>
+      <p:pic>
+        <p:nvPicPr>
+          <p:cNvPr id="39" name="Picture 38">
+            <a:extLst>
+              <a:ext uri="{FF2B5EF4-FFF2-40B4-BE49-F238E27FC236}">
+                <a16:creationId xmlns:a16="http://schemas.microsoft.com/office/drawing/2014/main" id="{A2806EB1-797B-428D-BAC5-FC9E994C5D07}"/>
+              </a:ext>
+            </a:extLst>
+          </p:cNvPr>
+          <p:cNvPicPr>
+            <a:picLocks noChangeAspect="1"/>
+          </p:cNvPicPr>
+          <p:nvPr/>
+        </p:nvPicPr>
+        <p:blipFill>
+          <a:blip r:embed="rId4">
+            <a:extLst>
+              <a:ext uri="{28A0092B-C50C-407E-A947-70E740481C1C}">
+                <a14:useLocalDpi xmlns:a14="http://schemas.microsoft.com/office/drawing/2010/main" val="0"/>
+              </a:ext>
+            </a:extLst>
+          </a:blip>
+          <a:stretch>
+            <a:fillRect/>
+          </a:stretch>
+        </p:blipFill>
+        <p:spPr>
+          <a:xfrm>
+            <a:off x="9022190" y="0"/>
+            <a:ext cx="905660" cy="905660"/>
+          </a:xfrm>
+          <a:prstGeom prst="rect">
+            <a:avLst/>
+          </a:prstGeom>
+        </p:spPr>
+      </p:pic>
+      <p:pic>
+        <p:nvPicPr>
+          <p:cNvPr id="40" name="Picture 39">
+            <a:extLst>
+              <a:ext uri="{FF2B5EF4-FFF2-40B4-BE49-F238E27FC236}">
+                <a16:creationId xmlns:a16="http://schemas.microsoft.com/office/drawing/2014/main" id="{F968631A-49FA-4563-BC4B-8B831F921F3F}"/>
+              </a:ext>
+            </a:extLst>
+          </p:cNvPr>
+          <p:cNvPicPr>
+            <a:picLocks noChangeAspect="1"/>
+          </p:cNvPicPr>
+          <p:nvPr/>
+        </p:nvPicPr>
+        <p:blipFill>
+          <a:blip r:embed="rId4">
+            <a:extLst>
+              <a:ext uri="{28A0092B-C50C-407E-A947-70E740481C1C}">
+                <a14:useLocalDpi xmlns:a14="http://schemas.microsoft.com/office/drawing/2010/main" val="0"/>
+              </a:ext>
+            </a:extLst>
+          </a:blip>
+          <a:stretch>
+            <a:fillRect/>
+          </a:stretch>
+        </p:blipFill>
+        <p:spPr>
+          <a:xfrm>
+            <a:off x="9927850" y="-7926"/>
+            <a:ext cx="905660" cy="905660"/>
+          </a:xfrm>
+          <a:prstGeom prst="rect">
+            <a:avLst/>
+          </a:prstGeom>
+        </p:spPr>
+      </p:pic>
+      <p:pic>
+        <p:nvPicPr>
+          <p:cNvPr id="43" name="Picture 42">
+            <a:extLst>
+              <a:ext uri="{FF2B5EF4-FFF2-40B4-BE49-F238E27FC236}">
+                <a16:creationId xmlns:a16="http://schemas.microsoft.com/office/drawing/2014/main" id="{7AC2B981-B522-440A-877D-4015B7D9CCFF}"/>
+              </a:ext>
+            </a:extLst>
+          </p:cNvPr>
+          <p:cNvPicPr>
+            <a:picLocks noChangeAspect="1"/>
+          </p:cNvPicPr>
+          <p:nvPr/>
+        </p:nvPicPr>
+        <p:blipFill>
+          <a:blip r:embed="rId4">
+            <a:extLst>
+              <a:ext uri="{28A0092B-C50C-407E-A947-70E740481C1C}">
+                <a14:useLocalDpi xmlns:a14="http://schemas.microsoft.com/office/drawing/2010/main" val="0"/>
+              </a:ext>
+            </a:extLst>
+          </a:blip>
+          <a:stretch>
+            <a:fillRect/>
+          </a:stretch>
+        </p:blipFill>
+        <p:spPr>
+          <a:xfrm>
+            <a:off x="10380680" y="-7926"/>
+            <a:ext cx="905660" cy="905660"/>
+          </a:xfrm>
+          <a:prstGeom prst="rect">
+            <a:avLst/>
+          </a:prstGeom>
+        </p:spPr>
+      </p:pic>
+      <p:pic>
+        <p:nvPicPr>
+          <p:cNvPr id="44" name="Picture 43">
+            <a:extLst>
+              <a:ext uri="{FF2B5EF4-FFF2-40B4-BE49-F238E27FC236}">
+                <a16:creationId xmlns:a16="http://schemas.microsoft.com/office/drawing/2014/main" id="{5D4FCCC4-3464-428E-B41E-3BCBB49A154E}"/>
+              </a:ext>
+            </a:extLst>
+          </p:cNvPr>
+          <p:cNvPicPr>
+            <a:picLocks noChangeAspect="1"/>
+          </p:cNvPicPr>
+          <p:nvPr/>
+        </p:nvPicPr>
+        <p:blipFill>
+          <a:blip r:embed="rId4">
+            <a:extLst>
+              <a:ext uri="{28A0092B-C50C-407E-A947-70E740481C1C}">
+                <a14:useLocalDpi xmlns:a14="http://schemas.microsoft.com/office/drawing/2010/main" val="0"/>
+              </a:ext>
+            </a:extLst>
+          </a:blip>
+          <a:stretch>
+            <a:fillRect/>
+          </a:stretch>
+        </p:blipFill>
+        <p:spPr>
+          <a:xfrm>
+            <a:off x="11286340" y="-7926"/>
+            <a:ext cx="905660" cy="905660"/>
+          </a:xfrm>
+          <a:prstGeom prst="rect">
+            <a:avLst/>
+          </a:prstGeom>
+        </p:spPr>
+      </p:pic>
+      <p:sp>
+        <p:nvSpPr>
+          <p:cNvPr id="41" name="Title 1">
+            <a:extLst>
+              <a:ext uri="{FF2B5EF4-FFF2-40B4-BE49-F238E27FC236}">
+                <a16:creationId xmlns:a16="http://schemas.microsoft.com/office/drawing/2014/main" id="{8AC07EAB-005E-4F05-88FA-60C2B6AC2AFF}"/>
+              </a:ext>
+            </a:extLst>
+          </p:cNvPr>
+          <p:cNvSpPr txBox="1">
+            <a:spLocks/>
+          </p:cNvSpPr>
+          <p:nvPr/>
+        </p:nvSpPr>
+        <p:spPr>
+          <a:xfrm>
+            <a:off x="-642459" y="344236"/>
+            <a:ext cx="7624373" cy="1325563"/>
+          </a:xfrm>
+          <a:prstGeom prst="rect">
+            <a:avLst/>
+          </a:prstGeom>
+        </p:spPr>
+        <p:txBody>
+          <a:bodyPr vert="horz" lIns="91440" tIns="45720" rIns="91440" bIns="45720" rtlCol="0" anchor="b">
+            <a:normAutofit/>
+          </a:bodyPr>
+          <a:lstStyle>
+            <a:lvl1pPr algn="ctr" defTabSz="914400" rtl="0" eaLnBrk="1" latinLnBrk="0" hangingPunct="1">
+              <a:lnSpc>
+                <a:spcPct val="90000"/>
+              </a:lnSpc>
+              <a:spcBef>
+                <a:spcPct val="0"/>
+              </a:spcBef>
+              <a:buNone/>
+              <a:defRPr sz="6000" kern="1200">
+                <a:solidFill>
+                  <a:schemeClr val="tx1"/>
+                </a:solidFill>
+                <a:latin typeface="+mj-lt"/>
+                <a:ea typeface="+mj-ea"/>
+                <a:cs typeface="+mj-cs"/>
+              </a:defRPr>
+            </a:lvl1pPr>
+          </a:lstStyle>
+          <a:p>
+            <a:r>
+              <a:rPr lang="en-GB" sz="4800" b="1" dirty="0">
+                <a:latin typeface="Agency FB" panose="020B0503020202020204" pitchFamily="34" charset="0"/>
+              </a:rPr>
+              <a:t>Our Response To The Brief</a:t>
+            </a:r>
+          </a:p>
+        </p:txBody>
+      </p:sp>
+      <p:sp>
+        <p:nvSpPr>
+          <p:cNvPr id="2" name="TextBox 1">
+            <a:extLst>
+              <a:ext uri="{FF2B5EF4-FFF2-40B4-BE49-F238E27FC236}">
+                <a16:creationId xmlns:a16="http://schemas.microsoft.com/office/drawing/2014/main" id="{0C29A4C3-8B18-49A8-AF7D-4437C1CCE91A}"/>
+              </a:ext>
+            </a:extLst>
+          </p:cNvPr>
+          <p:cNvSpPr txBox="1"/>
+          <p:nvPr/>
+        </p:nvSpPr>
+        <p:spPr>
+          <a:xfrm>
+            <a:off x="579487" y="1844759"/>
+            <a:ext cx="3663182" cy="1384995"/>
+          </a:xfrm>
+          <a:prstGeom prst="rect">
+            <a:avLst/>
+          </a:prstGeom>
+          <a:noFill/>
+        </p:spPr>
+        <p:txBody>
+          <a:bodyPr wrap="none" rtlCol="0">
+            <a:spAutoFit/>
+          </a:bodyPr>
+          <a:lstStyle/>
+          <a:p>
+            <a:r>
+              <a:rPr lang="en-GB" sz="2800" u="sng" dirty="0">
+                <a:latin typeface="Bahnschrift Condensed" panose="020B0502040204020203" pitchFamily="34" charset="0"/>
+              </a:rPr>
+              <a:t>Platforming Genre is changed</a:t>
+            </a:r>
+          </a:p>
+          <a:p>
+            <a:pPr marL="742950" lvl="1" indent="-285750">
+              <a:buFont typeface="Arial" panose="020B0604020202020204" pitchFamily="34" charset="0"/>
+              <a:buChar char="•"/>
+            </a:pPr>
+            <a:r>
+              <a:rPr lang="en-GB" sz="2800" dirty="0">
+                <a:latin typeface="Bahnschrift Condensed" panose="020B0502040204020203" pitchFamily="34" charset="0"/>
+              </a:rPr>
+              <a:t>Jumping Removed</a:t>
+            </a:r>
+          </a:p>
+          <a:p>
+            <a:pPr marL="742950" lvl="1" indent="-285750">
+              <a:buFont typeface="Arial" panose="020B0604020202020204" pitchFamily="34" charset="0"/>
+              <a:buChar char="•"/>
+            </a:pPr>
+            <a:r>
+              <a:rPr lang="en-GB" sz="2800" dirty="0">
+                <a:latin typeface="Bahnschrift Condensed" panose="020B0502040204020203" pitchFamily="34" charset="0"/>
+              </a:rPr>
+              <a:t>Grappling Hook added</a:t>
+            </a:r>
+          </a:p>
+        </p:txBody>
+      </p:sp>
+      <p:sp>
+        <p:nvSpPr>
+          <p:cNvPr id="45" name="TextBox 44">
+            <a:extLst>
+              <a:ext uri="{FF2B5EF4-FFF2-40B4-BE49-F238E27FC236}">
+                <a16:creationId xmlns:a16="http://schemas.microsoft.com/office/drawing/2014/main" id="{7D5322E2-78E6-438C-A2D2-FE45D2583033}"/>
+              </a:ext>
+            </a:extLst>
+          </p:cNvPr>
+          <p:cNvSpPr txBox="1"/>
+          <p:nvPr/>
+        </p:nvSpPr>
+        <p:spPr>
+          <a:xfrm>
+            <a:off x="605610" y="3320445"/>
+            <a:ext cx="6939720" cy="1815882"/>
+          </a:xfrm>
+          <a:prstGeom prst="rect">
+            <a:avLst/>
+          </a:prstGeom>
+          <a:noFill/>
+        </p:spPr>
+        <p:txBody>
+          <a:bodyPr wrap="none" rtlCol="0">
+            <a:spAutoFit/>
+          </a:bodyPr>
+          <a:lstStyle/>
+          <a:p>
+            <a:r>
+              <a:rPr lang="en-GB" sz="2800" u="sng" dirty="0">
+                <a:latin typeface="Bahnschrift Condensed" panose="020B0502040204020203" pitchFamily="34" charset="0"/>
+              </a:rPr>
+              <a:t>Fiero and Tension from Players</a:t>
+            </a:r>
+          </a:p>
+          <a:p>
+            <a:pPr marL="800100" lvl="1" indent="-342900">
+              <a:buFont typeface="Arial" panose="020B0604020202020204" pitchFamily="34" charset="0"/>
+              <a:buChar char="•"/>
+            </a:pPr>
+            <a:r>
+              <a:rPr lang="en-GB" sz="2800" dirty="0">
+                <a:latin typeface="Bahnschrift Condensed" panose="020B0502040204020203" pitchFamily="34" charset="0"/>
+              </a:rPr>
+              <a:t>Providing rooms with little cover</a:t>
+            </a:r>
+          </a:p>
+          <a:p>
+            <a:pPr marL="800100" lvl="1" indent="-342900">
+              <a:buFont typeface="Arial" panose="020B0604020202020204" pitchFamily="34" charset="0"/>
+              <a:buChar char="•"/>
+            </a:pPr>
+            <a:r>
+              <a:rPr lang="en-GB" sz="2800" dirty="0">
+                <a:latin typeface="Bahnschrift Condensed" panose="020B0502040204020203" pitchFamily="34" charset="0"/>
+              </a:rPr>
+              <a:t>Having player go close to and through enemy paths</a:t>
+            </a:r>
+          </a:p>
+          <a:p>
+            <a:pPr marL="800100" lvl="1" indent="-342900">
+              <a:buFont typeface="Arial" panose="020B0604020202020204" pitchFamily="34" charset="0"/>
+              <a:buChar char="•"/>
+            </a:pPr>
+            <a:r>
+              <a:rPr lang="en-GB" sz="2800" dirty="0">
+                <a:latin typeface="Bahnschrift Condensed" panose="020B0502040204020203" pitchFamily="34" charset="0"/>
+              </a:rPr>
+              <a:t>‘Hard Fun’</a:t>
+            </a:r>
+          </a:p>
+        </p:txBody>
+      </p:sp>
+      <p:pic>
+        <p:nvPicPr>
+          <p:cNvPr id="4" name="Picture 3">
+            <a:extLst>
+              <a:ext uri="{FF2B5EF4-FFF2-40B4-BE49-F238E27FC236}">
+                <a16:creationId xmlns:a16="http://schemas.microsoft.com/office/drawing/2014/main" id="{147B4768-0B20-45F6-9C96-EE2263EE9F98}"/>
+              </a:ext>
+            </a:extLst>
+          </p:cNvPr>
+          <p:cNvPicPr>
+            <a:picLocks noChangeAspect="1"/>
+          </p:cNvPicPr>
+          <p:nvPr/>
+        </p:nvPicPr>
+        <p:blipFill>
+          <a:blip r:embed="rId5">
+            <a:extLst>
+              <a:ext uri="{28A0092B-C50C-407E-A947-70E740481C1C}">
+                <a14:useLocalDpi xmlns:a14="http://schemas.microsoft.com/office/drawing/2010/main" val="0"/>
+              </a:ext>
+            </a:extLst>
+          </a:blip>
+          <a:stretch>
+            <a:fillRect/>
+          </a:stretch>
+        </p:blipFill>
+        <p:spPr>
+          <a:xfrm rot="19760206">
+            <a:off x="8103053" y="1750892"/>
+            <a:ext cx="698360" cy="142039"/>
+          </a:xfrm>
+          <a:prstGeom prst="rect">
+            <a:avLst/>
+          </a:prstGeom>
+        </p:spPr>
+      </p:pic>
+      <p:pic>
+        <p:nvPicPr>
+          <p:cNvPr id="46" name="Picture 45">
+            <a:extLst>
+              <a:ext uri="{FF2B5EF4-FFF2-40B4-BE49-F238E27FC236}">
+                <a16:creationId xmlns:a16="http://schemas.microsoft.com/office/drawing/2014/main" id="{73058101-7C92-47BB-AF67-23AA684709CA}"/>
+              </a:ext>
+            </a:extLst>
+          </p:cNvPr>
+          <p:cNvPicPr>
+            <a:picLocks noChangeAspect="1"/>
+          </p:cNvPicPr>
+          <p:nvPr/>
+        </p:nvPicPr>
+        <p:blipFill>
+          <a:blip r:embed="rId5">
+            <a:extLst>
+              <a:ext uri="{28A0092B-C50C-407E-A947-70E740481C1C}">
+                <a14:useLocalDpi xmlns:a14="http://schemas.microsoft.com/office/drawing/2010/main" val="0"/>
+              </a:ext>
+            </a:extLst>
+          </a:blip>
+          <a:stretch>
+            <a:fillRect/>
+          </a:stretch>
+        </p:blipFill>
+        <p:spPr>
+          <a:xfrm rot="19760206">
+            <a:off x="8664464" y="1405516"/>
+            <a:ext cx="698360" cy="142039"/>
+          </a:xfrm>
+          <a:prstGeom prst="rect">
+            <a:avLst/>
+          </a:prstGeom>
+        </p:spPr>
+      </p:pic>
+      <p:pic>
+        <p:nvPicPr>
+          <p:cNvPr id="47" name="Picture 46">
+            <a:extLst>
+              <a:ext uri="{FF2B5EF4-FFF2-40B4-BE49-F238E27FC236}">
+                <a16:creationId xmlns:a16="http://schemas.microsoft.com/office/drawing/2014/main" id="{F2EDE785-AF34-4F9E-95E6-A4CA3C093D8F}"/>
+              </a:ext>
+            </a:extLst>
+          </p:cNvPr>
+          <p:cNvPicPr>
+            <a:picLocks noChangeAspect="1"/>
+          </p:cNvPicPr>
+          <p:nvPr/>
+        </p:nvPicPr>
+        <p:blipFill>
+          <a:blip r:embed="rId5">
+            <a:extLst>
+              <a:ext uri="{28A0092B-C50C-407E-A947-70E740481C1C}">
+                <a14:useLocalDpi xmlns:a14="http://schemas.microsoft.com/office/drawing/2010/main" val="0"/>
+              </a:ext>
+            </a:extLst>
+          </a:blip>
+          <a:stretch>
+            <a:fillRect/>
+          </a:stretch>
+        </p:blipFill>
+        <p:spPr>
+          <a:xfrm rot="19760206">
+            <a:off x="9236633" y="1081736"/>
+            <a:ext cx="698360" cy="142039"/>
+          </a:xfrm>
+          <a:prstGeom prst="rect">
+            <a:avLst/>
+          </a:prstGeom>
+        </p:spPr>
+      </p:pic>
+      <p:pic>
+        <p:nvPicPr>
+          <p:cNvPr id="48" name="Picture 47">
+            <a:extLst>
+              <a:ext uri="{FF2B5EF4-FFF2-40B4-BE49-F238E27FC236}">
+                <a16:creationId xmlns:a16="http://schemas.microsoft.com/office/drawing/2014/main" id="{792540AA-24AC-414D-BE3E-B2F9816FAF7C}"/>
+              </a:ext>
+            </a:extLst>
+          </p:cNvPr>
+          <p:cNvPicPr>
+            <a:picLocks noChangeAspect="1"/>
+          </p:cNvPicPr>
+          <p:nvPr/>
+        </p:nvPicPr>
+        <p:blipFill>
+          <a:blip r:embed="rId5">
+            <a:extLst>
+              <a:ext uri="{28A0092B-C50C-407E-A947-70E740481C1C}">
+                <a14:useLocalDpi xmlns:a14="http://schemas.microsoft.com/office/drawing/2010/main" val="0"/>
+              </a:ext>
+            </a:extLst>
+          </a:blip>
+          <a:stretch>
+            <a:fillRect/>
+          </a:stretch>
+        </p:blipFill>
+        <p:spPr>
+          <a:xfrm rot="19760206">
+            <a:off x="9500000" y="935998"/>
+            <a:ext cx="698360" cy="142039"/>
+          </a:xfrm>
+          <a:prstGeom prst="rect">
+            <a:avLst/>
+          </a:prstGeom>
+        </p:spPr>
+      </p:pic>
+      <p:pic>
+        <p:nvPicPr>
+          <p:cNvPr id="6" name="Picture 5">
+            <a:extLst>
+              <a:ext uri="{FF2B5EF4-FFF2-40B4-BE49-F238E27FC236}">
+                <a16:creationId xmlns:a16="http://schemas.microsoft.com/office/drawing/2014/main" id="{EF90B758-375F-4FBD-9BD1-575550B769EC}"/>
+              </a:ext>
+            </a:extLst>
+          </p:cNvPr>
+          <p:cNvPicPr>
+            <a:picLocks noChangeAspect="1"/>
+          </p:cNvPicPr>
+          <p:nvPr/>
+        </p:nvPicPr>
+        <p:blipFill>
+          <a:blip r:embed="rId6">
+            <a:extLst>
+              <a:ext uri="{28A0092B-C50C-407E-A947-70E740481C1C}">
+                <a14:useLocalDpi xmlns:a14="http://schemas.microsoft.com/office/drawing/2010/main" val="0"/>
+              </a:ext>
+            </a:extLst>
+          </a:blip>
+          <a:stretch>
+            <a:fillRect/>
+          </a:stretch>
+        </p:blipFill>
+        <p:spPr>
+          <a:xfrm rot="19894169">
+            <a:off x="7969754" y="1927898"/>
+            <a:ext cx="291803" cy="218852"/>
+          </a:xfrm>
+          <a:prstGeom prst="rect">
+            <a:avLst/>
+          </a:prstGeom>
+        </p:spPr>
+      </p:pic>
+      <p:sp>
+        <p:nvSpPr>
+          <p:cNvPr id="8" name="TextBox 7">
+            <a:extLst>
+              <a:ext uri="{FF2B5EF4-FFF2-40B4-BE49-F238E27FC236}">
+                <a16:creationId xmlns:a16="http://schemas.microsoft.com/office/drawing/2014/main" id="{F1086DF2-C5CC-4B19-A25B-70CA1CC4EF9B}"/>
+              </a:ext>
+            </a:extLst>
+          </p:cNvPr>
+          <p:cNvSpPr txBox="1"/>
+          <p:nvPr/>
+        </p:nvSpPr>
+        <p:spPr>
+          <a:xfrm>
+            <a:off x="9307996" y="2059290"/>
+            <a:ext cx="953491" cy="954107"/>
+          </a:xfrm>
+          <a:prstGeom prst="rect">
+            <a:avLst/>
+          </a:prstGeom>
+          <a:noFill/>
+        </p:spPr>
+        <p:txBody>
+          <a:bodyPr wrap="square" rtlCol="0">
+            <a:spAutoFit/>
+          </a:bodyPr>
+          <a:lstStyle/>
+          <a:p>
+            <a:r>
+              <a:rPr lang="en-GB" sz="2800" dirty="0">
+                <a:latin typeface="Bahnschrift Condensed" panose="020B0502040204020203" pitchFamily="34" charset="0"/>
+              </a:rPr>
+              <a:t>Enter Room</a:t>
+            </a:r>
+          </a:p>
+        </p:txBody>
+      </p:sp>
+      <p:sp>
+        <p:nvSpPr>
+          <p:cNvPr id="49" name="TextBox 48">
+            <a:extLst>
+              <a:ext uri="{FF2B5EF4-FFF2-40B4-BE49-F238E27FC236}">
+                <a16:creationId xmlns:a16="http://schemas.microsoft.com/office/drawing/2014/main" id="{2360A48E-446B-4AFD-B865-04DD252179D3}"/>
+              </a:ext>
+            </a:extLst>
+          </p:cNvPr>
+          <p:cNvSpPr txBox="1"/>
+          <p:nvPr/>
+        </p:nvSpPr>
+        <p:spPr>
+          <a:xfrm>
+            <a:off x="10363568" y="3605285"/>
+            <a:ext cx="1194863" cy="954107"/>
+          </a:xfrm>
+          <a:prstGeom prst="rect">
+            <a:avLst/>
+          </a:prstGeom>
+          <a:noFill/>
+        </p:spPr>
+        <p:txBody>
+          <a:bodyPr wrap="square" rtlCol="0">
+            <a:spAutoFit/>
+          </a:bodyPr>
+          <a:lstStyle/>
+          <a:p>
+            <a:r>
+              <a:rPr lang="en-GB" sz="2800" dirty="0">
+                <a:latin typeface="Bahnschrift Condensed" panose="020B0502040204020203" pitchFamily="34" charset="0"/>
+              </a:rPr>
+              <a:t>Avoid Enemies</a:t>
+            </a:r>
+          </a:p>
+        </p:txBody>
+      </p:sp>
+      <p:sp>
+        <p:nvSpPr>
+          <p:cNvPr id="50" name="TextBox 49">
+            <a:extLst>
+              <a:ext uri="{FF2B5EF4-FFF2-40B4-BE49-F238E27FC236}">
+                <a16:creationId xmlns:a16="http://schemas.microsoft.com/office/drawing/2014/main" id="{7E73CF1C-646B-4A7E-9576-ADB58BA3965A}"/>
+              </a:ext>
+            </a:extLst>
+          </p:cNvPr>
+          <p:cNvSpPr txBox="1"/>
+          <p:nvPr/>
+        </p:nvSpPr>
+        <p:spPr>
+          <a:xfrm>
+            <a:off x="8115656" y="3667062"/>
+            <a:ext cx="1053149" cy="954107"/>
+          </a:xfrm>
+          <a:prstGeom prst="rect">
+            <a:avLst/>
+          </a:prstGeom>
+          <a:noFill/>
+        </p:spPr>
+        <p:txBody>
+          <a:bodyPr wrap="square" rtlCol="0">
+            <a:spAutoFit/>
+          </a:bodyPr>
+          <a:lstStyle/>
+          <a:p>
+            <a:r>
+              <a:rPr lang="en-GB" sz="2800" dirty="0">
+                <a:latin typeface="Bahnschrift Condensed" panose="020B0502040204020203" pitchFamily="34" charset="0"/>
+              </a:rPr>
+              <a:t>Locate Exit</a:t>
+            </a:r>
+          </a:p>
+        </p:txBody>
+      </p:sp>
+      <p:sp>
+        <p:nvSpPr>
+          <p:cNvPr id="25" name="Arrow: Right 24">
+            <a:extLst>
+              <a:ext uri="{FF2B5EF4-FFF2-40B4-BE49-F238E27FC236}">
+                <a16:creationId xmlns:a16="http://schemas.microsoft.com/office/drawing/2014/main" id="{8D1084F7-F7FD-4E45-A36D-85156CA08791}"/>
+              </a:ext>
+            </a:extLst>
+          </p:cNvPr>
+          <p:cNvSpPr/>
+          <p:nvPr/>
+        </p:nvSpPr>
+        <p:spPr>
+          <a:xfrm rot="3253304">
+            <a:off x="10054227" y="3046641"/>
+            <a:ext cx="1083601" cy="300379"/>
+          </a:xfrm>
+          <a:prstGeom prst="rightArrow">
+            <a:avLst>
+              <a:gd name="adj1" fmla="val 56859"/>
+              <a:gd name="adj2" fmla="val 50000"/>
+            </a:avLst>
+          </a:prstGeom>
+          <a:solidFill>
+            <a:schemeClr val="accent2">
+              <a:lumMod val="20000"/>
+              <a:lumOff val="80000"/>
+            </a:schemeClr>
+          </a:solidFill>
+          <a:ln>
+            <a:solidFill>
+              <a:schemeClr val="tx1"/>
+            </a:solidFill>
+          </a:ln>
+        </p:spPr>
+        <p:style>
+          <a:lnRef idx="2">
+            <a:schemeClr val="accent1">
+              <a:shade val="50000"/>
+            </a:schemeClr>
+          </a:lnRef>
+          <a:fillRef idx="1">
+            <a:schemeClr val="accent1"/>
+          </a:fillRef>
+          <a:effectRef idx="0">
+            <a:schemeClr val="accent1"/>
+          </a:effectRef>
+          <a:fontRef idx="minor">
+            <a:schemeClr val="lt1"/>
+          </a:fontRef>
+        </p:style>
+        <p:txBody>
+          <a:bodyPr rtlCol="0" anchor="ctr"/>
+          <a:lstStyle/>
+          <a:p>
+            <a:pPr algn="ctr"/>
+            <a:endParaRPr lang="en-GB" sz="2000"/>
+          </a:p>
+        </p:txBody>
+      </p:sp>
+      <p:sp>
+        <p:nvSpPr>
+          <p:cNvPr id="52" name="Arrow: Right 51">
+            <a:extLst>
+              <a:ext uri="{FF2B5EF4-FFF2-40B4-BE49-F238E27FC236}">
+                <a16:creationId xmlns:a16="http://schemas.microsoft.com/office/drawing/2014/main" id="{50A62483-5037-471B-81D3-4D6D47B9A780}"/>
+              </a:ext>
+            </a:extLst>
+          </p:cNvPr>
+          <p:cNvSpPr/>
+          <p:nvPr/>
+        </p:nvSpPr>
+        <p:spPr>
+          <a:xfrm rot="10800000">
+            <a:off x="9122044" y="3759173"/>
+            <a:ext cx="1241524" cy="300379"/>
+          </a:xfrm>
+          <a:prstGeom prst="rightArrow">
+            <a:avLst/>
+          </a:prstGeom>
+          <a:solidFill>
+            <a:schemeClr val="accent2">
+              <a:lumMod val="20000"/>
+              <a:lumOff val="80000"/>
+            </a:schemeClr>
+          </a:solidFill>
+          <a:ln>
+            <a:solidFill>
+              <a:schemeClr val="tx1"/>
+            </a:solidFill>
+          </a:ln>
+        </p:spPr>
+        <p:style>
+          <a:lnRef idx="2">
+            <a:schemeClr val="accent1">
+              <a:shade val="50000"/>
+            </a:schemeClr>
+          </a:lnRef>
+          <a:fillRef idx="1">
+            <a:schemeClr val="accent1"/>
+          </a:fillRef>
+          <a:effectRef idx="0">
+            <a:schemeClr val="accent1"/>
+          </a:effectRef>
+          <a:fontRef idx="minor">
+            <a:schemeClr val="lt1"/>
+          </a:fontRef>
+        </p:style>
+        <p:txBody>
+          <a:bodyPr rtlCol="0" anchor="ctr"/>
+          <a:lstStyle/>
+          <a:p>
+            <a:pPr algn="ctr"/>
+            <a:endParaRPr lang="en-GB" sz="2000"/>
+          </a:p>
+        </p:txBody>
+      </p:sp>
+      <p:sp>
+        <p:nvSpPr>
+          <p:cNvPr id="53" name="Arrow: Right 52">
+            <a:extLst>
+              <a:ext uri="{FF2B5EF4-FFF2-40B4-BE49-F238E27FC236}">
+                <a16:creationId xmlns:a16="http://schemas.microsoft.com/office/drawing/2014/main" id="{7BE836C9-0423-40C8-A17C-17FEA16C40B6}"/>
+              </a:ext>
+            </a:extLst>
+          </p:cNvPr>
+          <p:cNvSpPr/>
+          <p:nvPr/>
+        </p:nvSpPr>
+        <p:spPr>
+          <a:xfrm rot="18145287">
+            <a:off x="8365561" y="3069512"/>
+            <a:ext cx="1105261" cy="300379"/>
+          </a:xfrm>
+          <a:prstGeom prst="rightArrow">
+            <a:avLst/>
+          </a:prstGeom>
+          <a:solidFill>
+            <a:schemeClr val="accent2">
+              <a:lumMod val="20000"/>
+              <a:lumOff val="80000"/>
+            </a:schemeClr>
+          </a:solidFill>
+          <a:ln>
+            <a:solidFill>
+              <a:schemeClr val="tx1"/>
+            </a:solidFill>
+          </a:ln>
+        </p:spPr>
+        <p:style>
+          <a:lnRef idx="2">
+            <a:schemeClr val="accent1">
+              <a:shade val="50000"/>
+            </a:schemeClr>
+          </a:lnRef>
+          <a:fillRef idx="1">
+            <a:schemeClr val="accent1"/>
+          </a:fillRef>
+          <a:effectRef idx="0">
+            <a:schemeClr val="accent1"/>
+          </a:effectRef>
+          <a:fontRef idx="minor">
+            <a:schemeClr val="lt1"/>
+          </a:fontRef>
+        </p:style>
+        <p:txBody>
+          <a:bodyPr rtlCol="0" anchor="ctr"/>
+          <a:lstStyle/>
+          <a:p>
+            <a:pPr algn="ctr"/>
+            <a:endParaRPr lang="en-GB" sz="2000"/>
+          </a:p>
+        </p:txBody>
+      </p:sp>
+    </p:spTree>
+    <p:extLst>
+      <p:ext uri="{BB962C8B-B14F-4D97-AF65-F5344CB8AC3E}">
+        <p14:creationId xmlns:p14="http://schemas.microsoft.com/office/powerpoint/2010/main" val="2603235028"/>
+      </p:ext>
+    </p:extLst>
+  </p:cSld>
+  <p:clrMapOvr>
+    <a:masterClrMapping/>
+  </p:clrMapOvr>
+</p:sld>
+</file>
+
+<file path=ppt/slides/slide4.xml><?xml version="1.0" encoding="utf-8"?>
+<p:sld xmlns:a="http://schemas.openxmlformats.org/drawingml/2006/main" xmlns:r="http://schemas.openxmlformats.org/officeDocument/2006/relationships" xmlns:p="http://schemas.openxmlformats.org/presentationml/2006/main">
+  <p:cSld>
+    <p:bg>
+      <p:bgPr>
+        <a:gradFill flip="none" rotWithShape="1">
+          <a:gsLst>
+            <a:gs pos="0">
+              <a:schemeClr val="accent2">
+                <a:lumMod val="40000"/>
+                <a:lumOff val="60000"/>
+              </a:schemeClr>
+            </a:gs>
+            <a:gs pos="26000">
+              <a:schemeClr val="accent2">
+                <a:lumMod val="95000"/>
+                <a:lumOff val="5000"/>
+              </a:schemeClr>
+            </a:gs>
+            <a:gs pos="75000">
+              <a:srgbClr val="EC7A2C">
+                <a:alpha val="69804"/>
+              </a:srgbClr>
+            </a:gs>
+          </a:gsLst>
+          <a:path path="circle">
+            <a:fillToRect l="50000" t="130000" r="50000" b="-30000"/>
+          </a:path>
+          <a:tileRect/>
+        </a:gradFill>
+        <a:effectLst/>
+      </p:bgPr>
+    </p:bg>
+    <p:spTree>
+      <p:nvGrpSpPr>
+        <p:cNvPr id="1" name=""/>
+        <p:cNvGrpSpPr/>
+        <p:nvPr/>
+      </p:nvGrpSpPr>
+      <p:grpSpPr>
+        <a:xfrm>
+          <a:off x="0" y="0"/>
+          <a:ext cx="0" cy="0"/>
+          <a:chOff x="0" y="0"/>
+          <a:chExt cx="0" cy="0"/>
+        </a:xfrm>
+      </p:grpSpPr>
+      <p:pic>
+        <p:nvPicPr>
+          <p:cNvPr id="42" name="Picture 41">
+            <a:extLst>
+              <a:ext uri="{FF2B5EF4-FFF2-40B4-BE49-F238E27FC236}">
+                <a16:creationId xmlns:a16="http://schemas.microsoft.com/office/drawing/2014/main" id="{E598C5E6-8091-44F2-AE1D-479A793DCE13}"/>
+              </a:ext>
+            </a:extLst>
+          </p:cNvPr>
+          <p:cNvPicPr>
+            <a:picLocks noChangeAspect="1"/>
+          </p:cNvPicPr>
+          <p:nvPr/>
+        </p:nvPicPr>
+        <p:blipFill>
+          <a:blip r:embed="rId2">
+            <a:extLst>
+              <a:ext uri="{28A0092B-C50C-407E-A947-70E740481C1C}">
+                <a14:useLocalDpi xmlns:a14="http://schemas.microsoft.com/office/drawing/2010/main" val="0"/>
+              </a:ext>
+            </a:extLst>
+          </a:blip>
+          <a:stretch>
+            <a:fillRect/>
+          </a:stretch>
+        </p:blipFill>
+        <p:spPr>
+          <a:xfrm>
+            <a:off x="1507046" y="4332752"/>
+            <a:ext cx="1113290" cy="1335948"/>
+          </a:xfrm>
+          <a:prstGeom prst="rect">
+            <a:avLst/>
+          </a:prstGeom>
+        </p:spPr>
+      </p:pic>
+      <p:pic>
+        <p:nvPicPr>
+          <p:cNvPr id="7" name="Picture 6">
+            <a:extLst>
+              <a:ext uri="{FF2B5EF4-FFF2-40B4-BE49-F238E27FC236}">
+                <a16:creationId xmlns:a16="http://schemas.microsoft.com/office/drawing/2014/main" id="{44B836B1-C6C3-4EAD-B5AC-9D1EF71AAA55}"/>
+              </a:ext>
+            </a:extLst>
+          </p:cNvPr>
+          <p:cNvPicPr>
+            <a:picLocks noChangeAspect="1"/>
+          </p:cNvPicPr>
+          <p:nvPr/>
+        </p:nvPicPr>
+        <p:blipFill>
+          <a:blip r:embed="rId3">
+            <a:extLst>
+              <a:ext uri="{28A0092B-C50C-407E-A947-70E740481C1C}">
+                <a14:useLocalDpi xmlns:a14="http://schemas.microsoft.com/office/drawing/2010/main" val="0"/>
+              </a:ext>
+            </a:extLst>
+          </a:blip>
+          <a:stretch>
+            <a:fillRect/>
+          </a:stretch>
+        </p:blipFill>
+        <p:spPr>
+          <a:xfrm>
+            <a:off x="0" y="5482206"/>
+            <a:ext cx="1375794" cy="1375794"/>
+          </a:xfrm>
+          <a:prstGeom prst="rect">
+            <a:avLst/>
+          </a:prstGeom>
+          <a:effectLst>
+            <a:outerShdw dist="165100" algn="ctr" rotWithShape="0">
+              <a:srgbClr val="000000">
+                <a:alpha val="43137"/>
+              </a:srgbClr>
+            </a:outerShdw>
+          </a:effectLst>
+        </p:spPr>
+      </p:pic>
+      <p:pic>
+        <p:nvPicPr>
+          <p:cNvPr id="10" name="Picture 9">
+            <a:extLst>
+              <a:ext uri="{FF2B5EF4-FFF2-40B4-BE49-F238E27FC236}">
+                <a16:creationId xmlns:a16="http://schemas.microsoft.com/office/drawing/2014/main" id="{4B0A6CF1-72CA-47E6-B852-8AAAA1E54C5B}"/>
+              </a:ext>
+            </a:extLst>
+          </p:cNvPr>
+          <p:cNvPicPr>
+            <a:picLocks noChangeAspect="1"/>
+          </p:cNvPicPr>
+          <p:nvPr/>
+        </p:nvPicPr>
+        <p:blipFill>
+          <a:blip r:embed="rId3">
+            <a:extLst>
+              <a:ext uri="{28A0092B-C50C-407E-A947-70E740481C1C}">
+                <a14:useLocalDpi xmlns:a14="http://schemas.microsoft.com/office/drawing/2010/main" val="0"/>
+              </a:ext>
+            </a:extLst>
+          </a:blip>
+          <a:stretch>
+            <a:fillRect/>
+          </a:stretch>
+        </p:blipFill>
+        <p:spPr>
+          <a:xfrm>
+            <a:off x="1375794" y="5482206"/>
+            <a:ext cx="1375794" cy="1375794"/>
+          </a:xfrm>
+          <a:prstGeom prst="rect">
+            <a:avLst/>
+          </a:prstGeom>
+          <a:effectLst>
+            <a:outerShdw dist="165100" algn="ctr" rotWithShape="0">
+              <a:srgbClr val="000000">
+                <a:alpha val="43137"/>
+              </a:srgbClr>
+            </a:outerShdw>
+          </a:effectLst>
+        </p:spPr>
+      </p:pic>
+      <p:pic>
+        <p:nvPicPr>
+          <p:cNvPr id="11" name="Picture 10">
+            <a:extLst>
+              <a:ext uri="{FF2B5EF4-FFF2-40B4-BE49-F238E27FC236}">
+                <a16:creationId xmlns:a16="http://schemas.microsoft.com/office/drawing/2014/main" id="{2ACD24B4-FAEE-4450-8B52-5868D3309BFE}"/>
+              </a:ext>
+            </a:extLst>
+          </p:cNvPr>
+          <p:cNvPicPr>
+            <a:picLocks noChangeAspect="1"/>
+          </p:cNvPicPr>
+          <p:nvPr/>
+        </p:nvPicPr>
+        <p:blipFill>
+          <a:blip r:embed="rId3">
+            <a:extLst>
+              <a:ext uri="{28A0092B-C50C-407E-A947-70E740481C1C}">
+                <a14:useLocalDpi xmlns:a14="http://schemas.microsoft.com/office/drawing/2010/main" val="0"/>
+              </a:ext>
+            </a:extLst>
+          </a:blip>
+          <a:stretch>
+            <a:fillRect/>
+          </a:stretch>
+        </p:blipFill>
+        <p:spPr>
+          <a:xfrm>
+            <a:off x="2751588" y="5482206"/>
+            <a:ext cx="1375794" cy="1375794"/>
+          </a:xfrm>
+          <a:prstGeom prst="rect">
+            <a:avLst/>
+          </a:prstGeom>
+          <a:effectLst>
+            <a:outerShdw dist="165100" algn="ctr" rotWithShape="0">
+              <a:srgbClr val="000000">
+                <a:alpha val="43137"/>
+              </a:srgbClr>
+            </a:outerShdw>
+          </a:effectLst>
+        </p:spPr>
+      </p:pic>
+      <p:pic>
+        <p:nvPicPr>
+          <p:cNvPr id="12" name="Picture 11">
+            <a:extLst>
+              <a:ext uri="{FF2B5EF4-FFF2-40B4-BE49-F238E27FC236}">
+                <a16:creationId xmlns:a16="http://schemas.microsoft.com/office/drawing/2014/main" id="{4775F30A-10B9-4C48-AA69-9A5B1A98D2DA}"/>
+              </a:ext>
+            </a:extLst>
+          </p:cNvPr>
+          <p:cNvPicPr>
+            <a:picLocks noChangeAspect="1"/>
+          </p:cNvPicPr>
+          <p:nvPr/>
+        </p:nvPicPr>
+        <p:blipFill>
+          <a:blip r:embed="rId3">
+            <a:extLst>
+              <a:ext uri="{28A0092B-C50C-407E-A947-70E740481C1C}">
+                <a14:useLocalDpi xmlns:a14="http://schemas.microsoft.com/office/drawing/2010/main" val="0"/>
+              </a:ext>
+            </a:extLst>
+          </a:blip>
+          <a:stretch>
+            <a:fillRect/>
+          </a:stretch>
+        </p:blipFill>
+        <p:spPr>
+          <a:xfrm>
+            <a:off x="4127382" y="5482206"/>
+            <a:ext cx="1375794" cy="1375794"/>
+          </a:xfrm>
+          <a:prstGeom prst="rect">
+            <a:avLst/>
+          </a:prstGeom>
+          <a:effectLst>
+            <a:outerShdw dist="165100" algn="ctr" rotWithShape="0">
+              <a:srgbClr val="000000">
+                <a:alpha val="43137"/>
+              </a:srgbClr>
+            </a:outerShdw>
+          </a:effectLst>
+        </p:spPr>
+      </p:pic>
+      <p:pic>
+        <p:nvPicPr>
+          <p:cNvPr id="13" name="Picture 12">
+            <a:extLst>
+              <a:ext uri="{FF2B5EF4-FFF2-40B4-BE49-F238E27FC236}">
+                <a16:creationId xmlns:a16="http://schemas.microsoft.com/office/drawing/2014/main" id="{6309CBEB-58D7-46B6-809D-9038F02C0D37}"/>
+              </a:ext>
+            </a:extLst>
+          </p:cNvPr>
+          <p:cNvPicPr>
+            <a:picLocks noChangeAspect="1"/>
+          </p:cNvPicPr>
+          <p:nvPr/>
+        </p:nvPicPr>
+        <p:blipFill>
+          <a:blip r:embed="rId3">
+            <a:extLst>
+              <a:ext uri="{28A0092B-C50C-407E-A947-70E740481C1C}">
+                <a14:useLocalDpi xmlns:a14="http://schemas.microsoft.com/office/drawing/2010/main" val="0"/>
+              </a:ext>
+            </a:extLst>
+          </a:blip>
+          <a:stretch>
+            <a:fillRect/>
+          </a:stretch>
+        </p:blipFill>
+        <p:spPr>
+          <a:xfrm>
+            <a:off x="5503176" y="5482206"/>
+            <a:ext cx="1375794" cy="1375794"/>
+          </a:xfrm>
+          <a:prstGeom prst="rect">
+            <a:avLst/>
+          </a:prstGeom>
+          <a:effectLst>
+            <a:outerShdw dist="165100" algn="ctr" rotWithShape="0">
+              <a:srgbClr val="000000">
+                <a:alpha val="43137"/>
+              </a:srgbClr>
+            </a:outerShdw>
+          </a:effectLst>
+        </p:spPr>
+      </p:pic>
+      <p:pic>
+        <p:nvPicPr>
+          <p:cNvPr id="14" name="Picture 13">
+            <a:extLst>
+              <a:ext uri="{FF2B5EF4-FFF2-40B4-BE49-F238E27FC236}">
+                <a16:creationId xmlns:a16="http://schemas.microsoft.com/office/drawing/2014/main" id="{BF502DC7-20A1-4713-B8F0-27F5F6D3FA6D}"/>
+              </a:ext>
+            </a:extLst>
+          </p:cNvPr>
+          <p:cNvPicPr>
+            <a:picLocks noChangeAspect="1"/>
+          </p:cNvPicPr>
+          <p:nvPr/>
+        </p:nvPicPr>
+        <p:blipFill>
+          <a:blip r:embed="rId3">
+            <a:extLst>
+              <a:ext uri="{28A0092B-C50C-407E-A947-70E740481C1C}">
+                <a14:useLocalDpi xmlns:a14="http://schemas.microsoft.com/office/drawing/2010/main" val="0"/>
+              </a:ext>
+            </a:extLst>
+          </a:blip>
+          <a:stretch>
+            <a:fillRect/>
+          </a:stretch>
+        </p:blipFill>
+        <p:spPr>
+          <a:xfrm>
+            <a:off x="6878970" y="5482206"/>
+            <a:ext cx="1375794" cy="1375794"/>
+          </a:xfrm>
+          <a:prstGeom prst="rect">
+            <a:avLst/>
+          </a:prstGeom>
+          <a:effectLst>
+            <a:outerShdw dist="165100" algn="ctr" rotWithShape="0">
+              <a:srgbClr val="000000">
+                <a:alpha val="43137"/>
+              </a:srgbClr>
+            </a:outerShdw>
+          </a:effectLst>
+        </p:spPr>
+      </p:pic>
+      <p:pic>
+        <p:nvPicPr>
+          <p:cNvPr id="15" name="Picture 14">
+            <a:extLst>
+              <a:ext uri="{FF2B5EF4-FFF2-40B4-BE49-F238E27FC236}">
+                <a16:creationId xmlns:a16="http://schemas.microsoft.com/office/drawing/2014/main" id="{B163AFE9-FCAA-42DC-A3A4-EA6B06744B0B}"/>
+              </a:ext>
+            </a:extLst>
+          </p:cNvPr>
+          <p:cNvPicPr>
+            <a:picLocks noChangeAspect="1"/>
+          </p:cNvPicPr>
+          <p:nvPr/>
+        </p:nvPicPr>
+        <p:blipFill>
+          <a:blip r:embed="rId3">
+            <a:extLst>
+              <a:ext uri="{28A0092B-C50C-407E-A947-70E740481C1C}">
+                <a14:useLocalDpi xmlns:a14="http://schemas.microsoft.com/office/drawing/2010/main" val="0"/>
+              </a:ext>
+            </a:extLst>
+          </a:blip>
+          <a:stretch>
+            <a:fillRect/>
+          </a:stretch>
+        </p:blipFill>
+        <p:spPr>
+          <a:xfrm>
+            <a:off x="8254764" y="5482206"/>
+            <a:ext cx="1375794" cy="1375794"/>
+          </a:xfrm>
+          <a:prstGeom prst="rect">
+            <a:avLst/>
+          </a:prstGeom>
+          <a:effectLst>
+            <a:outerShdw dist="165100" algn="ctr" rotWithShape="0">
+              <a:srgbClr val="000000">
+                <a:alpha val="43137"/>
+              </a:srgbClr>
+            </a:outerShdw>
+          </a:effectLst>
+        </p:spPr>
+      </p:pic>
+      <p:pic>
+        <p:nvPicPr>
+          <p:cNvPr id="16" name="Picture 15">
+            <a:extLst>
+              <a:ext uri="{FF2B5EF4-FFF2-40B4-BE49-F238E27FC236}">
+                <a16:creationId xmlns:a16="http://schemas.microsoft.com/office/drawing/2014/main" id="{01CA3122-8BBD-4ECB-BB95-00FB73D72B65}"/>
+              </a:ext>
+            </a:extLst>
+          </p:cNvPr>
+          <p:cNvPicPr>
+            <a:picLocks noChangeAspect="1"/>
+          </p:cNvPicPr>
+          <p:nvPr/>
+        </p:nvPicPr>
+        <p:blipFill>
+          <a:blip r:embed="rId3">
+            <a:extLst>
+              <a:ext uri="{28A0092B-C50C-407E-A947-70E740481C1C}">
+                <a14:useLocalDpi xmlns:a14="http://schemas.microsoft.com/office/drawing/2010/main" val="0"/>
+              </a:ext>
+            </a:extLst>
+          </a:blip>
+          <a:stretch>
+            <a:fillRect/>
+          </a:stretch>
+        </p:blipFill>
+        <p:spPr>
+          <a:xfrm>
+            <a:off x="9630558" y="5482206"/>
+            <a:ext cx="1375794" cy="1375794"/>
+          </a:xfrm>
+          <a:prstGeom prst="rect">
+            <a:avLst/>
+          </a:prstGeom>
+          <a:effectLst>
+            <a:outerShdw dist="165100" algn="ctr" rotWithShape="0">
+              <a:srgbClr val="000000">
+                <a:alpha val="43137"/>
+              </a:srgbClr>
+            </a:outerShdw>
+          </a:effectLst>
+        </p:spPr>
+      </p:pic>
+      <p:pic>
+        <p:nvPicPr>
+          <p:cNvPr id="17" name="Picture 16">
+            <a:extLst>
+              <a:ext uri="{FF2B5EF4-FFF2-40B4-BE49-F238E27FC236}">
+                <a16:creationId xmlns:a16="http://schemas.microsoft.com/office/drawing/2014/main" id="{47C0484B-D26D-4BD6-A04D-3FF4C2916F98}"/>
+              </a:ext>
+            </a:extLst>
+          </p:cNvPr>
+          <p:cNvPicPr>
+            <a:picLocks noChangeAspect="1"/>
+          </p:cNvPicPr>
+          <p:nvPr/>
+        </p:nvPicPr>
+        <p:blipFill>
+          <a:blip r:embed="rId3">
+            <a:extLst>
+              <a:ext uri="{28A0092B-C50C-407E-A947-70E740481C1C}">
+                <a14:useLocalDpi xmlns:a14="http://schemas.microsoft.com/office/drawing/2010/main" val="0"/>
+              </a:ext>
+            </a:extLst>
+          </a:blip>
+          <a:stretch>
+            <a:fillRect/>
+          </a:stretch>
+        </p:blipFill>
+        <p:spPr>
+          <a:xfrm>
+            <a:off x="11006352" y="5482206"/>
+            <a:ext cx="1375794" cy="1375794"/>
+          </a:xfrm>
+          <a:prstGeom prst="rect">
+            <a:avLst/>
+          </a:prstGeom>
+          <a:effectLst>
+            <a:outerShdw dist="165100" algn="ctr" rotWithShape="0">
+              <a:srgbClr val="000000">
+                <a:alpha val="43137"/>
+              </a:srgbClr>
+            </a:outerShdw>
+          </a:effectLst>
+        </p:spPr>
+      </p:pic>
+      <p:pic>
+        <p:nvPicPr>
+          <p:cNvPr id="29" name="Picture 28">
+            <a:extLst>
+              <a:ext uri="{FF2B5EF4-FFF2-40B4-BE49-F238E27FC236}">
+                <a16:creationId xmlns:a16="http://schemas.microsoft.com/office/drawing/2014/main" id="{AD04A304-858F-48E1-BF87-761D6D9A8A70}"/>
+              </a:ext>
+            </a:extLst>
+          </p:cNvPr>
+          <p:cNvPicPr>
+            <a:picLocks noChangeAspect="1"/>
+          </p:cNvPicPr>
+          <p:nvPr/>
+        </p:nvPicPr>
+        <p:blipFill>
+          <a:blip r:embed="rId4">
+            <a:extLst>
+              <a:ext uri="{28A0092B-C50C-407E-A947-70E740481C1C}">
+                <a14:useLocalDpi xmlns:a14="http://schemas.microsoft.com/office/drawing/2010/main" val="0"/>
+              </a:ext>
+            </a:extLst>
+          </a:blip>
+          <a:stretch>
+            <a:fillRect/>
+          </a:stretch>
+        </p:blipFill>
+        <p:spPr>
+          <a:xfrm>
+            <a:off x="0" y="0"/>
+            <a:ext cx="905660" cy="905660"/>
+          </a:xfrm>
+          <a:prstGeom prst="rect">
+            <a:avLst/>
+          </a:prstGeom>
+        </p:spPr>
+      </p:pic>
+      <p:pic>
+        <p:nvPicPr>
+          <p:cNvPr id="30" name="Picture 29">
+            <a:extLst>
+              <a:ext uri="{FF2B5EF4-FFF2-40B4-BE49-F238E27FC236}">
+                <a16:creationId xmlns:a16="http://schemas.microsoft.com/office/drawing/2014/main" id="{0A10D12A-7790-4FBC-801F-27505887D3AE}"/>
+              </a:ext>
+            </a:extLst>
+          </p:cNvPr>
+          <p:cNvPicPr>
+            <a:picLocks noChangeAspect="1"/>
+          </p:cNvPicPr>
+          <p:nvPr/>
+        </p:nvPicPr>
+        <p:blipFill>
+          <a:blip r:embed="rId4">
+            <a:extLst>
+              <a:ext uri="{28A0092B-C50C-407E-A947-70E740481C1C}">
+                <a14:useLocalDpi xmlns:a14="http://schemas.microsoft.com/office/drawing/2010/main" val="0"/>
+              </a:ext>
+            </a:extLst>
+          </a:blip>
+          <a:stretch>
+            <a:fillRect/>
+          </a:stretch>
+        </p:blipFill>
+        <p:spPr>
+          <a:xfrm>
+            <a:off x="905660" y="0"/>
+            <a:ext cx="905660" cy="905660"/>
+          </a:xfrm>
+          <a:prstGeom prst="rect">
+            <a:avLst/>
+          </a:prstGeom>
+        </p:spPr>
+      </p:pic>
+      <p:pic>
+        <p:nvPicPr>
+          <p:cNvPr id="31" name="Picture 30">
+            <a:extLst>
+              <a:ext uri="{FF2B5EF4-FFF2-40B4-BE49-F238E27FC236}">
+                <a16:creationId xmlns:a16="http://schemas.microsoft.com/office/drawing/2014/main" id="{34568B21-4967-4460-A568-8F7DE8B79CB5}"/>
+              </a:ext>
+            </a:extLst>
+          </p:cNvPr>
+          <p:cNvPicPr>
+            <a:picLocks noChangeAspect="1"/>
+          </p:cNvPicPr>
+          <p:nvPr/>
+        </p:nvPicPr>
+        <p:blipFill>
+          <a:blip r:embed="rId4">
+            <a:extLst>
+              <a:ext uri="{28A0092B-C50C-407E-A947-70E740481C1C}">
+                <a14:useLocalDpi xmlns:a14="http://schemas.microsoft.com/office/drawing/2010/main" val="0"/>
+              </a:ext>
+            </a:extLst>
+          </a:blip>
+          <a:stretch>
+            <a:fillRect/>
+          </a:stretch>
+        </p:blipFill>
+        <p:spPr>
+          <a:xfrm>
+            <a:off x="1811320" y="-7926"/>
+            <a:ext cx="905660" cy="905660"/>
+          </a:xfrm>
+          <a:prstGeom prst="rect">
+            <a:avLst/>
+          </a:prstGeom>
+        </p:spPr>
+      </p:pic>
+      <p:pic>
+        <p:nvPicPr>
+          <p:cNvPr id="32" name="Picture 31">
+            <a:extLst>
+              <a:ext uri="{FF2B5EF4-FFF2-40B4-BE49-F238E27FC236}">
+                <a16:creationId xmlns:a16="http://schemas.microsoft.com/office/drawing/2014/main" id="{1F50D146-0480-463B-B14A-86EE03C3699F}"/>
+              </a:ext>
+            </a:extLst>
+          </p:cNvPr>
+          <p:cNvPicPr>
+            <a:picLocks noChangeAspect="1"/>
+          </p:cNvPicPr>
+          <p:nvPr/>
+        </p:nvPicPr>
+        <p:blipFill>
+          <a:blip r:embed="rId4">
+            <a:extLst>
+              <a:ext uri="{28A0092B-C50C-407E-A947-70E740481C1C}">
+                <a14:useLocalDpi xmlns:a14="http://schemas.microsoft.com/office/drawing/2010/main" val="0"/>
+              </a:ext>
+            </a:extLst>
+          </a:blip>
+          <a:stretch>
+            <a:fillRect/>
+          </a:stretch>
+        </p:blipFill>
+        <p:spPr>
+          <a:xfrm>
+            <a:off x="2716980" y="-7926"/>
+            <a:ext cx="905660" cy="905660"/>
+          </a:xfrm>
+          <a:prstGeom prst="rect">
+            <a:avLst/>
+          </a:prstGeom>
+        </p:spPr>
+      </p:pic>
+      <p:pic>
+        <p:nvPicPr>
+          <p:cNvPr id="33" name="Picture 32">
+            <a:extLst>
+              <a:ext uri="{FF2B5EF4-FFF2-40B4-BE49-F238E27FC236}">
+                <a16:creationId xmlns:a16="http://schemas.microsoft.com/office/drawing/2014/main" id="{E851B150-EFAD-4FDE-B8D0-14E6ADAE534E}"/>
+              </a:ext>
+            </a:extLst>
+          </p:cNvPr>
+          <p:cNvPicPr>
+            <a:picLocks noChangeAspect="1"/>
+          </p:cNvPicPr>
+          <p:nvPr/>
+        </p:nvPicPr>
+        <p:blipFill>
+          <a:blip r:embed="rId4">
+            <a:extLst>
+              <a:ext uri="{28A0092B-C50C-407E-A947-70E740481C1C}">
+                <a14:useLocalDpi xmlns:a14="http://schemas.microsoft.com/office/drawing/2010/main" val="0"/>
+              </a:ext>
+            </a:extLst>
+          </a:blip>
+          <a:stretch>
+            <a:fillRect/>
+          </a:stretch>
+        </p:blipFill>
+        <p:spPr>
+          <a:xfrm>
+            <a:off x="3622640" y="0"/>
+            <a:ext cx="905660" cy="905660"/>
+          </a:xfrm>
+          <a:prstGeom prst="rect">
+            <a:avLst/>
+          </a:prstGeom>
+        </p:spPr>
+      </p:pic>
+      <p:pic>
+        <p:nvPicPr>
+          <p:cNvPr id="34" name="Picture 33">
+            <a:extLst>
+              <a:ext uri="{FF2B5EF4-FFF2-40B4-BE49-F238E27FC236}">
+                <a16:creationId xmlns:a16="http://schemas.microsoft.com/office/drawing/2014/main" id="{A6B509EC-568E-4992-9B66-2DA3DEF480DB}"/>
+              </a:ext>
+            </a:extLst>
+          </p:cNvPr>
+          <p:cNvPicPr>
+            <a:picLocks noChangeAspect="1"/>
+          </p:cNvPicPr>
+          <p:nvPr/>
+        </p:nvPicPr>
+        <p:blipFill>
+          <a:blip r:embed="rId4">
+            <a:extLst>
+              <a:ext uri="{28A0092B-C50C-407E-A947-70E740481C1C}">
+                <a14:useLocalDpi xmlns:a14="http://schemas.microsoft.com/office/drawing/2010/main" val="0"/>
+              </a:ext>
+            </a:extLst>
+          </a:blip>
+          <a:stretch>
+            <a:fillRect/>
+          </a:stretch>
+        </p:blipFill>
+        <p:spPr>
+          <a:xfrm>
+            <a:off x="4528300" y="0"/>
+            <a:ext cx="905660" cy="905660"/>
+          </a:xfrm>
+          <a:prstGeom prst="rect">
+            <a:avLst/>
+          </a:prstGeom>
+        </p:spPr>
+      </p:pic>
+      <p:pic>
+        <p:nvPicPr>
+          <p:cNvPr id="35" name="Picture 34">
+            <a:extLst>
+              <a:ext uri="{FF2B5EF4-FFF2-40B4-BE49-F238E27FC236}">
+                <a16:creationId xmlns:a16="http://schemas.microsoft.com/office/drawing/2014/main" id="{A617F1BB-C1A2-43A3-9283-B5F48B7D9F31}"/>
+              </a:ext>
+            </a:extLst>
+          </p:cNvPr>
+          <p:cNvPicPr>
+            <a:picLocks noChangeAspect="1"/>
+          </p:cNvPicPr>
+          <p:nvPr/>
+        </p:nvPicPr>
+        <p:blipFill>
+          <a:blip r:embed="rId4">
+            <a:extLst>
+              <a:ext uri="{28A0092B-C50C-407E-A947-70E740481C1C}">
+                <a14:useLocalDpi xmlns:a14="http://schemas.microsoft.com/office/drawing/2010/main" val="0"/>
+              </a:ext>
+            </a:extLst>
+          </a:blip>
+          <a:stretch>
+            <a:fillRect/>
+          </a:stretch>
+        </p:blipFill>
+        <p:spPr>
+          <a:xfrm>
+            <a:off x="5433960" y="0"/>
+            <a:ext cx="905660" cy="905660"/>
+          </a:xfrm>
+          <a:prstGeom prst="rect">
+            <a:avLst/>
+          </a:prstGeom>
+        </p:spPr>
+      </p:pic>
+      <p:pic>
+        <p:nvPicPr>
+          <p:cNvPr id="36" name="Picture 35">
+            <a:extLst>
+              <a:ext uri="{FF2B5EF4-FFF2-40B4-BE49-F238E27FC236}">
+                <a16:creationId xmlns:a16="http://schemas.microsoft.com/office/drawing/2014/main" id="{E9540E28-1E7D-4185-B9B2-28D6DA52AAAA}"/>
+              </a:ext>
+            </a:extLst>
+          </p:cNvPr>
+          <p:cNvPicPr>
+            <a:picLocks noChangeAspect="1"/>
+          </p:cNvPicPr>
+          <p:nvPr/>
+        </p:nvPicPr>
+        <p:blipFill>
+          <a:blip r:embed="rId4">
+            <a:extLst>
+              <a:ext uri="{28A0092B-C50C-407E-A947-70E740481C1C}">
+                <a14:useLocalDpi xmlns:a14="http://schemas.microsoft.com/office/drawing/2010/main" val="0"/>
+              </a:ext>
+            </a:extLst>
+          </a:blip>
+          <a:stretch>
+            <a:fillRect/>
+          </a:stretch>
+        </p:blipFill>
+        <p:spPr>
+          <a:xfrm>
+            <a:off x="6339620" y="0"/>
+            <a:ext cx="905660" cy="905660"/>
+          </a:xfrm>
+          <a:prstGeom prst="rect">
+            <a:avLst/>
+          </a:prstGeom>
+        </p:spPr>
+      </p:pic>
+      <p:pic>
+        <p:nvPicPr>
+          <p:cNvPr id="37" name="Picture 36">
+            <a:extLst>
+              <a:ext uri="{FF2B5EF4-FFF2-40B4-BE49-F238E27FC236}">
+                <a16:creationId xmlns:a16="http://schemas.microsoft.com/office/drawing/2014/main" id="{0634F39E-D40A-4F93-A3C5-DF8F7E34231B}"/>
+              </a:ext>
+            </a:extLst>
+          </p:cNvPr>
+          <p:cNvPicPr>
+            <a:picLocks noChangeAspect="1"/>
+          </p:cNvPicPr>
+          <p:nvPr/>
+        </p:nvPicPr>
+        <p:blipFill>
+          <a:blip r:embed="rId4">
+            <a:extLst>
+              <a:ext uri="{28A0092B-C50C-407E-A947-70E740481C1C}">
+                <a14:useLocalDpi xmlns:a14="http://schemas.microsoft.com/office/drawing/2010/main" val="0"/>
+              </a:ext>
+            </a:extLst>
+          </a:blip>
+          <a:stretch>
+            <a:fillRect/>
+          </a:stretch>
+        </p:blipFill>
+        <p:spPr>
+          <a:xfrm>
+            <a:off x="7210870" y="0"/>
+            <a:ext cx="905660" cy="905660"/>
+          </a:xfrm>
+          <a:prstGeom prst="rect">
+            <a:avLst/>
+          </a:prstGeom>
+        </p:spPr>
+      </p:pic>
+      <p:pic>
+        <p:nvPicPr>
+          <p:cNvPr id="38" name="Picture 37">
+            <a:extLst>
+              <a:ext uri="{FF2B5EF4-FFF2-40B4-BE49-F238E27FC236}">
+                <a16:creationId xmlns:a16="http://schemas.microsoft.com/office/drawing/2014/main" id="{BBDFA3FD-AC1D-4651-AAC9-B605D920D28E}"/>
+              </a:ext>
+            </a:extLst>
+          </p:cNvPr>
+          <p:cNvPicPr>
+            <a:picLocks noChangeAspect="1"/>
+          </p:cNvPicPr>
+          <p:nvPr/>
+        </p:nvPicPr>
+        <p:blipFill>
+          <a:blip r:embed="rId4">
+            <a:extLst>
+              <a:ext uri="{28A0092B-C50C-407E-A947-70E740481C1C}">
+                <a14:useLocalDpi xmlns:a14="http://schemas.microsoft.com/office/drawing/2010/main" val="0"/>
+              </a:ext>
+            </a:extLst>
+          </a:blip>
+          <a:stretch>
+            <a:fillRect/>
+          </a:stretch>
+        </p:blipFill>
+        <p:spPr>
+          <a:xfrm>
+            <a:off x="8116530" y="0"/>
+            <a:ext cx="905660" cy="905660"/>
+          </a:xfrm>
+          <a:prstGeom prst="rect">
+            <a:avLst/>
+          </a:prstGeom>
+        </p:spPr>
+      </p:pic>
+      <p:pic>
+        <p:nvPicPr>
+          <p:cNvPr id="39" name="Picture 38">
+            <a:extLst>
+              <a:ext uri="{FF2B5EF4-FFF2-40B4-BE49-F238E27FC236}">
+                <a16:creationId xmlns:a16="http://schemas.microsoft.com/office/drawing/2014/main" id="{A2806EB1-797B-428D-BAC5-FC9E994C5D07}"/>
+              </a:ext>
+            </a:extLst>
+          </p:cNvPr>
+          <p:cNvPicPr>
+            <a:picLocks noChangeAspect="1"/>
+          </p:cNvPicPr>
+          <p:nvPr/>
+        </p:nvPicPr>
+        <p:blipFill>
+          <a:blip r:embed="rId4">
+            <a:extLst>
+              <a:ext uri="{28A0092B-C50C-407E-A947-70E740481C1C}">
+                <a14:useLocalDpi xmlns:a14="http://schemas.microsoft.com/office/drawing/2010/main" val="0"/>
+              </a:ext>
+            </a:extLst>
+          </a:blip>
+          <a:stretch>
+            <a:fillRect/>
+          </a:stretch>
+        </p:blipFill>
+        <p:spPr>
+          <a:xfrm>
+            <a:off x="9022190" y="0"/>
+            <a:ext cx="905660" cy="905660"/>
+          </a:xfrm>
+          <a:prstGeom prst="rect">
+            <a:avLst/>
+          </a:prstGeom>
+        </p:spPr>
+      </p:pic>
+      <p:pic>
+        <p:nvPicPr>
+          <p:cNvPr id="40" name="Picture 39">
+            <a:extLst>
+              <a:ext uri="{FF2B5EF4-FFF2-40B4-BE49-F238E27FC236}">
+                <a16:creationId xmlns:a16="http://schemas.microsoft.com/office/drawing/2014/main" id="{F968631A-49FA-4563-BC4B-8B831F921F3F}"/>
+              </a:ext>
+            </a:extLst>
+          </p:cNvPr>
+          <p:cNvPicPr>
+            <a:picLocks noChangeAspect="1"/>
+          </p:cNvPicPr>
+          <p:nvPr/>
+        </p:nvPicPr>
+        <p:blipFill>
+          <a:blip r:embed="rId4">
+            <a:extLst>
+              <a:ext uri="{28A0092B-C50C-407E-A947-70E740481C1C}">
+                <a14:useLocalDpi xmlns:a14="http://schemas.microsoft.com/office/drawing/2010/main" val="0"/>
+              </a:ext>
+            </a:extLst>
+          </a:blip>
+          <a:stretch>
+            <a:fillRect/>
+          </a:stretch>
+        </p:blipFill>
+        <p:spPr>
+          <a:xfrm>
+            <a:off x="9927850" y="-7926"/>
+            <a:ext cx="905660" cy="905660"/>
+          </a:xfrm>
+          <a:prstGeom prst="rect">
+            <a:avLst/>
+          </a:prstGeom>
+        </p:spPr>
+      </p:pic>
+      <p:pic>
+        <p:nvPicPr>
+          <p:cNvPr id="43" name="Picture 42">
+            <a:extLst>
+              <a:ext uri="{FF2B5EF4-FFF2-40B4-BE49-F238E27FC236}">
+                <a16:creationId xmlns:a16="http://schemas.microsoft.com/office/drawing/2014/main" id="{7AC2B981-B522-440A-877D-4015B7D9CCFF}"/>
+              </a:ext>
+            </a:extLst>
+          </p:cNvPr>
+          <p:cNvPicPr>
+            <a:picLocks noChangeAspect="1"/>
+          </p:cNvPicPr>
+          <p:nvPr/>
+        </p:nvPicPr>
+        <p:blipFill>
+          <a:blip r:embed="rId4">
+            <a:extLst>
+              <a:ext uri="{28A0092B-C50C-407E-A947-70E740481C1C}">
+                <a14:useLocalDpi xmlns:a14="http://schemas.microsoft.com/office/drawing/2010/main" val="0"/>
+              </a:ext>
+            </a:extLst>
+          </a:blip>
+          <a:stretch>
+            <a:fillRect/>
+          </a:stretch>
+        </p:blipFill>
+        <p:spPr>
+          <a:xfrm>
+            <a:off x="10380680" y="-7926"/>
+            <a:ext cx="905660" cy="905660"/>
+          </a:xfrm>
+          <a:prstGeom prst="rect">
+            <a:avLst/>
+          </a:prstGeom>
+        </p:spPr>
+      </p:pic>
+      <p:pic>
+        <p:nvPicPr>
+          <p:cNvPr id="44" name="Picture 43">
+            <a:extLst>
+              <a:ext uri="{FF2B5EF4-FFF2-40B4-BE49-F238E27FC236}">
+                <a16:creationId xmlns:a16="http://schemas.microsoft.com/office/drawing/2014/main" id="{5D4FCCC4-3464-428E-B41E-3BCBB49A154E}"/>
+              </a:ext>
+            </a:extLst>
+          </p:cNvPr>
+          <p:cNvPicPr>
+            <a:picLocks noChangeAspect="1"/>
+          </p:cNvPicPr>
+          <p:nvPr/>
+        </p:nvPicPr>
+        <p:blipFill>
+          <a:blip r:embed="rId4">
+            <a:extLst>
+              <a:ext uri="{28A0092B-C50C-407E-A947-70E740481C1C}">
+                <a14:useLocalDpi xmlns:a14="http://schemas.microsoft.com/office/drawing/2010/main" val="0"/>
+              </a:ext>
+            </a:extLst>
+          </a:blip>
+          <a:stretch>
+            <a:fillRect/>
+          </a:stretch>
+        </p:blipFill>
+        <p:spPr>
+          <a:xfrm>
+            <a:off x="11286340" y="-7926"/>
+            <a:ext cx="905660" cy="905660"/>
+          </a:xfrm>
+          <a:prstGeom prst="rect">
+            <a:avLst/>
+          </a:prstGeom>
+        </p:spPr>
+      </p:pic>
+      <p:sp>
+        <p:nvSpPr>
+          <p:cNvPr id="41" name="Title 1">
+            <a:extLst>
+              <a:ext uri="{FF2B5EF4-FFF2-40B4-BE49-F238E27FC236}">
+                <a16:creationId xmlns:a16="http://schemas.microsoft.com/office/drawing/2014/main" id="{8AC07EAB-005E-4F05-88FA-60C2B6AC2AFF}"/>
+              </a:ext>
+            </a:extLst>
+          </p:cNvPr>
+          <p:cNvSpPr txBox="1">
+            <a:spLocks/>
+          </p:cNvSpPr>
+          <p:nvPr/>
+        </p:nvSpPr>
+        <p:spPr>
+          <a:xfrm>
+            <a:off x="-412467" y="353354"/>
+            <a:ext cx="3582277" cy="1325563"/>
+          </a:xfrm>
+          <a:prstGeom prst="rect">
+            <a:avLst/>
+          </a:prstGeom>
+        </p:spPr>
+        <p:txBody>
+          <a:bodyPr vert="horz" lIns="91440" tIns="45720" rIns="91440" bIns="45720" rtlCol="0" anchor="b">
+            <a:normAutofit/>
+          </a:bodyPr>
+          <a:lstStyle>
+            <a:lvl1pPr algn="ctr" defTabSz="914400" rtl="0" eaLnBrk="1" latinLnBrk="0" hangingPunct="1">
+              <a:lnSpc>
+                <a:spcPct val="90000"/>
+              </a:lnSpc>
+              <a:spcBef>
+                <a:spcPct val="0"/>
+              </a:spcBef>
+              <a:buNone/>
+              <a:defRPr sz="6000" kern="1200">
+                <a:solidFill>
+                  <a:schemeClr val="tx1"/>
+                </a:solidFill>
+                <a:latin typeface="+mj-lt"/>
+                <a:ea typeface="+mj-ea"/>
+                <a:cs typeface="+mj-cs"/>
+              </a:defRPr>
+            </a:lvl1pPr>
+          </a:lstStyle>
+          <a:p>
+            <a:r>
+              <a:rPr lang="en-GB" sz="4800" b="1" dirty="0">
+                <a:latin typeface="Agency FB" panose="020B0503020202020204" pitchFamily="34" charset="0"/>
+              </a:rPr>
+              <a:t>Gameplay</a:t>
+            </a:r>
+          </a:p>
+        </p:txBody>
+      </p:sp>
+      <p:sp>
+        <p:nvSpPr>
+          <p:cNvPr id="5" name="Rectangle 4">
+            <a:extLst>
+              <a:ext uri="{FF2B5EF4-FFF2-40B4-BE49-F238E27FC236}">
+                <a16:creationId xmlns:a16="http://schemas.microsoft.com/office/drawing/2014/main" id="{88F385B8-8226-4538-AF65-A294E44D4A14}"/>
+              </a:ext>
+            </a:extLst>
+          </p:cNvPr>
+          <p:cNvSpPr/>
+          <p:nvPr/>
+        </p:nvSpPr>
+        <p:spPr>
+          <a:xfrm>
+            <a:off x="3622640" y="1257197"/>
+            <a:ext cx="6953664" cy="3768696"/>
+          </a:xfrm>
+          <a:prstGeom prst="rect">
+            <a:avLst/>
+          </a:prstGeom>
+        </p:spPr>
+        <p:style>
+          <a:lnRef idx="2">
+            <a:schemeClr val="accent1">
+              <a:shade val="50000"/>
+            </a:schemeClr>
+          </a:lnRef>
+          <a:fillRef idx="1">
+            <a:schemeClr val="accent1"/>
+          </a:fillRef>
+          <a:effectRef idx="0">
+            <a:schemeClr val="accent1"/>
+          </a:effectRef>
+          <a:fontRef idx="minor">
+            <a:schemeClr val="lt1"/>
+          </a:fontRef>
+        </p:style>
+        <p:txBody>
+          <a:bodyPr rtlCol="0" anchor="ctr"/>
+          <a:lstStyle/>
+          <a:p>
+            <a:pPr algn="ctr"/>
+            <a:endParaRPr lang="en-GB"/>
+          </a:p>
+        </p:txBody>
+      </p:sp>
+    </p:spTree>
+    <p:extLst>
+      <p:ext uri="{BB962C8B-B14F-4D97-AF65-F5344CB8AC3E}">
+        <p14:creationId xmlns:p14="http://schemas.microsoft.com/office/powerpoint/2010/main" val="2728339474"/>
+      </p:ext>
+    </p:extLst>
+  </p:cSld>
+  <p:clrMapOvr>
+    <a:masterClrMapping/>
+  </p:clrMapOvr>
+</p:sld>
+</file>
+
+<file path=ppt/slides/slide5.xml><?xml version="1.0" encoding="utf-8"?>
+<p:sld xmlns:a="http://schemas.openxmlformats.org/drawingml/2006/main" xmlns:r="http://schemas.openxmlformats.org/officeDocument/2006/relationships" xmlns:p="http://schemas.openxmlformats.org/presentationml/2006/main">
+  <p:cSld>
+    <p:bg>
+      <p:bgPr>
+        <a:gradFill flip="none" rotWithShape="1">
+          <a:gsLst>
+            <a:gs pos="0">
+              <a:schemeClr val="accent2">
+                <a:lumMod val="40000"/>
+                <a:lumOff val="60000"/>
+              </a:schemeClr>
+            </a:gs>
+            <a:gs pos="26000">
+              <a:schemeClr val="accent2">
+                <a:lumMod val="95000"/>
+                <a:lumOff val="5000"/>
+              </a:schemeClr>
+            </a:gs>
+            <a:gs pos="75000">
+              <a:srgbClr val="EC7A2C">
+                <a:alpha val="69804"/>
+              </a:srgbClr>
+            </a:gs>
+          </a:gsLst>
+          <a:path path="circle">
+            <a:fillToRect l="50000" t="130000" r="50000" b="-30000"/>
+          </a:path>
+          <a:tileRect/>
+        </a:gradFill>
+        <a:effectLst/>
+      </p:bgPr>
+    </p:bg>
+    <p:spTree>
+      <p:nvGrpSpPr>
+        <p:cNvPr id="1" name=""/>
+        <p:cNvGrpSpPr/>
+        <p:nvPr/>
+      </p:nvGrpSpPr>
+      <p:grpSpPr>
+        <a:xfrm>
+          <a:off x="0" y="0"/>
+          <a:ext cx="0" cy="0"/>
+          <a:chOff x="0" y="0"/>
+          <a:chExt cx="0" cy="0"/>
+        </a:xfrm>
+      </p:grpSpPr>
+      <p:pic>
+        <p:nvPicPr>
+          <p:cNvPr id="42" name="Picture 41">
+            <a:extLst>
+              <a:ext uri="{FF2B5EF4-FFF2-40B4-BE49-F238E27FC236}">
+                <a16:creationId xmlns:a16="http://schemas.microsoft.com/office/drawing/2014/main" id="{E598C5E6-8091-44F2-AE1D-479A793DCE13}"/>
+              </a:ext>
+            </a:extLst>
+          </p:cNvPr>
+          <p:cNvPicPr>
+            <a:picLocks noChangeAspect="1"/>
+          </p:cNvPicPr>
+          <p:nvPr/>
+        </p:nvPicPr>
+        <p:blipFill>
+          <a:blip r:embed="rId2">
+            <a:extLst>
+              <a:ext uri="{28A0092B-C50C-407E-A947-70E740481C1C}">
+                <a14:useLocalDpi xmlns:a14="http://schemas.microsoft.com/office/drawing/2010/main" val="0"/>
+              </a:ext>
+            </a:extLst>
+          </a:blip>
+          <a:stretch>
+            <a:fillRect/>
+          </a:stretch>
+        </p:blipFill>
+        <p:spPr>
+          <a:xfrm flipH="1">
+            <a:off x="10371032" y="4326888"/>
+            <a:ext cx="1113290" cy="1335948"/>
+          </a:xfrm>
+          <a:prstGeom prst="rect">
+            <a:avLst/>
+          </a:prstGeom>
+        </p:spPr>
+      </p:pic>
+      <p:pic>
+        <p:nvPicPr>
+          <p:cNvPr id="7" name="Picture 6">
+            <a:extLst>
+              <a:ext uri="{FF2B5EF4-FFF2-40B4-BE49-F238E27FC236}">
+                <a16:creationId xmlns:a16="http://schemas.microsoft.com/office/drawing/2014/main" id="{44B836B1-C6C3-4EAD-B5AC-9D1EF71AAA55}"/>
+              </a:ext>
+            </a:extLst>
+          </p:cNvPr>
+          <p:cNvPicPr>
+            <a:picLocks noChangeAspect="1"/>
+          </p:cNvPicPr>
+          <p:nvPr/>
+        </p:nvPicPr>
+        <p:blipFill>
+          <a:blip r:embed="rId3">
+            <a:extLst>
+              <a:ext uri="{28A0092B-C50C-407E-A947-70E740481C1C}">
+                <a14:useLocalDpi xmlns:a14="http://schemas.microsoft.com/office/drawing/2010/main" val="0"/>
+              </a:ext>
+            </a:extLst>
+          </a:blip>
+          <a:stretch>
+            <a:fillRect/>
+          </a:stretch>
+        </p:blipFill>
+        <p:spPr>
+          <a:xfrm>
+            <a:off x="0" y="5482206"/>
+            <a:ext cx="1375794" cy="1375794"/>
+          </a:xfrm>
+          <a:prstGeom prst="rect">
+            <a:avLst/>
+          </a:prstGeom>
+          <a:effectLst>
+            <a:outerShdw dist="165100" algn="ctr" rotWithShape="0">
+              <a:srgbClr val="000000">
+                <a:alpha val="43137"/>
+              </a:srgbClr>
+            </a:outerShdw>
+          </a:effectLst>
+        </p:spPr>
+      </p:pic>
+      <p:pic>
+        <p:nvPicPr>
+          <p:cNvPr id="10" name="Picture 9">
+            <a:extLst>
+              <a:ext uri="{FF2B5EF4-FFF2-40B4-BE49-F238E27FC236}">
+                <a16:creationId xmlns:a16="http://schemas.microsoft.com/office/drawing/2014/main" id="{4B0A6CF1-72CA-47E6-B852-8AAAA1E54C5B}"/>
+              </a:ext>
+            </a:extLst>
+          </p:cNvPr>
+          <p:cNvPicPr>
+            <a:picLocks noChangeAspect="1"/>
+          </p:cNvPicPr>
+          <p:nvPr/>
+        </p:nvPicPr>
+        <p:blipFill>
+          <a:blip r:embed="rId3">
+            <a:extLst>
+              <a:ext uri="{28A0092B-C50C-407E-A947-70E740481C1C}">
+                <a14:useLocalDpi xmlns:a14="http://schemas.microsoft.com/office/drawing/2010/main" val="0"/>
+              </a:ext>
+            </a:extLst>
+          </a:blip>
+          <a:stretch>
+            <a:fillRect/>
+          </a:stretch>
+        </p:blipFill>
+        <p:spPr>
+          <a:xfrm>
+            <a:off x="1375794" y="5482206"/>
+            <a:ext cx="1375794" cy="1375794"/>
+          </a:xfrm>
+          <a:prstGeom prst="rect">
+            <a:avLst/>
+          </a:prstGeom>
+          <a:effectLst>
+            <a:outerShdw dist="165100" algn="ctr" rotWithShape="0">
+              <a:srgbClr val="000000">
+                <a:alpha val="43137"/>
+              </a:srgbClr>
+            </a:outerShdw>
+          </a:effectLst>
+        </p:spPr>
+      </p:pic>
+      <p:pic>
+        <p:nvPicPr>
+          <p:cNvPr id="11" name="Picture 10">
+            <a:extLst>
+              <a:ext uri="{FF2B5EF4-FFF2-40B4-BE49-F238E27FC236}">
+                <a16:creationId xmlns:a16="http://schemas.microsoft.com/office/drawing/2014/main" id="{2ACD24B4-FAEE-4450-8B52-5868D3309BFE}"/>
+              </a:ext>
+            </a:extLst>
+          </p:cNvPr>
+          <p:cNvPicPr>
+            <a:picLocks noChangeAspect="1"/>
+          </p:cNvPicPr>
+          <p:nvPr/>
+        </p:nvPicPr>
+        <p:blipFill>
+          <a:blip r:embed="rId3">
+            <a:extLst>
+              <a:ext uri="{28A0092B-C50C-407E-A947-70E740481C1C}">
+                <a14:useLocalDpi xmlns:a14="http://schemas.microsoft.com/office/drawing/2010/main" val="0"/>
+              </a:ext>
+            </a:extLst>
+          </a:blip>
+          <a:stretch>
+            <a:fillRect/>
+          </a:stretch>
+        </p:blipFill>
+        <p:spPr>
+          <a:xfrm>
+            <a:off x="2751588" y="5482206"/>
+            <a:ext cx="1375794" cy="1375794"/>
+          </a:xfrm>
+          <a:prstGeom prst="rect">
+            <a:avLst/>
+          </a:prstGeom>
+          <a:effectLst>
+            <a:outerShdw dist="165100" algn="ctr" rotWithShape="0">
+              <a:srgbClr val="000000">
+                <a:alpha val="43137"/>
+              </a:srgbClr>
+            </a:outerShdw>
+          </a:effectLst>
+        </p:spPr>
+      </p:pic>
+      <p:pic>
+        <p:nvPicPr>
+          <p:cNvPr id="12" name="Picture 11">
+            <a:extLst>
+              <a:ext uri="{FF2B5EF4-FFF2-40B4-BE49-F238E27FC236}">
+                <a16:creationId xmlns:a16="http://schemas.microsoft.com/office/drawing/2014/main" id="{4775F30A-10B9-4C48-AA69-9A5B1A98D2DA}"/>
+              </a:ext>
+            </a:extLst>
+          </p:cNvPr>
+          <p:cNvPicPr>
+            <a:picLocks noChangeAspect="1"/>
+          </p:cNvPicPr>
+          <p:nvPr/>
+        </p:nvPicPr>
+        <p:blipFill>
+          <a:blip r:embed="rId3">
+            <a:extLst>
+              <a:ext uri="{28A0092B-C50C-407E-A947-70E740481C1C}">
+                <a14:useLocalDpi xmlns:a14="http://schemas.microsoft.com/office/drawing/2010/main" val="0"/>
+              </a:ext>
+            </a:extLst>
+          </a:blip>
+          <a:stretch>
+            <a:fillRect/>
+          </a:stretch>
+        </p:blipFill>
+        <p:spPr>
+          <a:xfrm>
+            <a:off x="4127382" y="5482206"/>
+            <a:ext cx="1375794" cy="1375794"/>
+          </a:xfrm>
+          <a:prstGeom prst="rect">
+            <a:avLst/>
+          </a:prstGeom>
+          <a:effectLst>
+            <a:outerShdw dist="165100" algn="ctr" rotWithShape="0">
+              <a:srgbClr val="000000">
+                <a:alpha val="43137"/>
+              </a:srgbClr>
+            </a:outerShdw>
+          </a:effectLst>
+        </p:spPr>
+      </p:pic>
+      <p:pic>
+        <p:nvPicPr>
+          <p:cNvPr id="13" name="Picture 12">
+            <a:extLst>
+              <a:ext uri="{FF2B5EF4-FFF2-40B4-BE49-F238E27FC236}">
+                <a16:creationId xmlns:a16="http://schemas.microsoft.com/office/drawing/2014/main" id="{6309CBEB-58D7-46B6-809D-9038F02C0D37}"/>
+              </a:ext>
+            </a:extLst>
+          </p:cNvPr>
+          <p:cNvPicPr>
+            <a:picLocks noChangeAspect="1"/>
+          </p:cNvPicPr>
+          <p:nvPr/>
+        </p:nvPicPr>
+        <p:blipFill>
+          <a:blip r:embed="rId3">
+            <a:extLst>
+              <a:ext uri="{28A0092B-C50C-407E-A947-70E740481C1C}">
+                <a14:useLocalDpi xmlns:a14="http://schemas.microsoft.com/office/drawing/2010/main" val="0"/>
+              </a:ext>
+            </a:extLst>
+          </a:blip>
+          <a:stretch>
+            <a:fillRect/>
+          </a:stretch>
+        </p:blipFill>
+        <p:spPr>
+          <a:xfrm>
+            <a:off x="5503176" y="5482206"/>
+            <a:ext cx="1375794" cy="1375794"/>
+          </a:xfrm>
+          <a:prstGeom prst="rect">
+            <a:avLst/>
+          </a:prstGeom>
+          <a:effectLst>
+            <a:outerShdw dist="165100" algn="ctr" rotWithShape="0">
+              <a:srgbClr val="000000">
+                <a:alpha val="43137"/>
+              </a:srgbClr>
+            </a:outerShdw>
+          </a:effectLst>
+        </p:spPr>
+      </p:pic>
+      <p:pic>
+        <p:nvPicPr>
+          <p:cNvPr id="14" name="Picture 13">
+            <a:extLst>
+              <a:ext uri="{FF2B5EF4-FFF2-40B4-BE49-F238E27FC236}">
+                <a16:creationId xmlns:a16="http://schemas.microsoft.com/office/drawing/2014/main" id="{BF502DC7-20A1-4713-B8F0-27F5F6D3FA6D}"/>
+              </a:ext>
+            </a:extLst>
+          </p:cNvPr>
+          <p:cNvPicPr>
+            <a:picLocks noChangeAspect="1"/>
+          </p:cNvPicPr>
+          <p:nvPr/>
+        </p:nvPicPr>
+        <p:blipFill>
+          <a:blip r:embed="rId3">
+            <a:extLst>
+              <a:ext uri="{28A0092B-C50C-407E-A947-70E740481C1C}">
+                <a14:useLocalDpi xmlns:a14="http://schemas.microsoft.com/office/drawing/2010/main" val="0"/>
+              </a:ext>
+            </a:extLst>
+          </a:blip>
+          <a:stretch>
+            <a:fillRect/>
+          </a:stretch>
+        </p:blipFill>
+        <p:spPr>
+          <a:xfrm>
+            <a:off x="6878970" y="5482206"/>
+            <a:ext cx="1375794" cy="1375794"/>
+          </a:xfrm>
+          <a:prstGeom prst="rect">
+            <a:avLst/>
+          </a:prstGeom>
+          <a:effectLst>
+            <a:outerShdw dist="165100" algn="ctr" rotWithShape="0">
+              <a:srgbClr val="000000">
+                <a:alpha val="43137"/>
+              </a:srgbClr>
+            </a:outerShdw>
+          </a:effectLst>
+        </p:spPr>
+      </p:pic>
+      <p:pic>
+        <p:nvPicPr>
+          <p:cNvPr id="15" name="Picture 14">
+            <a:extLst>
+              <a:ext uri="{FF2B5EF4-FFF2-40B4-BE49-F238E27FC236}">
+                <a16:creationId xmlns:a16="http://schemas.microsoft.com/office/drawing/2014/main" id="{B163AFE9-FCAA-42DC-A3A4-EA6B06744B0B}"/>
+              </a:ext>
+            </a:extLst>
+          </p:cNvPr>
+          <p:cNvPicPr>
+            <a:picLocks noChangeAspect="1"/>
+          </p:cNvPicPr>
+          <p:nvPr/>
+        </p:nvPicPr>
+        <p:blipFill>
+          <a:blip r:embed="rId3">
+            <a:extLst>
+              <a:ext uri="{28A0092B-C50C-407E-A947-70E740481C1C}">
+                <a14:useLocalDpi xmlns:a14="http://schemas.microsoft.com/office/drawing/2010/main" val="0"/>
+              </a:ext>
+            </a:extLst>
+          </a:blip>
+          <a:stretch>
+            <a:fillRect/>
+          </a:stretch>
+        </p:blipFill>
+        <p:spPr>
+          <a:xfrm>
+            <a:off x="8254764" y="5482206"/>
+            <a:ext cx="1375794" cy="1375794"/>
+          </a:xfrm>
+          <a:prstGeom prst="rect">
+            <a:avLst/>
+          </a:prstGeom>
+          <a:effectLst>
+            <a:outerShdw dist="165100" algn="ctr" rotWithShape="0">
+              <a:srgbClr val="000000">
+                <a:alpha val="43137"/>
+              </a:srgbClr>
+            </a:outerShdw>
+          </a:effectLst>
+        </p:spPr>
+      </p:pic>
+      <p:pic>
+        <p:nvPicPr>
+          <p:cNvPr id="16" name="Picture 15">
+            <a:extLst>
+              <a:ext uri="{FF2B5EF4-FFF2-40B4-BE49-F238E27FC236}">
+                <a16:creationId xmlns:a16="http://schemas.microsoft.com/office/drawing/2014/main" id="{01CA3122-8BBD-4ECB-BB95-00FB73D72B65}"/>
+              </a:ext>
+            </a:extLst>
+          </p:cNvPr>
+          <p:cNvPicPr>
+            <a:picLocks noChangeAspect="1"/>
+          </p:cNvPicPr>
+          <p:nvPr/>
+        </p:nvPicPr>
+        <p:blipFill>
+          <a:blip r:embed="rId3">
+            <a:extLst>
+              <a:ext uri="{28A0092B-C50C-407E-A947-70E740481C1C}">
+                <a14:useLocalDpi xmlns:a14="http://schemas.microsoft.com/office/drawing/2010/main" val="0"/>
+              </a:ext>
+            </a:extLst>
+          </a:blip>
+          <a:stretch>
+            <a:fillRect/>
+          </a:stretch>
+        </p:blipFill>
+        <p:spPr>
+          <a:xfrm>
+            <a:off x="9630558" y="5482206"/>
+            <a:ext cx="1375794" cy="1375794"/>
+          </a:xfrm>
+          <a:prstGeom prst="rect">
+            <a:avLst/>
+          </a:prstGeom>
+          <a:effectLst>
+            <a:outerShdw dist="165100" algn="ctr" rotWithShape="0">
+              <a:srgbClr val="000000">
+                <a:alpha val="43137"/>
+              </a:srgbClr>
+            </a:outerShdw>
+          </a:effectLst>
+        </p:spPr>
+      </p:pic>
+      <p:pic>
+        <p:nvPicPr>
+          <p:cNvPr id="17" name="Picture 16">
+            <a:extLst>
+              <a:ext uri="{FF2B5EF4-FFF2-40B4-BE49-F238E27FC236}">
+                <a16:creationId xmlns:a16="http://schemas.microsoft.com/office/drawing/2014/main" id="{47C0484B-D26D-4BD6-A04D-3FF4C2916F98}"/>
+              </a:ext>
+            </a:extLst>
+          </p:cNvPr>
+          <p:cNvPicPr>
+            <a:picLocks noChangeAspect="1"/>
+          </p:cNvPicPr>
+          <p:nvPr/>
+        </p:nvPicPr>
+        <p:blipFill>
+          <a:blip r:embed="rId3">
+            <a:extLst>
+              <a:ext uri="{28A0092B-C50C-407E-A947-70E740481C1C}">
+                <a14:useLocalDpi xmlns:a14="http://schemas.microsoft.com/office/drawing/2010/main" val="0"/>
+              </a:ext>
+            </a:extLst>
+          </a:blip>
+          <a:stretch>
+            <a:fillRect/>
+          </a:stretch>
+        </p:blipFill>
+        <p:spPr>
+          <a:xfrm>
+            <a:off x="11006352" y="5482206"/>
+            <a:ext cx="1375794" cy="1375794"/>
+          </a:xfrm>
+          <a:prstGeom prst="rect">
+            <a:avLst/>
+          </a:prstGeom>
+          <a:effectLst>
+            <a:outerShdw dist="165100" algn="ctr" rotWithShape="0">
+              <a:srgbClr val="000000">
+                <a:alpha val="43137"/>
+              </a:srgbClr>
+            </a:outerShdw>
+          </a:effectLst>
+        </p:spPr>
+      </p:pic>
+      <p:pic>
+        <p:nvPicPr>
+          <p:cNvPr id="29" name="Picture 28">
+            <a:extLst>
+              <a:ext uri="{FF2B5EF4-FFF2-40B4-BE49-F238E27FC236}">
+                <a16:creationId xmlns:a16="http://schemas.microsoft.com/office/drawing/2014/main" id="{AD04A304-858F-48E1-BF87-761D6D9A8A70}"/>
+              </a:ext>
+            </a:extLst>
+          </p:cNvPr>
+          <p:cNvPicPr>
+            <a:picLocks noChangeAspect="1"/>
+          </p:cNvPicPr>
+          <p:nvPr/>
+        </p:nvPicPr>
+        <p:blipFill>
+          <a:blip r:embed="rId4">
+            <a:extLst>
+              <a:ext uri="{28A0092B-C50C-407E-A947-70E740481C1C}">
+                <a14:useLocalDpi xmlns:a14="http://schemas.microsoft.com/office/drawing/2010/main" val="0"/>
+              </a:ext>
+            </a:extLst>
+          </a:blip>
+          <a:stretch>
+            <a:fillRect/>
+          </a:stretch>
+        </p:blipFill>
+        <p:spPr>
+          <a:xfrm>
+            <a:off x="0" y="0"/>
+            <a:ext cx="905660" cy="905660"/>
+          </a:xfrm>
+          <a:prstGeom prst="rect">
+            <a:avLst/>
+          </a:prstGeom>
+        </p:spPr>
+      </p:pic>
+      <p:pic>
+        <p:nvPicPr>
+          <p:cNvPr id="30" name="Picture 29">
+            <a:extLst>
+              <a:ext uri="{FF2B5EF4-FFF2-40B4-BE49-F238E27FC236}">
+                <a16:creationId xmlns:a16="http://schemas.microsoft.com/office/drawing/2014/main" id="{0A10D12A-7790-4FBC-801F-27505887D3AE}"/>
+              </a:ext>
+            </a:extLst>
+          </p:cNvPr>
+          <p:cNvPicPr>
+            <a:picLocks noChangeAspect="1"/>
+          </p:cNvPicPr>
+          <p:nvPr/>
+        </p:nvPicPr>
+        <p:blipFill>
+          <a:blip r:embed="rId4">
+            <a:extLst>
+              <a:ext uri="{28A0092B-C50C-407E-A947-70E740481C1C}">
+                <a14:useLocalDpi xmlns:a14="http://schemas.microsoft.com/office/drawing/2010/main" val="0"/>
+              </a:ext>
+            </a:extLst>
+          </a:blip>
+          <a:stretch>
+            <a:fillRect/>
+          </a:stretch>
+        </p:blipFill>
+        <p:spPr>
+          <a:xfrm>
+            <a:off x="905660" y="0"/>
+            <a:ext cx="905660" cy="905660"/>
+          </a:xfrm>
+          <a:prstGeom prst="rect">
+            <a:avLst/>
+          </a:prstGeom>
+        </p:spPr>
+      </p:pic>
+      <p:pic>
+        <p:nvPicPr>
+          <p:cNvPr id="31" name="Picture 30">
+            <a:extLst>
+              <a:ext uri="{FF2B5EF4-FFF2-40B4-BE49-F238E27FC236}">
+                <a16:creationId xmlns:a16="http://schemas.microsoft.com/office/drawing/2014/main" id="{34568B21-4967-4460-A568-8F7DE8B79CB5}"/>
+              </a:ext>
+            </a:extLst>
+          </p:cNvPr>
+          <p:cNvPicPr>
+            <a:picLocks noChangeAspect="1"/>
+          </p:cNvPicPr>
+          <p:nvPr/>
+        </p:nvPicPr>
+        <p:blipFill>
+          <a:blip r:embed="rId4">
+            <a:extLst>
+              <a:ext uri="{28A0092B-C50C-407E-A947-70E740481C1C}">
+                <a14:useLocalDpi xmlns:a14="http://schemas.microsoft.com/office/drawing/2010/main" val="0"/>
+              </a:ext>
+            </a:extLst>
+          </a:blip>
+          <a:stretch>
+            <a:fillRect/>
+          </a:stretch>
+        </p:blipFill>
+        <p:spPr>
+          <a:xfrm>
+            <a:off x="1811320" y="-7926"/>
+            <a:ext cx="905660" cy="905660"/>
+          </a:xfrm>
+          <a:prstGeom prst="rect">
+            <a:avLst/>
+          </a:prstGeom>
+        </p:spPr>
+      </p:pic>
+      <p:pic>
+        <p:nvPicPr>
+          <p:cNvPr id="32" name="Picture 31">
+            <a:extLst>
+              <a:ext uri="{FF2B5EF4-FFF2-40B4-BE49-F238E27FC236}">
+                <a16:creationId xmlns:a16="http://schemas.microsoft.com/office/drawing/2014/main" id="{1F50D146-0480-463B-B14A-86EE03C3699F}"/>
+              </a:ext>
+            </a:extLst>
+          </p:cNvPr>
+          <p:cNvPicPr>
+            <a:picLocks noChangeAspect="1"/>
+          </p:cNvPicPr>
+          <p:nvPr/>
+        </p:nvPicPr>
+        <p:blipFill>
+          <a:blip r:embed="rId4">
+            <a:extLst>
+              <a:ext uri="{28A0092B-C50C-407E-A947-70E740481C1C}">
+                <a14:useLocalDpi xmlns:a14="http://schemas.microsoft.com/office/drawing/2010/main" val="0"/>
+              </a:ext>
+            </a:extLst>
+          </a:blip>
+          <a:stretch>
+            <a:fillRect/>
+          </a:stretch>
+        </p:blipFill>
+        <p:spPr>
+          <a:xfrm>
+            <a:off x="2716980" y="-7926"/>
+            <a:ext cx="905660" cy="905660"/>
+          </a:xfrm>
+          <a:prstGeom prst="rect">
+            <a:avLst/>
+          </a:prstGeom>
+        </p:spPr>
+      </p:pic>
+      <p:pic>
+        <p:nvPicPr>
+          <p:cNvPr id="33" name="Picture 32">
+            <a:extLst>
+              <a:ext uri="{FF2B5EF4-FFF2-40B4-BE49-F238E27FC236}">
+                <a16:creationId xmlns:a16="http://schemas.microsoft.com/office/drawing/2014/main" id="{E851B150-EFAD-4FDE-B8D0-14E6ADAE534E}"/>
+              </a:ext>
+            </a:extLst>
+          </p:cNvPr>
+          <p:cNvPicPr>
+            <a:picLocks noChangeAspect="1"/>
+          </p:cNvPicPr>
+          <p:nvPr/>
+        </p:nvPicPr>
+        <p:blipFill>
+          <a:blip r:embed="rId4">
+            <a:extLst>
+              <a:ext uri="{28A0092B-C50C-407E-A947-70E740481C1C}">
+                <a14:useLocalDpi xmlns:a14="http://schemas.microsoft.com/office/drawing/2010/main" val="0"/>
+              </a:ext>
+            </a:extLst>
+          </a:blip>
+          <a:stretch>
+            <a:fillRect/>
+          </a:stretch>
+        </p:blipFill>
+        <p:spPr>
+          <a:xfrm>
+            <a:off x="3622640" y="0"/>
+            <a:ext cx="905660" cy="905660"/>
+          </a:xfrm>
+          <a:prstGeom prst="rect">
+            <a:avLst/>
+          </a:prstGeom>
+        </p:spPr>
+      </p:pic>
+      <p:pic>
+        <p:nvPicPr>
+          <p:cNvPr id="34" name="Picture 33">
+            <a:extLst>
+              <a:ext uri="{FF2B5EF4-FFF2-40B4-BE49-F238E27FC236}">
+                <a16:creationId xmlns:a16="http://schemas.microsoft.com/office/drawing/2014/main" id="{A6B509EC-568E-4992-9B66-2DA3DEF480DB}"/>
+              </a:ext>
+            </a:extLst>
+          </p:cNvPr>
+          <p:cNvPicPr>
+            <a:picLocks noChangeAspect="1"/>
+          </p:cNvPicPr>
+          <p:nvPr/>
+        </p:nvPicPr>
+        <p:blipFill>
+          <a:blip r:embed="rId4">
+            <a:extLst>
+              <a:ext uri="{28A0092B-C50C-407E-A947-70E740481C1C}">
+                <a14:useLocalDpi xmlns:a14="http://schemas.microsoft.com/office/drawing/2010/main" val="0"/>
+              </a:ext>
+            </a:extLst>
+          </a:blip>
+          <a:stretch>
+            <a:fillRect/>
+          </a:stretch>
+        </p:blipFill>
+        <p:spPr>
+          <a:xfrm>
+            <a:off x="4528300" y="0"/>
+            <a:ext cx="905660" cy="905660"/>
+          </a:xfrm>
+          <a:prstGeom prst="rect">
+            <a:avLst/>
+          </a:prstGeom>
+        </p:spPr>
+      </p:pic>
+      <p:pic>
+        <p:nvPicPr>
+          <p:cNvPr id="35" name="Picture 34">
+            <a:extLst>
+              <a:ext uri="{FF2B5EF4-FFF2-40B4-BE49-F238E27FC236}">
+                <a16:creationId xmlns:a16="http://schemas.microsoft.com/office/drawing/2014/main" id="{A617F1BB-C1A2-43A3-9283-B5F48B7D9F31}"/>
+              </a:ext>
+            </a:extLst>
+          </p:cNvPr>
+          <p:cNvPicPr>
+            <a:picLocks noChangeAspect="1"/>
+          </p:cNvPicPr>
+          <p:nvPr/>
+        </p:nvPicPr>
+        <p:blipFill>
+          <a:blip r:embed="rId4">
+            <a:extLst>
+              <a:ext uri="{28A0092B-C50C-407E-A947-70E740481C1C}">
+                <a14:useLocalDpi xmlns:a14="http://schemas.microsoft.com/office/drawing/2010/main" val="0"/>
+              </a:ext>
+            </a:extLst>
+          </a:blip>
+          <a:stretch>
+            <a:fillRect/>
+          </a:stretch>
+        </p:blipFill>
+        <p:spPr>
+          <a:xfrm>
+            <a:off x="5433960" y="0"/>
+            <a:ext cx="905660" cy="905660"/>
+          </a:xfrm>
+          <a:prstGeom prst="rect">
+            <a:avLst/>
+          </a:prstGeom>
+        </p:spPr>
+      </p:pic>
+      <p:pic>
+        <p:nvPicPr>
+          <p:cNvPr id="36" name="Picture 35">
+            <a:extLst>
+              <a:ext uri="{FF2B5EF4-FFF2-40B4-BE49-F238E27FC236}">
+                <a16:creationId xmlns:a16="http://schemas.microsoft.com/office/drawing/2014/main" id="{E9540E28-1E7D-4185-B9B2-28D6DA52AAAA}"/>
+              </a:ext>
+            </a:extLst>
+          </p:cNvPr>
+          <p:cNvPicPr>
+            <a:picLocks noChangeAspect="1"/>
+          </p:cNvPicPr>
+          <p:nvPr/>
+        </p:nvPicPr>
+        <p:blipFill>
+          <a:blip r:embed="rId4">
+            <a:extLst>
+              <a:ext uri="{28A0092B-C50C-407E-A947-70E740481C1C}">
+                <a14:useLocalDpi xmlns:a14="http://schemas.microsoft.com/office/drawing/2010/main" val="0"/>
+              </a:ext>
+            </a:extLst>
+          </a:blip>
+          <a:stretch>
+            <a:fillRect/>
+          </a:stretch>
+        </p:blipFill>
+        <p:spPr>
+          <a:xfrm>
+            <a:off x="6339620" y="0"/>
+            <a:ext cx="905660" cy="905660"/>
+          </a:xfrm>
+          <a:prstGeom prst="rect">
+            <a:avLst/>
+          </a:prstGeom>
+        </p:spPr>
+      </p:pic>
+      <p:pic>
+        <p:nvPicPr>
+          <p:cNvPr id="37" name="Picture 36">
+            <a:extLst>
+              <a:ext uri="{FF2B5EF4-FFF2-40B4-BE49-F238E27FC236}">
+                <a16:creationId xmlns:a16="http://schemas.microsoft.com/office/drawing/2014/main" id="{0634F39E-D40A-4F93-A3C5-DF8F7E34231B}"/>
+              </a:ext>
+            </a:extLst>
+          </p:cNvPr>
+          <p:cNvPicPr>
+            <a:picLocks noChangeAspect="1"/>
+          </p:cNvPicPr>
+          <p:nvPr/>
+        </p:nvPicPr>
+        <p:blipFill>
+          <a:blip r:embed="rId4">
+            <a:extLst>
+              <a:ext uri="{28A0092B-C50C-407E-A947-70E740481C1C}">
+                <a14:useLocalDpi xmlns:a14="http://schemas.microsoft.com/office/drawing/2010/main" val="0"/>
+              </a:ext>
+            </a:extLst>
+          </a:blip>
+          <a:stretch>
+            <a:fillRect/>
+          </a:stretch>
+        </p:blipFill>
+        <p:spPr>
+          <a:xfrm>
+            <a:off x="7210870" y="0"/>
+            <a:ext cx="905660" cy="905660"/>
+          </a:xfrm>
+          <a:prstGeom prst="rect">
+            <a:avLst/>
+          </a:prstGeom>
+        </p:spPr>
+      </p:pic>
+      <p:pic>
+        <p:nvPicPr>
+          <p:cNvPr id="38" name="Picture 37">
+            <a:extLst>
+              <a:ext uri="{FF2B5EF4-FFF2-40B4-BE49-F238E27FC236}">
+                <a16:creationId xmlns:a16="http://schemas.microsoft.com/office/drawing/2014/main" id="{BBDFA3FD-AC1D-4651-AAC9-B605D920D28E}"/>
+              </a:ext>
+            </a:extLst>
+          </p:cNvPr>
+          <p:cNvPicPr>
+            <a:picLocks noChangeAspect="1"/>
+          </p:cNvPicPr>
+          <p:nvPr/>
+        </p:nvPicPr>
+        <p:blipFill>
+          <a:blip r:embed="rId4">
+            <a:extLst>
+              <a:ext uri="{28A0092B-C50C-407E-A947-70E740481C1C}">
+                <a14:useLocalDpi xmlns:a14="http://schemas.microsoft.com/office/drawing/2010/main" val="0"/>
+              </a:ext>
+            </a:extLst>
+          </a:blip>
+          <a:stretch>
+            <a:fillRect/>
+          </a:stretch>
+        </p:blipFill>
+        <p:spPr>
+          <a:xfrm>
+            <a:off x="8116530" y="0"/>
+            <a:ext cx="905660" cy="905660"/>
+          </a:xfrm>
+          <a:prstGeom prst="rect">
+            <a:avLst/>
+          </a:prstGeom>
+        </p:spPr>
+      </p:pic>
+      <p:pic>
+        <p:nvPicPr>
+          <p:cNvPr id="39" name="Picture 38">
+            <a:extLst>
+              <a:ext uri="{FF2B5EF4-FFF2-40B4-BE49-F238E27FC236}">
+                <a16:creationId xmlns:a16="http://schemas.microsoft.com/office/drawing/2014/main" id="{A2806EB1-797B-428D-BAC5-FC9E994C5D07}"/>
+              </a:ext>
+            </a:extLst>
+          </p:cNvPr>
+          <p:cNvPicPr>
+            <a:picLocks noChangeAspect="1"/>
+          </p:cNvPicPr>
+          <p:nvPr/>
+        </p:nvPicPr>
+        <p:blipFill>
+          <a:blip r:embed="rId4">
+            <a:extLst>
+              <a:ext uri="{28A0092B-C50C-407E-A947-70E740481C1C}">
+                <a14:useLocalDpi xmlns:a14="http://schemas.microsoft.com/office/drawing/2010/main" val="0"/>
+              </a:ext>
+            </a:extLst>
+          </a:blip>
+          <a:stretch>
+            <a:fillRect/>
+          </a:stretch>
+        </p:blipFill>
+        <p:spPr>
+          <a:xfrm>
+            <a:off x="9022190" y="0"/>
+            <a:ext cx="905660" cy="905660"/>
+          </a:xfrm>
+          <a:prstGeom prst="rect">
+            <a:avLst/>
+          </a:prstGeom>
+        </p:spPr>
+      </p:pic>
+      <p:pic>
+        <p:nvPicPr>
+          <p:cNvPr id="40" name="Picture 39">
+            <a:extLst>
+              <a:ext uri="{FF2B5EF4-FFF2-40B4-BE49-F238E27FC236}">
+                <a16:creationId xmlns:a16="http://schemas.microsoft.com/office/drawing/2014/main" id="{F968631A-49FA-4563-BC4B-8B831F921F3F}"/>
+              </a:ext>
+            </a:extLst>
+          </p:cNvPr>
+          <p:cNvPicPr>
+            <a:picLocks noChangeAspect="1"/>
+          </p:cNvPicPr>
+          <p:nvPr/>
+        </p:nvPicPr>
+        <p:blipFill>
+          <a:blip r:embed="rId4">
+            <a:extLst>
+              <a:ext uri="{28A0092B-C50C-407E-A947-70E740481C1C}">
+                <a14:useLocalDpi xmlns:a14="http://schemas.microsoft.com/office/drawing/2010/main" val="0"/>
+              </a:ext>
+            </a:extLst>
+          </a:blip>
+          <a:stretch>
+            <a:fillRect/>
+          </a:stretch>
+        </p:blipFill>
+        <p:spPr>
+          <a:xfrm>
+            <a:off x="9927850" y="-7926"/>
+            <a:ext cx="905660" cy="905660"/>
+          </a:xfrm>
+          <a:prstGeom prst="rect">
+            <a:avLst/>
+          </a:prstGeom>
+        </p:spPr>
+      </p:pic>
+      <p:pic>
+        <p:nvPicPr>
+          <p:cNvPr id="43" name="Picture 42">
+            <a:extLst>
+              <a:ext uri="{FF2B5EF4-FFF2-40B4-BE49-F238E27FC236}">
+                <a16:creationId xmlns:a16="http://schemas.microsoft.com/office/drawing/2014/main" id="{7AC2B981-B522-440A-877D-4015B7D9CCFF}"/>
+              </a:ext>
+            </a:extLst>
+          </p:cNvPr>
+          <p:cNvPicPr>
+            <a:picLocks noChangeAspect="1"/>
+          </p:cNvPicPr>
+          <p:nvPr/>
+        </p:nvPicPr>
+        <p:blipFill>
+          <a:blip r:embed="rId4">
+            <a:extLst>
+              <a:ext uri="{28A0092B-C50C-407E-A947-70E740481C1C}">
+                <a14:useLocalDpi xmlns:a14="http://schemas.microsoft.com/office/drawing/2010/main" val="0"/>
+              </a:ext>
+            </a:extLst>
+          </a:blip>
+          <a:stretch>
+            <a:fillRect/>
+          </a:stretch>
+        </p:blipFill>
+        <p:spPr>
+          <a:xfrm>
+            <a:off x="10380680" y="-7926"/>
+            <a:ext cx="905660" cy="905660"/>
+          </a:xfrm>
+          <a:prstGeom prst="rect">
+            <a:avLst/>
+          </a:prstGeom>
+        </p:spPr>
+      </p:pic>
+      <p:pic>
+        <p:nvPicPr>
+          <p:cNvPr id="44" name="Picture 43">
+            <a:extLst>
+              <a:ext uri="{FF2B5EF4-FFF2-40B4-BE49-F238E27FC236}">
+                <a16:creationId xmlns:a16="http://schemas.microsoft.com/office/drawing/2014/main" id="{5D4FCCC4-3464-428E-B41E-3BCBB49A154E}"/>
+              </a:ext>
+            </a:extLst>
+          </p:cNvPr>
+          <p:cNvPicPr>
+            <a:picLocks noChangeAspect="1"/>
+          </p:cNvPicPr>
+          <p:nvPr/>
+        </p:nvPicPr>
+        <p:blipFill>
+          <a:blip r:embed="rId4">
+            <a:extLst>
+              <a:ext uri="{28A0092B-C50C-407E-A947-70E740481C1C}">
+                <a14:useLocalDpi xmlns:a14="http://schemas.microsoft.com/office/drawing/2010/main" val="0"/>
+              </a:ext>
+            </a:extLst>
+          </a:blip>
+          <a:stretch>
+            <a:fillRect/>
+          </a:stretch>
+        </p:blipFill>
+        <p:spPr>
+          <a:xfrm>
+            <a:off x="11286340" y="-7926"/>
+            <a:ext cx="905660" cy="905660"/>
+          </a:xfrm>
+          <a:prstGeom prst="rect">
+            <a:avLst/>
+          </a:prstGeom>
+        </p:spPr>
+      </p:pic>
+      <p:sp>
+        <p:nvSpPr>
+          <p:cNvPr id="41" name="Title 1">
+            <a:extLst>
+              <a:ext uri="{FF2B5EF4-FFF2-40B4-BE49-F238E27FC236}">
+                <a16:creationId xmlns:a16="http://schemas.microsoft.com/office/drawing/2014/main" id="{8AC07EAB-005E-4F05-88FA-60C2B6AC2AFF}"/>
+              </a:ext>
+            </a:extLst>
+          </p:cNvPr>
+          <p:cNvSpPr txBox="1">
+            <a:spLocks/>
+          </p:cNvSpPr>
+          <p:nvPr/>
+        </p:nvSpPr>
+        <p:spPr>
+          <a:xfrm>
+            <a:off x="-412467" y="353354"/>
+            <a:ext cx="5236137" cy="1325563"/>
+          </a:xfrm>
+          <a:prstGeom prst="rect">
+            <a:avLst/>
+          </a:prstGeom>
+        </p:spPr>
+        <p:txBody>
+          <a:bodyPr vert="horz" lIns="91440" tIns="45720" rIns="91440" bIns="45720" rtlCol="0" anchor="b">
+            <a:normAutofit/>
+          </a:bodyPr>
+          <a:lstStyle>
+            <a:lvl1pPr algn="ctr" defTabSz="914400" rtl="0" eaLnBrk="1" latinLnBrk="0" hangingPunct="1">
+              <a:lnSpc>
+                <a:spcPct val="90000"/>
+              </a:lnSpc>
+              <a:spcBef>
+                <a:spcPct val="0"/>
+              </a:spcBef>
+              <a:buNone/>
+              <a:defRPr sz="6000" kern="1200">
+                <a:solidFill>
+                  <a:schemeClr val="tx1"/>
+                </a:solidFill>
+                <a:latin typeface="+mj-lt"/>
+                <a:ea typeface="+mj-ea"/>
+                <a:cs typeface="+mj-cs"/>
+              </a:defRPr>
+            </a:lvl1pPr>
+          </a:lstStyle>
+          <a:p>
+            <a:r>
+              <a:rPr lang="en-GB" sz="4800" b="1" dirty="0">
+                <a:latin typeface="Agency FB" panose="020B0503020202020204" pitchFamily="34" charset="0"/>
+              </a:rPr>
+              <a:t>Final Deliverables</a:t>
+            </a:r>
+          </a:p>
+        </p:txBody>
+      </p:sp>
+      <p:sp>
+        <p:nvSpPr>
+          <p:cNvPr id="28" name="Content Placeholder 2">
+            <a:extLst>
+              <a:ext uri="{FF2B5EF4-FFF2-40B4-BE49-F238E27FC236}">
+                <a16:creationId xmlns:a16="http://schemas.microsoft.com/office/drawing/2014/main" id="{A93B4DC4-1AD0-46EE-9253-B72D5BD32D26}"/>
+              </a:ext>
+            </a:extLst>
+          </p:cNvPr>
+          <p:cNvSpPr txBox="1">
+            <a:spLocks/>
+          </p:cNvSpPr>
+          <p:nvPr/>
+        </p:nvSpPr>
+        <p:spPr>
+          <a:xfrm>
+            <a:off x="2561442" y="2078176"/>
             <a:ext cx="6911766" cy="2701647"/>
           </a:xfrm>
           <a:prstGeom prst="rect">
@@ -5753,8 +9791,10 @@
               <a:buChar char="•"/>
             </a:pPr>
             <a:r>
-              <a:rPr lang="en-GB" dirty="0"/>
-              <a:t>Single Player.</a:t>
+              <a:rPr lang="en-GB" sz="2800" dirty="0">
+                <a:latin typeface="Bahnschrift Condensed" panose="020B0502040204020203" pitchFamily="34" charset="0"/>
+              </a:rPr>
+              <a:t>Smooth and tight grappling.</a:t>
             </a:r>
           </a:p>
           <a:p>
@@ -5763,8 +9803,10 @@
               <a:buChar char="•"/>
             </a:pPr>
             <a:r>
-              <a:rPr lang="en-GB" dirty="0"/>
-              <a:t>Emphasis on a single mechanic.</a:t>
+              <a:rPr lang="en-GB" sz="2800" dirty="0">
+                <a:latin typeface="Bahnschrift Condensed" panose="020B0502040204020203" pitchFamily="34" charset="0"/>
+              </a:rPr>
+              <a:t>4 levels with escalating difficulty.</a:t>
             </a:r>
           </a:p>
           <a:p>
@@ -5773,8 +9815,10 @@
               <a:buChar char="•"/>
             </a:pPr>
             <a:r>
-              <a:rPr lang="en-GB" dirty="0"/>
-              <a:t>Substitute the mechanics with a solution to the problem removing the mechanic creates.</a:t>
+              <a:rPr lang="en-GB" sz="2800" dirty="0">
+                <a:latin typeface="Bahnschrift Condensed" panose="020B0502040204020203" pitchFamily="34" charset="0"/>
+              </a:rPr>
+              <a:t>3 different enemy designs.</a:t>
             </a:r>
           </a:p>
           <a:p>
@@ -5783,4007 +9827,23 @@
               <a:buChar char="•"/>
             </a:pPr>
             <a:r>
-              <a:rPr lang="en-GB" dirty="0"/>
-              <a:t>A self contained game that needs no explanation from the developer to play.</a:t>
+              <a:rPr lang="en-GB" sz="2800" dirty="0">
+                <a:latin typeface="Bahnschrift Condensed" panose="020B0502040204020203" pitchFamily="34" charset="0"/>
+              </a:rPr>
+              <a:t>Stealth mechanics tied to enemies Line of sight.</a:t>
             </a:r>
           </a:p>
-        </p:txBody>
-      </p:sp>
-    </p:spTree>
-    <p:extLst>
-      <p:ext uri="{BB962C8B-B14F-4D97-AF65-F5344CB8AC3E}">
-        <p14:creationId xmlns:p14="http://schemas.microsoft.com/office/powerpoint/2010/main" val="3624561384"/>
-      </p:ext>
-    </p:extLst>
-  </p:cSld>
-  <p:clrMapOvr>
-    <a:masterClrMapping/>
-  </p:clrMapOvr>
-</p:sld>
-</file>
-
-<file path=ppt/slides/slide3.xml><?xml version="1.0" encoding="utf-8"?>
-<p:sld xmlns:a="http://schemas.openxmlformats.org/drawingml/2006/main" xmlns:r="http://schemas.openxmlformats.org/officeDocument/2006/relationships" xmlns:p="http://schemas.openxmlformats.org/presentationml/2006/main">
-  <p:cSld>
-    <p:bg>
-      <p:bgPr>
-        <a:gradFill flip="none" rotWithShape="1">
-          <a:gsLst>
-            <a:gs pos="0">
-              <a:schemeClr val="accent2">
-                <a:lumMod val="40000"/>
-                <a:lumOff val="60000"/>
-              </a:schemeClr>
-            </a:gs>
-            <a:gs pos="26000">
-              <a:schemeClr val="accent2">
-                <a:lumMod val="95000"/>
-                <a:lumOff val="5000"/>
-              </a:schemeClr>
-            </a:gs>
-            <a:gs pos="75000">
-              <a:srgbClr val="EC7A2C">
-                <a:alpha val="69804"/>
-              </a:srgbClr>
-            </a:gs>
-          </a:gsLst>
-          <a:path path="circle">
-            <a:fillToRect l="50000" t="130000" r="50000" b="-30000"/>
-          </a:path>
-          <a:tileRect/>
-        </a:gradFill>
-        <a:effectLst/>
-      </p:bgPr>
-    </p:bg>
-    <p:spTree>
-      <p:nvGrpSpPr>
-        <p:cNvPr id="1" name=""/>
-        <p:cNvGrpSpPr/>
-        <p:nvPr/>
-      </p:nvGrpSpPr>
-      <p:grpSpPr>
-        <a:xfrm>
-          <a:off x="0" y="0"/>
-          <a:ext cx="0" cy="0"/>
-          <a:chOff x="0" y="0"/>
-          <a:chExt cx="0" cy="0"/>
-        </a:xfrm>
-      </p:grpSpPr>
-      <p:pic>
-        <p:nvPicPr>
-          <p:cNvPr id="19" name="Picture 18">
-            <a:extLst>
-              <a:ext uri="{FF2B5EF4-FFF2-40B4-BE49-F238E27FC236}">
-                <a16:creationId xmlns:a16="http://schemas.microsoft.com/office/drawing/2014/main" id="{F798BCC0-40C5-48AD-A30D-299CBD1CCA67}"/>
-              </a:ext>
-            </a:extLst>
-          </p:cNvPr>
-          <p:cNvPicPr>
-            <a:picLocks noChangeAspect="1"/>
-          </p:cNvPicPr>
-          <p:nvPr/>
-        </p:nvPicPr>
-        <p:blipFill>
-          <a:blip r:embed="rId2">
-            <a:extLst>
-              <a:ext uri="{28A0092B-C50C-407E-A947-70E740481C1C}">
-                <a14:useLocalDpi xmlns:a14="http://schemas.microsoft.com/office/drawing/2010/main" val="0"/>
-              </a:ext>
-            </a:extLst>
-          </a:blip>
-          <a:stretch>
-            <a:fillRect/>
-          </a:stretch>
-        </p:blipFill>
-        <p:spPr>
-          <a:xfrm>
-            <a:off x="7130667" y="1519419"/>
-            <a:ext cx="1113290" cy="1335948"/>
-          </a:xfrm>
-          <a:prstGeom prst="rect">
-            <a:avLst/>
-          </a:prstGeom>
-        </p:spPr>
-      </p:pic>
-      <p:pic>
-        <p:nvPicPr>
-          <p:cNvPr id="7" name="Picture 6">
-            <a:extLst>
-              <a:ext uri="{FF2B5EF4-FFF2-40B4-BE49-F238E27FC236}">
-                <a16:creationId xmlns:a16="http://schemas.microsoft.com/office/drawing/2014/main" id="{44B836B1-C6C3-4EAD-B5AC-9D1EF71AAA55}"/>
-              </a:ext>
-            </a:extLst>
-          </p:cNvPr>
-          <p:cNvPicPr>
-            <a:picLocks noChangeAspect="1"/>
-          </p:cNvPicPr>
-          <p:nvPr/>
-        </p:nvPicPr>
-        <p:blipFill>
-          <a:blip r:embed="rId3">
-            <a:extLst>
-              <a:ext uri="{28A0092B-C50C-407E-A947-70E740481C1C}">
-                <a14:useLocalDpi xmlns:a14="http://schemas.microsoft.com/office/drawing/2010/main" val="0"/>
-              </a:ext>
-            </a:extLst>
-          </a:blip>
-          <a:stretch>
-            <a:fillRect/>
-          </a:stretch>
-        </p:blipFill>
-        <p:spPr>
-          <a:xfrm>
-            <a:off x="0" y="5482206"/>
-            <a:ext cx="1375794" cy="1375794"/>
-          </a:xfrm>
-          <a:prstGeom prst="rect">
-            <a:avLst/>
-          </a:prstGeom>
-          <a:effectLst>
-            <a:outerShdw dist="165100" algn="ctr" rotWithShape="0">
-              <a:srgbClr val="000000">
-                <a:alpha val="43137"/>
-              </a:srgbClr>
-            </a:outerShdw>
-          </a:effectLst>
-        </p:spPr>
-      </p:pic>
-      <p:pic>
-        <p:nvPicPr>
-          <p:cNvPr id="10" name="Picture 9">
-            <a:extLst>
-              <a:ext uri="{FF2B5EF4-FFF2-40B4-BE49-F238E27FC236}">
-                <a16:creationId xmlns:a16="http://schemas.microsoft.com/office/drawing/2014/main" id="{4B0A6CF1-72CA-47E6-B852-8AAAA1E54C5B}"/>
-              </a:ext>
-            </a:extLst>
-          </p:cNvPr>
-          <p:cNvPicPr>
-            <a:picLocks noChangeAspect="1"/>
-          </p:cNvPicPr>
-          <p:nvPr/>
-        </p:nvPicPr>
-        <p:blipFill>
-          <a:blip r:embed="rId3">
-            <a:extLst>
-              <a:ext uri="{28A0092B-C50C-407E-A947-70E740481C1C}">
-                <a14:useLocalDpi xmlns:a14="http://schemas.microsoft.com/office/drawing/2010/main" val="0"/>
-              </a:ext>
-            </a:extLst>
-          </a:blip>
-          <a:stretch>
-            <a:fillRect/>
-          </a:stretch>
-        </p:blipFill>
-        <p:spPr>
-          <a:xfrm>
-            <a:off x="1375794" y="5482206"/>
-            <a:ext cx="1375794" cy="1375794"/>
-          </a:xfrm>
-          <a:prstGeom prst="rect">
-            <a:avLst/>
-          </a:prstGeom>
-          <a:effectLst>
-            <a:outerShdw dist="165100" algn="ctr" rotWithShape="0">
-              <a:srgbClr val="000000">
-                <a:alpha val="43137"/>
-              </a:srgbClr>
-            </a:outerShdw>
-          </a:effectLst>
-        </p:spPr>
-      </p:pic>
-      <p:pic>
-        <p:nvPicPr>
-          <p:cNvPr id="11" name="Picture 10">
-            <a:extLst>
-              <a:ext uri="{FF2B5EF4-FFF2-40B4-BE49-F238E27FC236}">
-                <a16:creationId xmlns:a16="http://schemas.microsoft.com/office/drawing/2014/main" id="{2ACD24B4-FAEE-4450-8B52-5868D3309BFE}"/>
-              </a:ext>
-            </a:extLst>
-          </p:cNvPr>
-          <p:cNvPicPr>
-            <a:picLocks noChangeAspect="1"/>
-          </p:cNvPicPr>
-          <p:nvPr/>
-        </p:nvPicPr>
-        <p:blipFill>
-          <a:blip r:embed="rId3">
-            <a:extLst>
-              <a:ext uri="{28A0092B-C50C-407E-A947-70E740481C1C}">
-                <a14:useLocalDpi xmlns:a14="http://schemas.microsoft.com/office/drawing/2010/main" val="0"/>
-              </a:ext>
-            </a:extLst>
-          </a:blip>
-          <a:stretch>
-            <a:fillRect/>
-          </a:stretch>
-        </p:blipFill>
-        <p:spPr>
-          <a:xfrm>
-            <a:off x="2751588" y="5482206"/>
-            <a:ext cx="1375794" cy="1375794"/>
-          </a:xfrm>
-          <a:prstGeom prst="rect">
-            <a:avLst/>
-          </a:prstGeom>
-          <a:effectLst>
-            <a:outerShdw dist="165100" algn="ctr" rotWithShape="0">
-              <a:srgbClr val="000000">
-                <a:alpha val="43137"/>
-              </a:srgbClr>
-            </a:outerShdw>
-          </a:effectLst>
-        </p:spPr>
-      </p:pic>
-      <p:pic>
-        <p:nvPicPr>
-          <p:cNvPr id="12" name="Picture 11">
-            <a:extLst>
-              <a:ext uri="{FF2B5EF4-FFF2-40B4-BE49-F238E27FC236}">
-                <a16:creationId xmlns:a16="http://schemas.microsoft.com/office/drawing/2014/main" id="{4775F30A-10B9-4C48-AA69-9A5B1A98D2DA}"/>
-              </a:ext>
-            </a:extLst>
-          </p:cNvPr>
-          <p:cNvPicPr>
-            <a:picLocks noChangeAspect="1"/>
-          </p:cNvPicPr>
-          <p:nvPr/>
-        </p:nvPicPr>
-        <p:blipFill>
-          <a:blip r:embed="rId3">
-            <a:extLst>
-              <a:ext uri="{28A0092B-C50C-407E-A947-70E740481C1C}">
-                <a14:useLocalDpi xmlns:a14="http://schemas.microsoft.com/office/drawing/2010/main" val="0"/>
-              </a:ext>
-            </a:extLst>
-          </a:blip>
-          <a:stretch>
-            <a:fillRect/>
-          </a:stretch>
-        </p:blipFill>
-        <p:spPr>
-          <a:xfrm>
-            <a:off x="4127382" y="5482206"/>
-            <a:ext cx="1375794" cy="1375794"/>
-          </a:xfrm>
-          <a:prstGeom prst="rect">
-            <a:avLst/>
-          </a:prstGeom>
-          <a:effectLst>
-            <a:outerShdw dist="165100" algn="ctr" rotWithShape="0">
-              <a:srgbClr val="000000">
-                <a:alpha val="43137"/>
-              </a:srgbClr>
-            </a:outerShdw>
-          </a:effectLst>
-        </p:spPr>
-      </p:pic>
-      <p:pic>
-        <p:nvPicPr>
-          <p:cNvPr id="13" name="Picture 12">
-            <a:extLst>
-              <a:ext uri="{FF2B5EF4-FFF2-40B4-BE49-F238E27FC236}">
-                <a16:creationId xmlns:a16="http://schemas.microsoft.com/office/drawing/2014/main" id="{6309CBEB-58D7-46B6-809D-9038F02C0D37}"/>
-              </a:ext>
-            </a:extLst>
-          </p:cNvPr>
-          <p:cNvPicPr>
-            <a:picLocks noChangeAspect="1"/>
-          </p:cNvPicPr>
-          <p:nvPr/>
-        </p:nvPicPr>
-        <p:blipFill>
-          <a:blip r:embed="rId3">
-            <a:extLst>
-              <a:ext uri="{28A0092B-C50C-407E-A947-70E740481C1C}">
-                <a14:useLocalDpi xmlns:a14="http://schemas.microsoft.com/office/drawing/2010/main" val="0"/>
-              </a:ext>
-            </a:extLst>
-          </a:blip>
-          <a:stretch>
-            <a:fillRect/>
-          </a:stretch>
-        </p:blipFill>
-        <p:spPr>
-          <a:xfrm>
-            <a:off x="5503176" y="5482206"/>
-            <a:ext cx="1375794" cy="1375794"/>
-          </a:xfrm>
-          <a:prstGeom prst="rect">
-            <a:avLst/>
-          </a:prstGeom>
-          <a:effectLst>
-            <a:outerShdw dist="165100" algn="ctr" rotWithShape="0">
-              <a:srgbClr val="000000">
-                <a:alpha val="43137"/>
-              </a:srgbClr>
-            </a:outerShdw>
-          </a:effectLst>
-        </p:spPr>
-      </p:pic>
-      <p:pic>
-        <p:nvPicPr>
-          <p:cNvPr id="14" name="Picture 13">
-            <a:extLst>
-              <a:ext uri="{FF2B5EF4-FFF2-40B4-BE49-F238E27FC236}">
-                <a16:creationId xmlns:a16="http://schemas.microsoft.com/office/drawing/2014/main" id="{BF502DC7-20A1-4713-B8F0-27F5F6D3FA6D}"/>
-              </a:ext>
-            </a:extLst>
-          </p:cNvPr>
-          <p:cNvPicPr>
-            <a:picLocks noChangeAspect="1"/>
-          </p:cNvPicPr>
-          <p:nvPr/>
-        </p:nvPicPr>
-        <p:blipFill>
-          <a:blip r:embed="rId3">
-            <a:extLst>
-              <a:ext uri="{28A0092B-C50C-407E-A947-70E740481C1C}">
-                <a14:useLocalDpi xmlns:a14="http://schemas.microsoft.com/office/drawing/2010/main" val="0"/>
-              </a:ext>
-            </a:extLst>
-          </a:blip>
-          <a:stretch>
-            <a:fillRect/>
-          </a:stretch>
-        </p:blipFill>
-        <p:spPr>
-          <a:xfrm>
-            <a:off x="6878970" y="5482206"/>
-            <a:ext cx="1375794" cy="1375794"/>
-          </a:xfrm>
-          <a:prstGeom prst="rect">
-            <a:avLst/>
-          </a:prstGeom>
-          <a:effectLst>
-            <a:outerShdw dist="165100" algn="ctr" rotWithShape="0">
-              <a:srgbClr val="000000">
-                <a:alpha val="43137"/>
-              </a:srgbClr>
-            </a:outerShdw>
-          </a:effectLst>
-        </p:spPr>
-      </p:pic>
-      <p:pic>
-        <p:nvPicPr>
-          <p:cNvPr id="15" name="Picture 14">
-            <a:extLst>
-              <a:ext uri="{FF2B5EF4-FFF2-40B4-BE49-F238E27FC236}">
-                <a16:creationId xmlns:a16="http://schemas.microsoft.com/office/drawing/2014/main" id="{B163AFE9-FCAA-42DC-A3A4-EA6B06744B0B}"/>
-              </a:ext>
-            </a:extLst>
-          </p:cNvPr>
-          <p:cNvPicPr>
-            <a:picLocks noChangeAspect="1"/>
-          </p:cNvPicPr>
-          <p:nvPr/>
-        </p:nvPicPr>
-        <p:blipFill>
-          <a:blip r:embed="rId3">
-            <a:extLst>
-              <a:ext uri="{28A0092B-C50C-407E-A947-70E740481C1C}">
-                <a14:useLocalDpi xmlns:a14="http://schemas.microsoft.com/office/drawing/2010/main" val="0"/>
-              </a:ext>
-            </a:extLst>
-          </a:blip>
-          <a:stretch>
-            <a:fillRect/>
-          </a:stretch>
-        </p:blipFill>
-        <p:spPr>
-          <a:xfrm>
-            <a:off x="8254764" y="5482206"/>
-            <a:ext cx="1375794" cy="1375794"/>
-          </a:xfrm>
-          <a:prstGeom prst="rect">
-            <a:avLst/>
-          </a:prstGeom>
-          <a:effectLst>
-            <a:outerShdw dist="165100" algn="ctr" rotWithShape="0">
-              <a:srgbClr val="000000">
-                <a:alpha val="43137"/>
-              </a:srgbClr>
-            </a:outerShdw>
-          </a:effectLst>
-        </p:spPr>
-      </p:pic>
-      <p:pic>
-        <p:nvPicPr>
-          <p:cNvPr id="16" name="Picture 15">
-            <a:extLst>
-              <a:ext uri="{FF2B5EF4-FFF2-40B4-BE49-F238E27FC236}">
-                <a16:creationId xmlns:a16="http://schemas.microsoft.com/office/drawing/2014/main" id="{01CA3122-8BBD-4ECB-BB95-00FB73D72B65}"/>
-              </a:ext>
-            </a:extLst>
-          </p:cNvPr>
-          <p:cNvPicPr>
-            <a:picLocks noChangeAspect="1"/>
-          </p:cNvPicPr>
-          <p:nvPr/>
-        </p:nvPicPr>
-        <p:blipFill>
-          <a:blip r:embed="rId3">
-            <a:extLst>
-              <a:ext uri="{28A0092B-C50C-407E-A947-70E740481C1C}">
-                <a14:useLocalDpi xmlns:a14="http://schemas.microsoft.com/office/drawing/2010/main" val="0"/>
-              </a:ext>
-            </a:extLst>
-          </a:blip>
-          <a:stretch>
-            <a:fillRect/>
-          </a:stretch>
-        </p:blipFill>
-        <p:spPr>
-          <a:xfrm>
-            <a:off x="9630558" y="5482206"/>
-            <a:ext cx="1375794" cy="1375794"/>
-          </a:xfrm>
-          <a:prstGeom prst="rect">
-            <a:avLst/>
-          </a:prstGeom>
-          <a:effectLst>
-            <a:outerShdw dist="165100" algn="ctr" rotWithShape="0">
-              <a:srgbClr val="000000">
-                <a:alpha val="43137"/>
-              </a:srgbClr>
-            </a:outerShdw>
-          </a:effectLst>
-        </p:spPr>
-      </p:pic>
-      <p:pic>
-        <p:nvPicPr>
-          <p:cNvPr id="17" name="Picture 16">
-            <a:extLst>
-              <a:ext uri="{FF2B5EF4-FFF2-40B4-BE49-F238E27FC236}">
-                <a16:creationId xmlns:a16="http://schemas.microsoft.com/office/drawing/2014/main" id="{47C0484B-D26D-4BD6-A04D-3FF4C2916F98}"/>
-              </a:ext>
-            </a:extLst>
-          </p:cNvPr>
-          <p:cNvPicPr>
-            <a:picLocks noChangeAspect="1"/>
-          </p:cNvPicPr>
-          <p:nvPr/>
-        </p:nvPicPr>
-        <p:blipFill>
-          <a:blip r:embed="rId3">
-            <a:extLst>
-              <a:ext uri="{28A0092B-C50C-407E-A947-70E740481C1C}">
-                <a14:useLocalDpi xmlns:a14="http://schemas.microsoft.com/office/drawing/2010/main" val="0"/>
-              </a:ext>
-            </a:extLst>
-          </a:blip>
-          <a:stretch>
-            <a:fillRect/>
-          </a:stretch>
-        </p:blipFill>
-        <p:spPr>
-          <a:xfrm>
-            <a:off x="11006352" y="5482206"/>
-            <a:ext cx="1375794" cy="1375794"/>
-          </a:xfrm>
-          <a:prstGeom prst="rect">
-            <a:avLst/>
-          </a:prstGeom>
-          <a:effectLst>
-            <a:outerShdw dist="165100" algn="ctr" rotWithShape="0">
-              <a:srgbClr val="000000">
-                <a:alpha val="43137"/>
-              </a:srgbClr>
-            </a:outerShdw>
-          </a:effectLst>
-        </p:spPr>
-      </p:pic>
-      <p:pic>
-        <p:nvPicPr>
-          <p:cNvPr id="29" name="Picture 28">
-            <a:extLst>
-              <a:ext uri="{FF2B5EF4-FFF2-40B4-BE49-F238E27FC236}">
-                <a16:creationId xmlns:a16="http://schemas.microsoft.com/office/drawing/2014/main" id="{AD04A304-858F-48E1-BF87-761D6D9A8A70}"/>
-              </a:ext>
-            </a:extLst>
-          </p:cNvPr>
-          <p:cNvPicPr>
-            <a:picLocks noChangeAspect="1"/>
-          </p:cNvPicPr>
-          <p:nvPr/>
-        </p:nvPicPr>
-        <p:blipFill>
-          <a:blip r:embed="rId4">
-            <a:extLst>
-              <a:ext uri="{28A0092B-C50C-407E-A947-70E740481C1C}">
-                <a14:useLocalDpi xmlns:a14="http://schemas.microsoft.com/office/drawing/2010/main" val="0"/>
-              </a:ext>
-            </a:extLst>
-          </a:blip>
-          <a:stretch>
-            <a:fillRect/>
-          </a:stretch>
-        </p:blipFill>
-        <p:spPr>
-          <a:xfrm>
-            <a:off x="0" y="0"/>
-            <a:ext cx="905660" cy="905660"/>
-          </a:xfrm>
-          <a:prstGeom prst="rect">
-            <a:avLst/>
-          </a:prstGeom>
-        </p:spPr>
-      </p:pic>
-      <p:pic>
-        <p:nvPicPr>
-          <p:cNvPr id="30" name="Picture 29">
-            <a:extLst>
-              <a:ext uri="{FF2B5EF4-FFF2-40B4-BE49-F238E27FC236}">
-                <a16:creationId xmlns:a16="http://schemas.microsoft.com/office/drawing/2014/main" id="{0A10D12A-7790-4FBC-801F-27505887D3AE}"/>
-              </a:ext>
-            </a:extLst>
-          </p:cNvPr>
-          <p:cNvPicPr>
-            <a:picLocks noChangeAspect="1"/>
-          </p:cNvPicPr>
-          <p:nvPr/>
-        </p:nvPicPr>
-        <p:blipFill>
-          <a:blip r:embed="rId4">
-            <a:extLst>
-              <a:ext uri="{28A0092B-C50C-407E-A947-70E740481C1C}">
-                <a14:useLocalDpi xmlns:a14="http://schemas.microsoft.com/office/drawing/2010/main" val="0"/>
-              </a:ext>
-            </a:extLst>
-          </a:blip>
-          <a:stretch>
-            <a:fillRect/>
-          </a:stretch>
-        </p:blipFill>
-        <p:spPr>
-          <a:xfrm>
-            <a:off x="905660" y="0"/>
-            <a:ext cx="905660" cy="905660"/>
-          </a:xfrm>
-          <a:prstGeom prst="rect">
-            <a:avLst/>
-          </a:prstGeom>
-        </p:spPr>
-      </p:pic>
-      <p:pic>
-        <p:nvPicPr>
-          <p:cNvPr id="31" name="Picture 30">
-            <a:extLst>
-              <a:ext uri="{FF2B5EF4-FFF2-40B4-BE49-F238E27FC236}">
-                <a16:creationId xmlns:a16="http://schemas.microsoft.com/office/drawing/2014/main" id="{34568B21-4967-4460-A568-8F7DE8B79CB5}"/>
-              </a:ext>
-            </a:extLst>
-          </p:cNvPr>
-          <p:cNvPicPr>
-            <a:picLocks noChangeAspect="1"/>
-          </p:cNvPicPr>
-          <p:nvPr/>
-        </p:nvPicPr>
-        <p:blipFill>
-          <a:blip r:embed="rId4">
-            <a:extLst>
-              <a:ext uri="{28A0092B-C50C-407E-A947-70E740481C1C}">
-                <a14:useLocalDpi xmlns:a14="http://schemas.microsoft.com/office/drawing/2010/main" val="0"/>
-              </a:ext>
-            </a:extLst>
-          </a:blip>
-          <a:stretch>
-            <a:fillRect/>
-          </a:stretch>
-        </p:blipFill>
-        <p:spPr>
-          <a:xfrm>
-            <a:off x="1811320" y="-7926"/>
-            <a:ext cx="905660" cy="905660"/>
-          </a:xfrm>
-          <a:prstGeom prst="rect">
-            <a:avLst/>
-          </a:prstGeom>
-        </p:spPr>
-      </p:pic>
-      <p:pic>
-        <p:nvPicPr>
-          <p:cNvPr id="32" name="Picture 31">
-            <a:extLst>
-              <a:ext uri="{FF2B5EF4-FFF2-40B4-BE49-F238E27FC236}">
-                <a16:creationId xmlns:a16="http://schemas.microsoft.com/office/drawing/2014/main" id="{1F50D146-0480-463B-B14A-86EE03C3699F}"/>
-              </a:ext>
-            </a:extLst>
-          </p:cNvPr>
-          <p:cNvPicPr>
-            <a:picLocks noChangeAspect="1"/>
-          </p:cNvPicPr>
-          <p:nvPr/>
-        </p:nvPicPr>
-        <p:blipFill>
-          <a:blip r:embed="rId4">
-            <a:extLst>
-              <a:ext uri="{28A0092B-C50C-407E-A947-70E740481C1C}">
-                <a14:useLocalDpi xmlns:a14="http://schemas.microsoft.com/office/drawing/2010/main" val="0"/>
-              </a:ext>
-            </a:extLst>
-          </a:blip>
-          <a:stretch>
-            <a:fillRect/>
-          </a:stretch>
-        </p:blipFill>
-        <p:spPr>
-          <a:xfrm>
-            <a:off x="2716980" y="-7926"/>
-            <a:ext cx="905660" cy="905660"/>
-          </a:xfrm>
-          <a:prstGeom prst="rect">
-            <a:avLst/>
-          </a:prstGeom>
-        </p:spPr>
-      </p:pic>
-      <p:pic>
-        <p:nvPicPr>
-          <p:cNvPr id="33" name="Picture 32">
-            <a:extLst>
-              <a:ext uri="{FF2B5EF4-FFF2-40B4-BE49-F238E27FC236}">
-                <a16:creationId xmlns:a16="http://schemas.microsoft.com/office/drawing/2014/main" id="{E851B150-EFAD-4FDE-B8D0-14E6ADAE534E}"/>
-              </a:ext>
-            </a:extLst>
-          </p:cNvPr>
-          <p:cNvPicPr>
-            <a:picLocks noChangeAspect="1"/>
-          </p:cNvPicPr>
-          <p:nvPr/>
-        </p:nvPicPr>
-        <p:blipFill>
-          <a:blip r:embed="rId4">
-            <a:extLst>
-              <a:ext uri="{28A0092B-C50C-407E-A947-70E740481C1C}">
-                <a14:useLocalDpi xmlns:a14="http://schemas.microsoft.com/office/drawing/2010/main" val="0"/>
-              </a:ext>
-            </a:extLst>
-          </a:blip>
-          <a:stretch>
-            <a:fillRect/>
-          </a:stretch>
-        </p:blipFill>
-        <p:spPr>
-          <a:xfrm>
-            <a:off x="3622640" y="0"/>
-            <a:ext cx="905660" cy="905660"/>
-          </a:xfrm>
-          <a:prstGeom prst="rect">
-            <a:avLst/>
-          </a:prstGeom>
-        </p:spPr>
-      </p:pic>
-      <p:pic>
-        <p:nvPicPr>
-          <p:cNvPr id="34" name="Picture 33">
-            <a:extLst>
-              <a:ext uri="{FF2B5EF4-FFF2-40B4-BE49-F238E27FC236}">
-                <a16:creationId xmlns:a16="http://schemas.microsoft.com/office/drawing/2014/main" id="{A6B509EC-568E-4992-9B66-2DA3DEF480DB}"/>
-              </a:ext>
-            </a:extLst>
-          </p:cNvPr>
-          <p:cNvPicPr>
-            <a:picLocks noChangeAspect="1"/>
-          </p:cNvPicPr>
-          <p:nvPr/>
-        </p:nvPicPr>
-        <p:blipFill>
-          <a:blip r:embed="rId4">
-            <a:extLst>
-              <a:ext uri="{28A0092B-C50C-407E-A947-70E740481C1C}">
-                <a14:useLocalDpi xmlns:a14="http://schemas.microsoft.com/office/drawing/2010/main" val="0"/>
-              </a:ext>
-            </a:extLst>
-          </a:blip>
-          <a:stretch>
-            <a:fillRect/>
-          </a:stretch>
-        </p:blipFill>
-        <p:spPr>
-          <a:xfrm>
-            <a:off x="4528300" y="0"/>
-            <a:ext cx="905660" cy="905660"/>
-          </a:xfrm>
-          <a:prstGeom prst="rect">
-            <a:avLst/>
-          </a:prstGeom>
-        </p:spPr>
-      </p:pic>
-      <p:pic>
-        <p:nvPicPr>
-          <p:cNvPr id="35" name="Picture 34">
-            <a:extLst>
-              <a:ext uri="{FF2B5EF4-FFF2-40B4-BE49-F238E27FC236}">
-                <a16:creationId xmlns:a16="http://schemas.microsoft.com/office/drawing/2014/main" id="{A617F1BB-C1A2-43A3-9283-B5F48B7D9F31}"/>
-              </a:ext>
-            </a:extLst>
-          </p:cNvPr>
-          <p:cNvPicPr>
-            <a:picLocks noChangeAspect="1"/>
-          </p:cNvPicPr>
-          <p:nvPr/>
-        </p:nvPicPr>
-        <p:blipFill>
-          <a:blip r:embed="rId4">
-            <a:extLst>
-              <a:ext uri="{28A0092B-C50C-407E-A947-70E740481C1C}">
-                <a14:useLocalDpi xmlns:a14="http://schemas.microsoft.com/office/drawing/2010/main" val="0"/>
-              </a:ext>
-            </a:extLst>
-          </a:blip>
-          <a:stretch>
-            <a:fillRect/>
-          </a:stretch>
-        </p:blipFill>
-        <p:spPr>
-          <a:xfrm>
-            <a:off x="5433960" y="0"/>
-            <a:ext cx="905660" cy="905660"/>
-          </a:xfrm>
-          <a:prstGeom prst="rect">
-            <a:avLst/>
-          </a:prstGeom>
-        </p:spPr>
-      </p:pic>
-      <p:pic>
-        <p:nvPicPr>
-          <p:cNvPr id="36" name="Picture 35">
-            <a:extLst>
-              <a:ext uri="{FF2B5EF4-FFF2-40B4-BE49-F238E27FC236}">
-                <a16:creationId xmlns:a16="http://schemas.microsoft.com/office/drawing/2014/main" id="{E9540E28-1E7D-4185-B9B2-28D6DA52AAAA}"/>
-              </a:ext>
-            </a:extLst>
-          </p:cNvPr>
-          <p:cNvPicPr>
-            <a:picLocks noChangeAspect="1"/>
-          </p:cNvPicPr>
-          <p:nvPr/>
-        </p:nvPicPr>
-        <p:blipFill>
-          <a:blip r:embed="rId4">
-            <a:extLst>
-              <a:ext uri="{28A0092B-C50C-407E-A947-70E740481C1C}">
-                <a14:useLocalDpi xmlns:a14="http://schemas.microsoft.com/office/drawing/2010/main" val="0"/>
-              </a:ext>
-            </a:extLst>
-          </a:blip>
-          <a:stretch>
-            <a:fillRect/>
-          </a:stretch>
-        </p:blipFill>
-        <p:spPr>
-          <a:xfrm>
-            <a:off x="6339620" y="0"/>
-            <a:ext cx="905660" cy="905660"/>
-          </a:xfrm>
-          <a:prstGeom prst="rect">
-            <a:avLst/>
-          </a:prstGeom>
-        </p:spPr>
-      </p:pic>
-      <p:pic>
-        <p:nvPicPr>
-          <p:cNvPr id="37" name="Picture 36">
-            <a:extLst>
-              <a:ext uri="{FF2B5EF4-FFF2-40B4-BE49-F238E27FC236}">
-                <a16:creationId xmlns:a16="http://schemas.microsoft.com/office/drawing/2014/main" id="{0634F39E-D40A-4F93-A3C5-DF8F7E34231B}"/>
-              </a:ext>
-            </a:extLst>
-          </p:cNvPr>
-          <p:cNvPicPr>
-            <a:picLocks noChangeAspect="1"/>
-          </p:cNvPicPr>
-          <p:nvPr/>
-        </p:nvPicPr>
-        <p:blipFill>
-          <a:blip r:embed="rId4">
-            <a:extLst>
-              <a:ext uri="{28A0092B-C50C-407E-A947-70E740481C1C}">
-                <a14:useLocalDpi xmlns:a14="http://schemas.microsoft.com/office/drawing/2010/main" val="0"/>
-              </a:ext>
-            </a:extLst>
-          </a:blip>
-          <a:stretch>
-            <a:fillRect/>
-          </a:stretch>
-        </p:blipFill>
-        <p:spPr>
-          <a:xfrm>
-            <a:off x="7210870" y="0"/>
-            <a:ext cx="905660" cy="905660"/>
-          </a:xfrm>
-          <a:prstGeom prst="rect">
-            <a:avLst/>
-          </a:prstGeom>
-        </p:spPr>
-      </p:pic>
-      <p:pic>
-        <p:nvPicPr>
-          <p:cNvPr id="38" name="Picture 37">
-            <a:extLst>
-              <a:ext uri="{FF2B5EF4-FFF2-40B4-BE49-F238E27FC236}">
-                <a16:creationId xmlns:a16="http://schemas.microsoft.com/office/drawing/2014/main" id="{BBDFA3FD-AC1D-4651-AAC9-B605D920D28E}"/>
-              </a:ext>
-            </a:extLst>
-          </p:cNvPr>
-          <p:cNvPicPr>
-            <a:picLocks noChangeAspect="1"/>
-          </p:cNvPicPr>
-          <p:nvPr/>
-        </p:nvPicPr>
-        <p:blipFill>
-          <a:blip r:embed="rId4">
-            <a:extLst>
-              <a:ext uri="{28A0092B-C50C-407E-A947-70E740481C1C}">
-                <a14:useLocalDpi xmlns:a14="http://schemas.microsoft.com/office/drawing/2010/main" val="0"/>
-              </a:ext>
-            </a:extLst>
-          </a:blip>
-          <a:stretch>
-            <a:fillRect/>
-          </a:stretch>
-        </p:blipFill>
-        <p:spPr>
-          <a:xfrm>
-            <a:off x="8116530" y="0"/>
-            <a:ext cx="905660" cy="905660"/>
-          </a:xfrm>
-          <a:prstGeom prst="rect">
-            <a:avLst/>
-          </a:prstGeom>
-        </p:spPr>
-      </p:pic>
-      <p:pic>
-        <p:nvPicPr>
-          <p:cNvPr id="39" name="Picture 38">
-            <a:extLst>
-              <a:ext uri="{FF2B5EF4-FFF2-40B4-BE49-F238E27FC236}">
-                <a16:creationId xmlns:a16="http://schemas.microsoft.com/office/drawing/2014/main" id="{A2806EB1-797B-428D-BAC5-FC9E994C5D07}"/>
-              </a:ext>
-            </a:extLst>
-          </p:cNvPr>
-          <p:cNvPicPr>
-            <a:picLocks noChangeAspect="1"/>
-          </p:cNvPicPr>
-          <p:nvPr/>
-        </p:nvPicPr>
-        <p:blipFill>
-          <a:blip r:embed="rId4">
-            <a:extLst>
-              <a:ext uri="{28A0092B-C50C-407E-A947-70E740481C1C}">
-                <a14:useLocalDpi xmlns:a14="http://schemas.microsoft.com/office/drawing/2010/main" val="0"/>
-              </a:ext>
-            </a:extLst>
-          </a:blip>
-          <a:stretch>
-            <a:fillRect/>
-          </a:stretch>
-        </p:blipFill>
-        <p:spPr>
-          <a:xfrm>
-            <a:off x="9022190" y="0"/>
-            <a:ext cx="905660" cy="905660"/>
-          </a:xfrm>
-          <a:prstGeom prst="rect">
-            <a:avLst/>
-          </a:prstGeom>
-        </p:spPr>
-      </p:pic>
-      <p:pic>
-        <p:nvPicPr>
-          <p:cNvPr id="40" name="Picture 39">
-            <a:extLst>
-              <a:ext uri="{FF2B5EF4-FFF2-40B4-BE49-F238E27FC236}">
-                <a16:creationId xmlns:a16="http://schemas.microsoft.com/office/drawing/2014/main" id="{F968631A-49FA-4563-BC4B-8B831F921F3F}"/>
-              </a:ext>
-            </a:extLst>
-          </p:cNvPr>
-          <p:cNvPicPr>
-            <a:picLocks noChangeAspect="1"/>
-          </p:cNvPicPr>
-          <p:nvPr/>
-        </p:nvPicPr>
-        <p:blipFill>
-          <a:blip r:embed="rId4">
-            <a:extLst>
-              <a:ext uri="{28A0092B-C50C-407E-A947-70E740481C1C}">
-                <a14:useLocalDpi xmlns:a14="http://schemas.microsoft.com/office/drawing/2010/main" val="0"/>
-              </a:ext>
-            </a:extLst>
-          </a:blip>
-          <a:stretch>
-            <a:fillRect/>
-          </a:stretch>
-        </p:blipFill>
-        <p:spPr>
-          <a:xfrm>
-            <a:off x="9927850" y="-7926"/>
-            <a:ext cx="905660" cy="905660"/>
-          </a:xfrm>
-          <a:prstGeom prst="rect">
-            <a:avLst/>
-          </a:prstGeom>
-        </p:spPr>
-      </p:pic>
-      <p:pic>
-        <p:nvPicPr>
-          <p:cNvPr id="43" name="Picture 42">
-            <a:extLst>
-              <a:ext uri="{FF2B5EF4-FFF2-40B4-BE49-F238E27FC236}">
-                <a16:creationId xmlns:a16="http://schemas.microsoft.com/office/drawing/2014/main" id="{7AC2B981-B522-440A-877D-4015B7D9CCFF}"/>
-              </a:ext>
-            </a:extLst>
-          </p:cNvPr>
-          <p:cNvPicPr>
-            <a:picLocks noChangeAspect="1"/>
-          </p:cNvPicPr>
-          <p:nvPr/>
-        </p:nvPicPr>
-        <p:blipFill>
-          <a:blip r:embed="rId4">
-            <a:extLst>
-              <a:ext uri="{28A0092B-C50C-407E-A947-70E740481C1C}">
-                <a14:useLocalDpi xmlns:a14="http://schemas.microsoft.com/office/drawing/2010/main" val="0"/>
-              </a:ext>
-            </a:extLst>
-          </a:blip>
-          <a:stretch>
-            <a:fillRect/>
-          </a:stretch>
-        </p:blipFill>
-        <p:spPr>
-          <a:xfrm>
-            <a:off x="10380680" y="-7926"/>
-            <a:ext cx="905660" cy="905660"/>
-          </a:xfrm>
-          <a:prstGeom prst="rect">
-            <a:avLst/>
-          </a:prstGeom>
-        </p:spPr>
-      </p:pic>
-      <p:pic>
-        <p:nvPicPr>
-          <p:cNvPr id="44" name="Picture 43">
-            <a:extLst>
-              <a:ext uri="{FF2B5EF4-FFF2-40B4-BE49-F238E27FC236}">
-                <a16:creationId xmlns:a16="http://schemas.microsoft.com/office/drawing/2014/main" id="{5D4FCCC4-3464-428E-B41E-3BCBB49A154E}"/>
-              </a:ext>
-            </a:extLst>
-          </p:cNvPr>
-          <p:cNvPicPr>
-            <a:picLocks noChangeAspect="1"/>
-          </p:cNvPicPr>
-          <p:nvPr/>
-        </p:nvPicPr>
-        <p:blipFill>
-          <a:blip r:embed="rId4">
-            <a:extLst>
-              <a:ext uri="{28A0092B-C50C-407E-A947-70E740481C1C}">
-                <a14:useLocalDpi xmlns:a14="http://schemas.microsoft.com/office/drawing/2010/main" val="0"/>
-              </a:ext>
-            </a:extLst>
-          </a:blip>
-          <a:stretch>
-            <a:fillRect/>
-          </a:stretch>
-        </p:blipFill>
-        <p:spPr>
-          <a:xfrm>
-            <a:off x="11286340" y="-7926"/>
-            <a:ext cx="905660" cy="905660"/>
-          </a:xfrm>
-          <a:prstGeom prst="rect">
-            <a:avLst/>
-          </a:prstGeom>
-        </p:spPr>
-      </p:pic>
-      <p:sp>
-        <p:nvSpPr>
-          <p:cNvPr id="41" name="Title 1">
-            <a:extLst>
-              <a:ext uri="{FF2B5EF4-FFF2-40B4-BE49-F238E27FC236}">
-                <a16:creationId xmlns:a16="http://schemas.microsoft.com/office/drawing/2014/main" id="{8AC07EAB-005E-4F05-88FA-60C2B6AC2AFF}"/>
-              </a:ext>
-            </a:extLst>
-          </p:cNvPr>
-          <p:cNvSpPr txBox="1">
-            <a:spLocks/>
-          </p:cNvSpPr>
-          <p:nvPr/>
-        </p:nvSpPr>
-        <p:spPr>
-          <a:xfrm>
-            <a:off x="-642459" y="344236"/>
-            <a:ext cx="7624373" cy="1325563"/>
-          </a:xfrm>
-          <a:prstGeom prst="rect">
-            <a:avLst/>
-          </a:prstGeom>
-        </p:spPr>
-        <p:txBody>
-          <a:bodyPr vert="horz" lIns="91440" tIns="45720" rIns="91440" bIns="45720" rtlCol="0" anchor="b">
-            <a:normAutofit/>
-          </a:bodyPr>
-          <a:lstStyle>
-            <a:lvl1pPr algn="ctr" defTabSz="914400" rtl="0" eaLnBrk="1" latinLnBrk="0" hangingPunct="1">
-              <a:lnSpc>
-                <a:spcPct val="90000"/>
-              </a:lnSpc>
-              <a:spcBef>
-                <a:spcPct val="0"/>
-              </a:spcBef>
-              <a:buNone/>
-              <a:defRPr sz="6000" kern="1200">
-                <a:solidFill>
-                  <a:schemeClr val="tx1"/>
-                </a:solidFill>
-                <a:latin typeface="+mj-lt"/>
-                <a:ea typeface="+mj-ea"/>
-                <a:cs typeface="+mj-cs"/>
-              </a:defRPr>
-            </a:lvl1pPr>
-          </a:lstStyle>
-          <a:p>
-            <a:r>
-              <a:rPr lang="en-GB" sz="4800" b="1" dirty="0"/>
-              <a:t>Our Response To The Brief</a:t>
-            </a:r>
-          </a:p>
-        </p:txBody>
-      </p:sp>
-      <p:sp>
-        <p:nvSpPr>
-          <p:cNvPr id="2" name="TextBox 1">
-            <a:extLst>
-              <a:ext uri="{FF2B5EF4-FFF2-40B4-BE49-F238E27FC236}">
-                <a16:creationId xmlns:a16="http://schemas.microsoft.com/office/drawing/2014/main" id="{0C29A4C3-8B18-49A8-AF7D-4437C1CCE91A}"/>
-              </a:ext>
-            </a:extLst>
-          </p:cNvPr>
-          <p:cNvSpPr txBox="1"/>
-          <p:nvPr/>
-        </p:nvSpPr>
-        <p:spPr>
-          <a:xfrm>
-            <a:off x="579487" y="1844759"/>
-            <a:ext cx="3718390" cy="1154162"/>
-          </a:xfrm>
-          <a:prstGeom prst="rect">
-            <a:avLst/>
-          </a:prstGeom>
-          <a:noFill/>
-        </p:spPr>
-        <p:txBody>
-          <a:bodyPr wrap="none" rtlCol="0">
-            <a:spAutoFit/>
-          </a:bodyPr>
-          <a:lstStyle/>
-          <a:p>
-            <a:r>
-              <a:rPr lang="en-GB" sz="2300" u="sng" dirty="0"/>
-              <a:t>Platforming Genre is changed</a:t>
-            </a:r>
-          </a:p>
-          <a:p>
-            <a:pPr marL="742950" lvl="1" indent="-285750">
-              <a:buFont typeface="Arial" panose="020B0604020202020204" pitchFamily="34" charset="0"/>
-              <a:buChar char="•"/>
-            </a:pPr>
-            <a:r>
-              <a:rPr lang="en-GB" sz="2300" dirty="0"/>
-              <a:t>Jumping Removed</a:t>
-            </a:r>
-          </a:p>
-          <a:p>
-            <a:pPr marL="742950" lvl="1" indent="-285750">
-              <a:buFont typeface="Arial" panose="020B0604020202020204" pitchFamily="34" charset="0"/>
-              <a:buChar char="•"/>
-            </a:pPr>
-            <a:r>
-              <a:rPr lang="en-GB" sz="2300" dirty="0"/>
-              <a:t>Grappling Hook added</a:t>
-            </a:r>
-          </a:p>
-        </p:txBody>
-      </p:sp>
-      <p:sp>
-        <p:nvSpPr>
-          <p:cNvPr id="45" name="TextBox 44">
-            <a:extLst>
-              <a:ext uri="{FF2B5EF4-FFF2-40B4-BE49-F238E27FC236}">
-                <a16:creationId xmlns:a16="http://schemas.microsoft.com/office/drawing/2014/main" id="{7D5322E2-78E6-438C-A2D2-FE45D2583033}"/>
-              </a:ext>
-            </a:extLst>
-          </p:cNvPr>
-          <p:cNvSpPr txBox="1"/>
-          <p:nvPr/>
-        </p:nvSpPr>
-        <p:spPr>
-          <a:xfrm>
-            <a:off x="562784" y="3351311"/>
-            <a:ext cx="7129196" cy="1508105"/>
-          </a:xfrm>
-          <a:prstGeom prst="rect">
-            <a:avLst/>
-          </a:prstGeom>
-          <a:noFill/>
-        </p:spPr>
-        <p:txBody>
-          <a:bodyPr wrap="none" rtlCol="0">
-            <a:spAutoFit/>
-          </a:bodyPr>
-          <a:lstStyle/>
-          <a:p>
-            <a:r>
-              <a:rPr lang="en-GB" sz="2300" u="sng" dirty="0"/>
-              <a:t>Fiero and Tension from Players	</a:t>
-            </a:r>
-          </a:p>
-          <a:p>
-            <a:pPr marL="800100" lvl="1" indent="-342900">
-              <a:buFont typeface="Arial" panose="020B0604020202020204" pitchFamily="34" charset="0"/>
-              <a:buChar char="•"/>
-            </a:pPr>
-            <a:r>
-              <a:rPr lang="en-GB" sz="2300" dirty="0"/>
-              <a:t>Providing rooms with little cover</a:t>
-            </a:r>
-          </a:p>
-          <a:p>
-            <a:pPr marL="800100" lvl="1" indent="-342900">
-              <a:buFont typeface="Arial" panose="020B0604020202020204" pitchFamily="34" charset="0"/>
-              <a:buChar char="•"/>
-            </a:pPr>
-            <a:r>
-              <a:rPr lang="en-GB" sz="2300" dirty="0"/>
-              <a:t>Having player go close to and through enemy paths</a:t>
-            </a:r>
-          </a:p>
-          <a:p>
-            <a:pPr marL="800100" lvl="1" indent="-342900">
-              <a:buFont typeface="Arial" panose="020B0604020202020204" pitchFamily="34" charset="0"/>
-              <a:buChar char="•"/>
-            </a:pPr>
-            <a:r>
-              <a:rPr lang="en-GB" sz="2300" dirty="0"/>
-              <a:t>‘Hard Fun’</a:t>
-            </a:r>
-          </a:p>
-        </p:txBody>
-      </p:sp>
-      <p:pic>
-        <p:nvPicPr>
-          <p:cNvPr id="4" name="Picture 3">
-            <a:extLst>
-              <a:ext uri="{FF2B5EF4-FFF2-40B4-BE49-F238E27FC236}">
-                <a16:creationId xmlns:a16="http://schemas.microsoft.com/office/drawing/2014/main" id="{147B4768-0B20-45F6-9C96-EE2263EE9F98}"/>
-              </a:ext>
-            </a:extLst>
-          </p:cNvPr>
-          <p:cNvPicPr>
-            <a:picLocks noChangeAspect="1"/>
-          </p:cNvPicPr>
-          <p:nvPr/>
-        </p:nvPicPr>
-        <p:blipFill>
-          <a:blip r:embed="rId5">
-            <a:extLst>
-              <a:ext uri="{28A0092B-C50C-407E-A947-70E740481C1C}">
-                <a14:useLocalDpi xmlns:a14="http://schemas.microsoft.com/office/drawing/2010/main" val="0"/>
-              </a:ext>
-            </a:extLst>
-          </a:blip>
-          <a:stretch>
-            <a:fillRect/>
-          </a:stretch>
-        </p:blipFill>
-        <p:spPr>
-          <a:xfrm rot="19760206">
-            <a:off x="8103053" y="1750892"/>
-            <a:ext cx="698360" cy="142039"/>
-          </a:xfrm>
-          <a:prstGeom prst="rect">
-            <a:avLst/>
-          </a:prstGeom>
-        </p:spPr>
-      </p:pic>
-      <p:pic>
-        <p:nvPicPr>
-          <p:cNvPr id="46" name="Picture 45">
-            <a:extLst>
-              <a:ext uri="{FF2B5EF4-FFF2-40B4-BE49-F238E27FC236}">
-                <a16:creationId xmlns:a16="http://schemas.microsoft.com/office/drawing/2014/main" id="{73058101-7C92-47BB-AF67-23AA684709CA}"/>
-              </a:ext>
-            </a:extLst>
-          </p:cNvPr>
-          <p:cNvPicPr>
-            <a:picLocks noChangeAspect="1"/>
-          </p:cNvPicPr>
-          <p:nvPr/>
-        </p:nvPicPr>
-        <p:blipFill>
-          <a:blip r:embed="rId5">
-            <a:extLst>
-              <a:ext uri="{28A0092B-C50C-407E-A947-70E740481C1C}">
-                <a14:useLocalDpi xmlns:a14="http://schemas.microsoft.com/office/drawing/2010/main" val="0"/>
-              </a:ext>
-            </a:extLst>
-          </a:blip>
-          <a:stretch>
-            <a:fillRect/>
-          </a:stretch>
-        </p:blipFill>
-        <p:spPr>
-          <a:xfrm rot="19760206">
-            <a:off x="8664464" y="1405516"/>
-            <a:ext cx="698360" cy="142039"/>
-          </a:xfrm>
-          <a:prstGeom prst="rect">
-            <a:avLst/>
-          </a:prstGeom>
-        </p:spPr>
-      </p:pic>
-      <p:pic>
-        <p:nvPicPr>
-          <p:cNvPr id="47" name="Picture 46">
-            <a:extLst>
-              <a:ext uri="{FF2B5EF4-FFF2-40B4-BE49-F238E27FC236}">
-                <a16:creationId xmlns:a16="http://schemas.microsoft.com/office/drawing/2014/main" id="{F2EDE785-AF34-4F9E-95E6-A4CA3C093D8F}"/>
-              </a:ext>
-            </a:extLst>
-          </p:cNvPr>
-          <p:cNvPicPr>
-            <a:picLocks noChangeAspect="1"/>
-          </p:cNvPicPr>
-          <p:nvPr/>
-        </p:nvPicPr>
-        <p:blipFill>
-          <a:blip r:embed="rId5">
-            <a:extLst>
-              <a:ext uri="{28A0092B-C50C-407E-A947-70E740481C1C}">
-                <a14:useLocalDpi xmlns:a14="http://schemas.microsoft.com/office/drawing/2010/main" val="0"/>
-              </a:ext>
-            </a:extLst>
-          </a:blip>
-          <a:stretch>
-            <a:fillRect/>
-          </a:stretch>
-        </p:blipFill>
-        <p:spPr>
-          <a:xfrm rot="19760206">
-            <a:off x="9236633" y="1081736"/>
-            <a:ext cx="698360" cy="142039"/>
-          </a:xfrm>
-          <a:prstGeom prst="rect">
-            <a:avLst/>
-          </a:prstGeom>
-        </p:spPr>
-      </p:pic>
-      <p:pic>
-        <p:nvPicPr>
-          <p:cNvPr id="48" name="Picture 47">
-            <a:extLst>
-              <a:ext uri="{FF2B5EF4-FFF2-40B4-BE49-F238E27FC236}">
-                <a16:creationId xmlns:a16="http://schemas.microsoft.com/office/drawing/2014/main" id="{792540AA-24AC-414D-BE3E-B2F9816FAF7C}"/>
-              </a:ext>
-            </a:extLst>
-          </p:cNvPr>
-          <p:cNvPicPr>
-            <a:picLocks noChangeAspect="1"/>
-          </p:cNvPicPr>
-          <p:nvPr/>
-        </p:nvPicPr>
-        <p:blipFill>
-          <a:blip r:embed="rId5">
-            <a:extLst>
-              <a:ext uri="{28A0092B-C50C-407E-A947-70E740481C1C}">
-                <a14:useLocalDpi xmlns:a14="http://schemas.microsoft.com/office/drawing/2010/main" val="0"/>
-              </a:ext>
-            </a:extLst>
-          </a:blip>
-          <a:stretch>
-            <a:fillRect/>
-          </a:stretch>
-        </p:blipFill>
-        <p:spPr>
-          <a:xfrm rot="19760206">
-            <a:off x="9500000" y="935998"/>
-            <a:ext cx="698360" cy="142039"/>
-          </a:xfrm>
-          <a:prstGeom prst="rect">
-            <a:avLst/>
-          </a:prstGeom>
-        </p:spPr>
-      </p:pic>
-      <p:pic>
-        <p:nvPicPr>
-          <p:cNvPr id="6" name="Picture 5">
-            <a:extLst>
-              <a:ext uri="{FF2B5EF4-FFF2-40B4-BE49-F238E27FC236}">
-                <a16:creationId xmlns:a16="http://schemas.microsoft.com/office/drawing/2014/main" id="{EF90B758-375F-4FBD-9BD1-575550B769EC}"/>
-              </a:ext>
-            </a:extLst>
-          </p:cNvPr>
-          <p:cNvPicPr>
-            <a:picLocks noChangeAspect="1"/>
-          </p:cNvPicPr>
-          <p:nvPr/>
-        </p:nvPicPr>
-        <p:blipFill>
-          <a:blip r:embed="rId6">
-            <a:extLst>
-              <a:ext uri="{28A0092B-C50C-407E-A947-70E740481C1C}">
-                <a14:useLocalDpi xmlns:a14="http://schemas.microsoft.com/office/drawing/2010/main" val="0"/>
-              </a:ext>
-            </a:extLst>
-          </a:blip>
-          <a:stretch>
-            <a:fillRect/>
-          </a:stretch>
-        </p:blipFill>
-        <p:spPr>
-          <a:xfrm rot="19894169">
-            <a:off x="7969754" y="1927898"/>
-            <a:ext cx="291803" cy="218852"/>
-          </a:xfrm>
-          <a:prstGeom prst="rect">
-            <a:avLst/>
-          </a:prstGeom>
-        </p:spPr>
-      </p:pic>
-      <p:sp>
-        <p:nvSpPr>
-          <p:cNvPr id="8" name="TextBox 7">
-            <a:extLst>
-              <a:ext uri="{FF2B5EF4-FFF2-40B4-BE49-F238E27FC236}">
-                <a16:creationId xmlns:a16="http://schemas.microsoft.com/office/drawing/2014/main" id="{F1086DF2-C5CC-4B19-A25B-70CA1CC4EF9B}"/>
-              </a:ext>
-            </a:extLst>
-          </p:cNvPr>
-          <p:cNvSpPr txBox="1"/>
-          <p:nvPr/>
-        </p:nvSpPr>
-        <p:spPr>
-          <a:xfrm>
-            <a:off x="9563423" y="2382527"/>
-            <a:ext cx="1375794" cy="369332"/>
-          </a:xfrm>
-          <a:prstGeom prst="rect">
-            <a:avLst/>
-          </a:prstGeom>
-          <a:noFill/>
-        </p:spPr>
-        <p:txBody>
-          <a:bodyPr wrap="square" rtlCol="0">
-            <a:spAutoFit/>
-          </a:bodyPr>
-          <a:lstStyle/>
-          <a:p>
-            <a:r>
-              <a:rPr lang="en-GB" dirty="0"/>
-              <a:t>Enter Room</a:t>
-            </a:r>
-          </a:p>
-        </p:txBody>
-      </p:sp>
-      <p:sp>
-        <p:nvSpPr>
-          <p:cNvPr id="49" name="TextBox 48">
-            <a:extLst>
-              <a:ext uri="{FF2B5EF4-FFF2-40B4-BE49-F238E27FC236}">
-                <a16:creationId xmlns:a16="http://schemas.microsoft.com/office/drawing/2014/main" id="{2360A48E-446B-4AFD-B865-04DD252179D3}"/>
-              </a:ext>
-            </a:extLst>
-          </p:cNvPr>
-          <p:cNvSpPr txBox="1"/>
-          <p:nvPr/>
-        </p:nvSpPr>
-        <p:spPr>
-          <a:xfrm>
-            <a:off x="10929164" y="3414514"/>
-            <a:ext cx="967885" cy="646331"/>
-          </a:xfrm>
-          <a:prstGeom prst="rect">
-            <a:avLst/>
-          </a:prstGeom>
-          <a:noFill/>
-        </p:spPr>
-        <p:txBody>
-          <a:bodyPr wrap="square" rtlCol="0">
-            <a:spAutoFit/>
-          </a:bodyPr>
-          <a:lstStyle/>
-          <a:p>
-            <a:r>
-              <a:rPr lang="en-GB" dirty="0"/>
-              <a:t>Avoid Enemies</a:t>
-            </a:r>
-          </a:p>
-        </p:txBody>
-      </p:sp>
-      <p:sp>
-        <p:nvSpPr>
-          <p:cNvPr id="50" name="TextBox 49">
-            <a:extLst>
-              <a:ext uri="{FF2B5EF4-FFF2-40B4-BE49-F238E27FC236}">
-                <a16:creationId xmlns:a16="http://schemas.microsoft.com/office/drawing/2014/main" id="{7E73CF1C-646B-4A7E-9576-ADB58BA3965A}"/>
-              </a:ext>
-            </a:extLst>
-          </p:cNvPr>
-          <p:cNvSpPr txBox="1"/>
-          <p:nvPr/>
-        </p:nvSpPr>
-        <p:spPr>
-          <a:xfrm>
-            <a:off x="8435695" y="3587488"/>
-            <a:ext cx="1194863" cy="369332"/>
-          </a:xfrm>
-          <a:prstGeom prst="rect">
-            <a:avLst/>
-          </a:prstGeom>
-          <a:noFill/>
-        </p:spPr>
-        <p:txBody>
-          <a:bodyPr wrap="square" rtlCol="0">
-            <a:spAutoFit/>
-          </a:bodyPr>
-          <a:lstStyle/>
-          <a:p>
-            <a:r>
-              <a:rPr lang="en-GB" dirty="0"/>
-              <a:t>Locate Exit</a:t>
-            </a:r>
-          </a:p>
-        </p:txBody>
-      </p:sp>
-      <p:sp>
-        <p:nvSpPr>
-          <p:cNvPr id="25" name="Arrow: Right 24">
-            <a:extLst>
-              <a:ext uri="{FF2B5EF4-FFF2-40B4-BE49-F238E27FC236}">
-                <a16:creationId xmlns:a16="http://schemas.microsoft.com/office/drawing/2014/main" id="{8D1084F7-F7FD-4E45-A36D-85156CA08791}"/>
-              </a:ext>
-            </a:extLst>
-          </p:cNvPr>
-          <p:cNvSpPr/>
-          <p:nvPr/>
-        </p:nvSpPr>
-        <p:spPr>
-          <a:xfrm rot="3253304">
-            <a:off x="10526673" y="2944229"/>
-            <a:ext cx="970097" cy="300379"/>
-          </a:xfrm>
-          <a:prstGeom prst="rightArrow">
-            <a:avLst>
-              <a:gd name="adj1" fmla="val 56859"/>
-              <a:gd name="adj2" fmla="val 50000"/>
-            </a:avLst>
-          </a:prstGeom>
-          <a:solidFill>
-            <a:schemeClr val="accent2">
-              <a:lumMod val="20000"/>
-              <a:lumOff val="80000"/>
-            </a:schemeClr>
-          </a:solidFill>
-          <a:ln>
-            <a:solidFill>
-              <a:schemeClr val="tx1"/>
-            </a:solidFill>
-          </a:ln>
-        </p:spPr>
-        <p:style>
-          <a:lnRef idx="2">
-            <a:schemeClr val="accent1">
-              <a:shade val="50000"/>
-            </a:schemeClr>
-          </a:lnRef>
-          <a:fillRef idx="1">
-            <a:schemeClr val="accent1"/>
-          </a:fillRef>
-          <a:effectRef idx="0">
-            <a:schemeClr val="accent1"/>
-          </a:effectRef>
-          <a:fontRef idx="minor">
-            <a:schemeClr val="lt1"/>
-          </a:fontRef>
-        </p:style>
-        <p:txBody>
-          <a:bodyPr rtlCol="0" anchor="ctr"/>
-          <a:lstStyle/>
-          <a:p>
-            <a:pPr algn="ctr"/>
-            <a:endParaRPr lang="en-GB"/>
-          </a:p>
-        </p:txBody>
-      </p:sp>
-      <p:sp>
-        <p:nvSpPr>
-          <p:cNvPr id="52" name="Arrow: Right 51">
-            <a:extLst>
-              <a:ext uri="{FF2B5EF4-FFF2-40B4-BE49-F238E27FC236}">
-                <a16:creationId xmlns:a16="http://schemas.microsoft.com/office/drawing/2014/main" id="{50A62483-5037-471B-81D3-4D6D47B9A780}"/>
-              </a:ext>
-            </a:extLst>
-          </p:cNvPr>
-          <p:cNvSpPr/>
-          <p:nvPr/>
-        </p:nvSpPr>
-        <p:spPr>
-          <a:xfrm rot="10800000">
-            <a:off x="9630558" y="3587488"/>
-            <a:ext cx="1241524" cy="300379"/>
-          </a:xfrm>
-          <a:prstGeom prst="rightArrow">
-            <a:avLst/>
-          </a:prstGeom>
-          <a:solidFill>
-            <a:schemeClr val="accent2">
-              <a:lumMod val="20000"/>
-              <a:lumOff val="80000"/>
-            </a:schemeClr>
-          </a:solidFill>
-          <a:ln>
-            <a:solidFill>
-              <a:schemeClr val="tx1"/>
-            </a:solidFill>
-          </a:ln>
-        </p:spPr>
-        <p:style>
-          <a:lnRef idx="2">
-            <a:schemeClr val="accent1">
-              <a:shade val="50000"/>
-            </a:schemeClr>
-          </a:lnRef>
-          <a:fillRef idx="1">
-            <a:schemeClr val="accent1"/>
-          </a:fillRef>
-          <a:effectRef idx="0">
-            <a:schemeClr val="accent1"/>
-          </a:effectRef>
-          <a:fontRef idx="minor">
-            <a:schemeClr val="lt1"/>
-          </a:fontRef>
-        </p:style>
-        <p:txBody>
-          <a:bodyPr rtlCol="0" anchor="ctr"/>
-          <a:lstStyle/>
-          <a:p>
-            <a:pPr algn="ctr"/>
-            <a:endParaRPr lang="en-GB"/>
-          </a:p>
-        </p:txBody>
-      </p:sp>
-      <p:sp>
-        <p:nvSpPr>
-          <p:cNvPr id="53" name="Arrow: Right 52">
-            <a:extLst>
-              <a:ext uri="{FF2B5EF4-FFF2-40B4-BE49-F238E27FC236}">
-                <a16:creationId xmlns:a16="http://schemas.microsoft.com/office/drawing/2014/main" id="{7BE836C9-0423-40C8-A17C-17FEA16C40B6}"/>
-              </a:ext>
-            </a:extLst>
-          </p:cNvPr>
-          <p:cNvSpPr/>
-          <p:nvPr/>
-        </p:nvSpPr>
-        <p:spPr>
-          <a:xfrm rot="18145287">
-            <a:off x="8923394" y="2987578"/>
-            <a:ext cx="892615" cy="300379"/>
-          </a:xfrm>
-          <a:prstGeom prst="rightArrow">
-            <a:avLst/>
-          </a:prstGeom>
-          <a:solidFill>
-            <a:schemeClr val="accent2">
-              <a:lumMod val="20000"/>
-              <a:lumOff val="80000"/>
-            </a:schemeClr>
-          </a:solidFill>
-          <a:ln>
-            <a:solidFill>
-              <a:schemeClr val="tx1"/>
-            </a:solidFill>
-          </a:ln>
-        </p:spPr>
-        <p:style>
-          <a:lnRef idx="2">
-            <a:schemeClr val="accent1">
-              <a:shade val="50000"/>
-            </a:schemeClr>
-          </a:lnRef>
-          <a:fillRef idx="1">
-            <a:schemeClr val="accent1"/>
-          </a:fillRef>
-          <a:effectRef idx="0">
-            <a:schemeClr val="accent1"/>
-          </a:effectRef>
-          <a:fontRef idx="minor">
-            <a:schemeClr val="lt1"/>
-          </a:fontRef>
-        </p:style>
-        <p:txBody>
-          <a:bodyPr rtlCol="0" anchor="ctr"/>
-          <a:lstStyle/>
-          <a:p>
-            <a:pPr algn="ctr"/>
-            <a:endParaRPr lang="en-GB"/>
-          </a:p>
-        </p:txBody>
-      </p:sp>
-    </p:spTree>
-    <p:extLst>
-      <p:ext uri="{BB962C8B-B14F-4D97-AF65-F5344CB8AC3E}">
-        <p14:creationId xmlns:p14="http://schemas.microsoft.com/office/powerpoint/2010/main" val="2603235028"/>
-      </p:ext>
-    </p:extLst>
-  </p:cSld>
-  <p:clrMapOvr>
-    <a:masterClrMapping/>
-  </p:clrMapOvr>
-</p:sld>
-</file>
-
-<file path=ppt/slides/slide4.xml><?xml version="1.0" encoding="utf-8"?>
-<p:sld xmlns:a="http://schemas.openxmlformats.org/drawingml/2006/main" xmlns:r="http://schemas.openxmlformats.org/officeDocument/2006/relationships" xmlns:p="http://schemas.openxmlformats.org/presentationml/2006/main">
-  <p:cSld>
-    <p:bg>
-      <p:bgPr>
-        <a:gradFill flip="none" rotWithShape="1">
-          <a:gsLst>
-            <a:gs pos="0">
-              <a:schemeClr val="accent2">
-                <a:lumMod val="40000"/>
-                <a:lumOff val="60000"/>
-              </a:schemeClr>
-            </a:gs>
-            <a:gs pos="26000">
-              <a:schemeClr val="accent2">
-                <a:lumMod val="95000"/>
-                <a:lumOff val="5000"/>
-              </a:schemeClr>
-            </a:gs>
-            <a:gs pos="75000">
-              <a:srgbClr val="EC7A2C">
-                <a:alpha val="69804"/>
-              </a:srgbClr>
-            </a:gs>
-          </a:gsLst>
-          <a:path path="circle">
-            <a:fillToRect l="50000" t="130000" r="50000" b="-30000"/>
-          </a:path>
-          <a:tileRect/>
-        </a:gradFill>
-        <a:effectLst/>
-      </p:bgPr>
-    </p:bg>
-    <p:spTree>
-      <p:nvGrpSpPr>
-        <p:cNvPr id="1" name=""/>
-        <p:cNvGrpSpPr/>
-        <p:nvPr/>
-      </p:nvGrpSpPr>
-      <p:grpSpPr>
-        <a:xfrm>
-          <a:off x="0" y="0"/>
-          <a:ext cx="0" cy="0"/>
-          <a:chOff x="0" y="0"/>
-          <a:chExt cx="0" cy="0"/>
-        </a:xfrm>
-      </p:grpSpPr>
-      <p:pic>
-        <p:nvPicPr>
-          <p:cNvPr id="42" name="Picture 41">
-            <a:extLst>
-              <a:ext uri="{FF2B5EF4-FFF2-40B4-BE49-F238E27FC236}">
-                <a16:creationId xmlns:a16="http://schemas.microsoft.com/office/drawing/2014/main" id="{E598C5E6-8091-44F2-AE1D-479A793DCE13}"/>
-              </a:ext>
-            </a:extLst>
-          </p:cNvPr>
-          <p:cNvPicPr>
-            <a:picLocks noChangeAspect="1"/>
-          </p:cNvPicPr>
-          <p:nvPr/>
-        </p:nvPicPr>
-        <p:blipFill>
-          <a:blip r:embed="rId2">
-            <a:extLst>
-              <a:ext uri="{28A0092B-C50C-407E-A947-70E740481C1C}">
-                <a14:useLocalDpi xmlns:a14="http://schemas.microsoft.com/office/drawing/2010/main" val="0"/>
-              </a:ext>
-            </a:extLst>
-          </a:blip>
-          <a:stretch>
-            <a:fillRect/>
-          </a:stretch>
-        </p:blipFill>
-        <p:spPr>
-          <a:xfrm>
-            <a:off x="1507046" y="4332752"/>
-            <a:ext cx="1113290" cy="1335948"/>
-          </a:xfrm>
-          <a:prstGeom prst="rect">
-            <a:avLst/>
-          </a:prstGeom>
-        </p:spPr>
-      </p:pic>
-      <p:pic>
-        <p:nvPicPr>
-          <p:cNvPr id="7" name="Picture 6">
-            <a:extLst>
-              <a:ext uri="{FF2B5EF4-FFF2-40B4-BE49-F238E27FC236}">
-                <a16:creationId xmlns:a16="http://schemas.microsoft.com/office/drawing/2014/main" id="{44B836B1-C6C3-4EAD-B5AC-9D1EF71AAA55}"/>
-              </a:ext>
-            </a:extLst>
-          </p:cNvPr>
-          <p:cNvPicPr>
-            <a:picLocks noChangeAspect="1"/>
-          </p:cNvPicPr>
-          <p:nvPr/>
-        </p:nvPicPr>
-        <p:blipFill>
-          <a:blip r:embed="rId3">
-            <a:extLst>
-              <a:ext uri="{28A0092B-C50C-407E-A947-70E740481C1C}">
-                <a14:useLocalDpi xmlns:a14="http://schemas.microsoft.com/office/drawing/2010/main" val="0"/>
-              </a:ext>
-            </a:extLst>
-          </a:blip>
-          <a:stretch>
-            <a:fillRect/>
-          </a:stretch>
-        </p:blipFill>
-        <p:spPr>
-          <a:xfrm>
-            <a:off x="0" y="5482206"/>
-            <a:ext cx="1375794" cy="1375794"/>
-          </a:xfrm>
-          <a:prstGeom prst="rect">
-            <a:avLst/>
-          </a:prstGeom>
-          <a:effectLst>
-            <a:outerShdw dist="165100" algn="ctr" rotWithShape="0">
-              <a:srgbClr val="000000">
-                <a:alpha val="43137"/>
-              </a:srgbClr>
-            </a:outerShdw>
-          </a:effectLst>
-        </p:spPr>
-      </p:pic>
-      <p:pic>
-        <p:nvPicPr>
-          <p:cNvPr id="10" name="Picture 9">
-            <a:extLst>
-              <a:ext uri="{FF2B5EF4-FFF2-40B4-BE49-F238E27FC236}">
-                <a16:creationId xmlns:a16="http://schemas.microsoft.com/office/drawing/2014/main" id="{4B0A6CF1-72CA-47E6-B852-8AAAA1E54C5B}"/>
-              </a:ext>
-            </a:extLst>
-          </p:cNvPr>
-          <p:cNvPicPr>
-            <a:picLocks noChangeAspect="1"/>
-          </p:cNvPicPr>
-          <p:nvPr/>
-        </p:nvPicPr>
-        <p:blipFill>
-          <a:blip r:embed="rId3">
-            <a:extLst>
-              <a:ext uri="{28A0092B-C50C-407E-A947-70E740481C1C}">
-                <a14:useLocalDpi xmlns:a14="http://schemas.microsoft.com/office/drawing/2010/main" val="0"/>
-              </a:ext>
-            </a:extLst>
-          </a:blip>
-          <a:stretch>
-            <a:fillRect/>
-          </a:stretch>
-        </p:blipFill>
-        <p:spPr>
-          <a:xfrm>
-            <a:off x="1375794" y="5482206"/>
-            <a:ext cx="1375794" cy="1375794"/>
-          </a:xfrm>
-          <a:prstGeom prst="rect">
-            <a:avLst/>
-          </a:prstGeom>
-          <a:effectLst>
-            <a:outerShdw dist="165100" algn="ctr" rotWithShape="0">
-              <a:srgbClr val="000000">
-                <a:alpha val="43137"/>
-              </a:srgbClr>
-            </a:outerShdw>
-          </a:effectLst>
-        </p:spPr>
-      </p:pic>
-      <p:pic>
-        <p:nvPicPr>
-          <p:cNvPr id="11" name="Picture 10">
-            <a:extLst>
-              <a:ext uri="{FF2B5EF4-FFF2-40B4-BE49-F238E27FC236}">
-                <a16:creationId xmlns:a16="http://schemas.microsoft.com/office/drawing/2014/main" id="{2ACD24B4-FAEE-4450-8B52-5868D3309BFE}"/>
-              </a:ext>
-            </a:extLst>
-          </p:cNvPr>
-          <p:cNvPicPr>
-            <a:picLocks noChangeAspect="1"/>
-          </p:cNvPicPr>
-          <p:nvPr/>
-        </p:nvPicPr>
-        <p:blipFill>
-          <a:blip r:embed="rId3">
-            <a:extLst>
-              <a:ext uri="{28A0092B-C50C-407E-A947-70E740481C1C}">
-                <a14:useLocalDpi xmlns:a14="http://schemas.microsoft.com/office/drawing/2010/main" val="0"/>
-              </a:ext>
-            </a:extLst>
-          </a:blip>
-          <a:stretch>
-            <a:fillRect/>
-          </a:stretch>
-        </p:blipFill>
-        <p:spPr>
-          <a:xfrm>
-            <a:off x="2751588" y="5482206"/>
-            <a:ext cx="1375794" cy="1375794"/>
-          </a:xfrm>
-          <a:prstGeom prst="rect">
-            <a:avLst/>
-          </a:prstGeom>
-          <a:effectLst>
-            <a:outerShdw dist="165100" algn="ctr" rotWithShape="0">
-              <a:srgbClr val="000000">
-                <a:alpha val="43137"/>
-              </a:srgbClr>
-            </a:outerShdw>
-          </a:effectLst>
-        </p:spPr>
-      </p:pic>
-      <p:pic>
-        <p:nvPicPr>
-          <p:cNvPr id="12" name="Picture 11">
-            <a:extLst>
-              <a:ext uri="{FF2B5EF4-FFF2-40B4-BE49-F238E27FC236}">
-                <a16:creationId xmlns:a16="http://schemas.microsoft.com/office/drawing/2014/main" id="{4775F30A-10B9-4C48-AA69-9A5B1A98D2DA}"/>
-              </a:ext>
-            </a:extLst>
-          </p:cNvPr>
-          <p:cNvPicPr>
-            <a:picLocks noChangeAspect="1"/>
-          </p:cNvPicPr>
-          <p:nvPr/>
-        </p:nvPicPr>
-        <p:blipFill>
-          <a:blip r:embed="rId3">
-            <a:extLst>
-              <a:ext uri="{28A0092B-C50C-407E-A947-70E740481C1C}">
-                <a14:useLocalDpi xmlns:a14="http://schemas.microsoft.com/office/drawing/2010/main" val="0"/>
-              </a:ext>
-            </a:extLst>
-          </a:blip>
-          <a:stretch>
-            <a:fillRect/>
-          </a:stretch>
-        </p:blipFill>
-        <p:spPr>
-          <a:xfrm>
-            <a:off x="4127382" y="5482206"/>
-            <a:ext cx="1375794" cy="1375794"/>
-          </a:xfrm>
-          <a:prstGeom prst="rect">
-            <a:avLst/>
-          </a:prstGeom>
-          <a:effectLst>
-            <a:outerShdw dist="165100" algn="ctr" rotWithShape="0">
-              <a:srgbClr val="000000">
-                <a:alpha val="43137"/>
-              </a:srgbClr>
-            </a:outerShdw>
-          </a:effectLst>
-        </p:spPr>
-      </p:pic>
-      <p:pic>
-        <p:nvPicPr>
-          <p:cNvPr id="13" name="Picture 12">
-            <a:extLst>
-              <a:ext uri="{FF2B5EF4-FFF2-40B4-BE49-F238E27FC236}">
-                <a16:creationId xmlns:a16="http://schemas.microsoft.com/office/drawing/2014/main" id="{6309CBEB-58D7-46B6-809D-9038F02C0D37}"/>
-              </a:ext>
-            </a:extLst>
-          </p:cNvPr>
-          <p:cNvPicPr>
-            <a:picLocks noChangeAspect="1"/>
-          </p:cNvPicPr>
-          <p:nvPr/>
-        </p:nvPicPr>
-        <p:blipFill>
-          <a:blip r:embed="rId3">
-            <a:extLst>
-              <a:ext uri="{28A0092B-C50C-407E-A947-70E740481C1C}">
-                <a14:useLocalDpi xmlns:a14="http://schemas.microsoft.com/office/drawing/2010/main" val="0"/>
-              </a:ext>
-            </a:extLst>
-          </a:blip>
-          <a:stretch>
-            <a:fillRect/>
-          </a:stretch>
-        </p:blipFill>
-        <p:spPr>
-          <a:xfrm>
-            <a:off x="5503176" y="5482206"/>
-            <a:ext cx="1375794" cy="1375794"/>
-          </a:xfrm>
-          <a:prstGeom prst="rect">
-            <a:avLst/>
-          </a:prstGeom>
-          <a:effectLst>
-            <a:outerShdw dist="165100" algn="ctr" rotWithShape="0">
-              <a:srgbClr val="000000">
-                <a:alpha val="43137"/>
-              </a:srgbClr>
-            </a:outerShdw>
-          </a:effectLst>
-        </p:spPr>
-      </p:pic>
-      <p:pic>
-        <p:nvPicPr>
-          <p:cNvPr id="14" name="Picture 13">
-            <a:extLst>
-              <a:ext uri="{FF2B5EF4-FFF2-40B4-BE49-F238E27FC236}">
-                <a16:creationId xmlns:a16="http://schemas.microsoft.com/office/drawing/2014/main" id="{BF502DC7-20A1-4713-B8F0-27F5F6D3FA6D}"/>
-              </a:ext>
-            </a:extLst>
-          </p:cNvPr>
-          <p:cNvPicPr>
-            <a:picLocks noChangeAspect="1"/>
-          </p:cNvPicPr>
-          <p:nvPr/>
-        </p:nvPicPr>
-        <p:blipFill>
-          <a:blip r:embed="rId3">
-            <a:extLst>
-              <a:ext uri="{28A0092B-C50C-407E-A947-70E740481C1C}">
-                <a14:useLocalDpi xmlns:a14="http://schemas.microsoft.com/office/drawing/2010/main" val="0"/>
-              </a:ext>
-            </a:extLst>
-          </a:blip>
-          <a:stretch>
-            <a:fillRect/>
-          </a:stretch>
-        </p:blipFill>
-        <p:spPr>
-          <a:xfrm>
-            <a:off x="6878970" y="5482206"/>
-            <a:ext cx="1375794" cy="1375794"/>
-          </a:xfrm>
-          <a:prstGeom prst="rect">
-            <a:avLst/>
-          </a:prstGeom>
-          <a:effectLst>
-            <a:outerShdw dist="165100" algn="ctr" rotWithShape="0">
-              <a:srgbClr val="000000">
-                <a:alpha val="43137"/>
-              </a:srgbClr>
-            </a:outerShdw>
-          </a:effectLst>
-        </p:spPr>
-      </p:pic>
-      <p:pic>
-        <p:nvPicPr>
-          <p:cNvPr id="15" name="Picture 14">
-            <a:extLst>
-              <a:ext uri="{FF2B5EF4-FFF2-40B4-BE49-F238E27FC236}">
-                <a16:creationId xmlns:a16="http://schemas.microsoft.com/office/drawing/2014/main" id="{B163AFE9-FCAA-42DC-A3A4-EA6B06744B0B}"/>
-              </a:ext>
-            </a:extLst>
-          </p:cNvPr>
-          <p:cNvPicPr>
-            <a:picLocks noChangeAspect="1"/>
-          </p:cNvPicPr>
-          <p:nvPr/>
-        </p:nvPicPr>
-        <p:blipFill>
-          <a:blip r:embed="rId3">
-            <a:extLst>
-              <a:ext uri="{28A0092B-C50C-407E-A947-70E740481C1C}">
-                <a14:useLocalDpi xmlns:a14="http://schemas.microsoft.com/office/drawing/2010/main" val="0"/>
-              </a:ext>
-            </a:extLst>
-          </a:blip>
-          <a:stretch>
-            <a:fillRect/>
-          </a:stretch>
-        </p:blipFill>
-        <p:spPr>
-          <a:xfrm>
-            <a:off x="8254764" y="5482206"/>
-            <a:ext cx="1375794" cy="1375794"/>
-          </a:xfrm>
-          <a:prstGeom prst="rect">
-            <a:avLst/>
-          </a:prstGeom>
-          <a:effectLst>
-            <a:outerShdw dist="165100" algn="ctr" rotWithShape="0">
-              <a:srgbClr val="000000">
-                <a:alpha val="43137"/>
-              </a:srgbClr>
-            </a:outerShdw>
-          </a:effectLst>
-        </p:spPr>
-      </p:pic>
-      <p:pic>
-        <p:nvPicPr>
-          <p:cNvPr id="16" name="Picture 15">
-            <a:extLst>
-              <a:ext uri="{FF2B5EF4-FFF2-40B4-BE49-F238E27FC236}">
-                <a16:creationId xmlns:a16="http://schemas.microsoft.com/office/drawing/2014/main" id="{01CA3122-8BBD-4ECB-BB95-00FB73D72B65}"/>
-              </a:ext>
-            </a:extLst>
-          </p:cNvPr>
-          <p:cNvPicPr>
-            <a:picLocks noChangeAspect="1"/>
-          </p:cNvPicPr>
-          <p:nvPr/>
-        </p:nvPicPr>
-        <p:blipFill>
-          <a:blip r:embed="rId3">
-            <a:extLst>
-              <a:ext uri="{28A0092B-C50C-407E-A947-70E740481C1C}">
-                <a14:useLocalDpi xmlns:a14="http://schemas.microsoft.com/office/drawing/2010/main" val="0"/>
-              </a:ext>
-            </a:extLst>
-          </a:blip>
-          <a:stretch>
-            <a:fillRect/>
-          </a:stretch>
-        </p:blipFill>
-        <p:spPr>
-          <a:xfrm>
-            <a:off x="9630558" y="5482206"/>
-            <a:ext cx="1375794" cy="1375794"/>
-          </a:xfrm>
-          <a:prstGeom prst="rect">
-            <a:avLst/>
-          </a:prstGeom>
-          <a:effectLst>
-            <a:outerShdw dist="165100" algn="ctr" rotWithShape="0">
-              <a:srgbClr val="000000">
-                <a:alpha val="43137"/>
-              </a:srgbClr>
-            </a:outerShdw>
-          </a:effectLst>
-        </p:spPr>
-      </p:pic>
-      <p:pic>
-        <p:nvPicPr>
-          <p:cNvPr id="17" name="Picture 16">
-            <a:extLst>
-              <a:ext uri="{FF2B5EF4-FFF2-40B4-BE49-F238E27FC236}">
-                <a16:creationId xmlns:a16="http://schemas.microsoft.com/office/drawing/2014/main" id="{47C0484B-D26D-4BD6-A04D-3FF4C2916F98}"/>
-              </a:ext>
-            </a:extLst>
-          </p:cNvPr>
-          <p:cNvPicPr>
-            <a:picLocks noChangeAspect="1"/>
-          </p:cNvPicPr>
-          <p:nvPr/>
-        </p:nvPicPr>
-        <p:blipFill>
-          <a:blip r:embed="rId3">
-            <a:extLst>
-              <a:ext uri="{28A0092B-C50C-407E-A947-70E740481C1C}">
-                <a14:useLocalDpi xmlns:a14="http://schemas.microsoft.com/office/drawing/2010/main" val="0"/>
-              </a:ext>
-            </a:extLst>
-          </a:blip>
-          <a:stretch>
-            <a:fillRect/>
-          </a:stretch>
-        </p:blipFill>
-        <p:spPr>
-          <a:xfrm>
-            <a:off x="11006352" y="5482206"/>
-            <a:ext cx="1375794" cy="1375794"/>
-          </a:xfrm>
-          <a:prstGeom prst="rect">
-            <a:avLst/>
-          </a:prstGeom>
-          <a:effectLst>
-            <a:outerShdw dist="165100" algn="ctr" rotWithShape="0">
-              <a:srgbClr val="000000">
-                <a:alpha val="43137"/>
-              </a:srgbClr>
-            </a:outerShdw>
-          </a:effectLst>
-        </p:spPr>
-      </p:pic>
-      <p:pic>
-        <p:nvPicPr>
-          <p:cNvPr id="29" name="Picture 28">
-            <a:extLst>
-              <a:ext uri="{FF2B5EF4-FFF2-40B4-BE49-F238E27FC236}">
-                <a16:creationId xmlns:a16="http://schemas.microsoft.com/office/drawing/2014/main" id="{AD04A304-858F-48E1-BF87-761D6D9A8A70}"/>
-              </a:ext>
-            </a:extLst>
-          </p:cNvPr>
-          <p:cNvPicPr>
-            <a:picLocks noChangeAspect="1"/>
-          </p:cNvPicPr>
-          <p:nvPr/>
-        </p:nvPicPr>
-        <p:blipFill>
-          <a:blip r:embed="rId4">
-            <a:extLst>
-              <a:ext uri="{28A0092B-C50C-407E-A947-70E740481C1C}">
-                <a14:useLocalDpi xmlns:a14="http://schemas.microsoft.com/office/drawing/2010/main" val="0"/>
-              </a:ext>
-            </a:extLst>
-          </a:blip>
-          <a:stretch>
-            <a:fillRect/>
-          </a:stretch>
-        </p:blipFill>
-        <p:spPr>
-          <a:xfrm>
-            <a:off x="0" y="0"/>
-            <a:ext cx="905660" cy="905660"/>
-          </a:xfrm>
-          <a:prstGeom prst="rect">
-            <a:avLst/>
-          </a:prstGeom>
-        </p:spPr>
-      </p:pic>
-      <p:pic>
-        <p:nvPicPr>
-          <p:cNvPr id="30" name="Picture 29">
-            <a:extLst>
-              <a:ext uri="{FF2B5EF4-FFF2-40B4-BE49-F238E27FC236}">
-                <a16:creationId xmlns:a16="http://schemas.microsoft.com/office/drawing/2014/main" id="{0A10D12A-7790-4FBC-801F-27505887D3AE}"/>
-              </a:ext>
-            </a:extLst>
-          </p:cNvPr>
-          <p:cNvPicPr>
-            <a:picLocks noChangeAspect="1"/>
-          </p:cNvPicPr>
-          <p:nvPr/>
-        </p:nvPicPr>
-        <p:blipFill>
-          <a:blip r:embed="rId4">
-            <a:extLst>
-              <a:ext uri="{28A0092B-C50C-407E-A947-70E740481C1C}">
-                <a14:useLocalDpi xmlns:a14="http://schemas.microsoft.com/office/drawing/2010/main" val="0"/>
-              </a:ext>
-            </a:extLst>
-          </a:blip>
-          <a:stretch>
-            <a:fillRect/>
-          </a:stretch>
-        </p:blipFill>
-        <p:spPr>
-          <a:xfrm>
-            <a:off x="905660" y="0"/>
-            <a:ext cx="905660" cy="905660"/>
-          </a:xfrm>
-          <a:prstGeom prst="rect">
-            <a:avLst/>
-          </a:prstGeom>
-        </p:spPr>
-      </p:pic>
-      <p:pic>
-        <p:nvPicPr>
-          <p:cNvPr id="31" name="Picture 30">
-            <a:extLst>
-              <a:ext uri="{FF2B5EF4-FFF2-40B4-BE49-F238E27FC236}">
-                <a16:creationId xmlns:a16="http://schemas.microsoft.com/office/drawing/2014/main" id="{34568B21-4967-4460-A568-8F7DE8B79CB5}"/>
-              </a:ext>
-            </a:extLst>
-          </p:cNvPr>
-          <p:cNvPicPr>
-            <a:picLocks noChangeAspect="1"/>
-          </p:cNvPicPr>
-          <p:nvPr/>
-        </p:nvPicPr>
-        <p:blipFill>
-          <a:blip r:embed="rId4">
-            <a:extLst>
-              <a:ext uri="{28A0092B-C50C-407E-A947-70E740481C1C}">
-                <a14:useLocalDpi xmlns:a14="http://schemas.microsoft.com/office/drawing/2010/main" val="0"/>
-              </a:ext>
-            </a:extLst>
-          </a:blip>
-          <a:stretch>
-            <a:fillRect/>
-          </a:stretch>
-        </p:blipFill>
-        <p:spPr>
-          <a:xfrm>
-            <a:off x="1811320" y="-7926"/>
-            <a:ext cx="905660" cy="905660"/>
-          </a:xfrm>
-          <a:prstGeom prst="rect">
-            <a:avLst/>
-          </a:prstGeom>
-        </p:spPr>
-      </p:pic>
-      <p:pic>
-        <p:nvPicPr>
-          <p:cNvPr id="32" name="Picture 31">
-            <a:extLst>
-              <a:ext uri="{FF2B5EF4-FFF2-40B4-BE49-F238E27FC236}">
-                <a16:creationId xmlns:a16="http://schemas.microsoft.com/office/drawing/2014/main" id="{1F50D146-0480-463B-B14A-86EE03C3699F}"/>
-              </a:ext>
-            </a:extLst>
-          </p:cNvPr>
-          <p:cNvPicPr>
-            <a:picLocks noChangeAspect="1"/>
-          </p:cNvPicPr>
-          <p:nvPr/>
-        </p:nvPicPr>
-        <p:blipFill>
-          <a:blip r:embed="rId4">
-            <a:extLst>
-              <a:ext uri="{28A0092B-C50C-407E-A947-70E740481C1C}">
-                <a14:useLocalDpi xmlns:a14="http://schemas.microsoft.com/office/drawing/2010/main" val="0"/>
-              </a:ext>
-            </a:extLst>
-          </a:blip>
-          <a:stretch>
-            <a:fillRect/>
-          </a:stretch>
-        </p:blipFill>
-        <p:spPr>
-          <a:xfrm>
-            <a:off x="2716980" y="-7926"/>
-            <a:ext cx="905660" cy="905660"/>
-          </a:xfrm>
-          <a:prstGeom prst="rect">
-            <a:avLst/>
-          </a:prstGeom>
-        </p:spPr>
-      </p:pic>
-      <p:pic>
-        <p:nvPicPr>
-          <p:cNvPr id="33" name="Picture 32">
-            <a:extLst>
-              <a:ext uri="{FF2B5EF4-FFF2-40B4-BE49-F238E27FC236}">
-                <a16:creationId xmlns:a16="http://schemas.microsoft.com/office/drawing/2014/main" id="{E851B150-EFAD-4FDE-B8D0-14E6ADAE534E}"/>
-              </a:ext>
-            </a:extLst>
-          </p:cNvPr>
-          <p:cNvPicPr>
-            <a:picLocks noChangeAspect="1"/>
-          </p:cNvPicPr>
-          <p:nvPr/>
-        </p:nvPicPr>
-        <p:blipFill>
-          <a:blip r:embed="rId4">
-            <a:extLst>
-              <a:ext uri="{28A0092B-C50C-407E-A947-70E740481C1C}">
-                <a14:useLocalDpi xmlns:a14="http://schemas.microsoft.com/office/drawing/2010/main" val="0"/>
-              </a:ext>
-            </a:extLst>
-          </a:blip>
-          <a:stretch>
-            <a:fillRect/>
-          </a:stretch>
-        </p:blipFill>
-        <p:spPr>
-          <a:xfrm>
-            <a:off x="3622640" y="0"/>
-            <a:ext cx="905660" cy="905660"/>
-          </a:xfrm>
-          <a:prstGeom prst="rect">
-            <a:avLst/>
-          </a:prstGeom>
-        </p:spPr>
-      </p:pic>
-      <p:pic>
-        <p:nvPicPr>
-          <p:cNvPr id="34" name="Picture 33">
-            <a:extLst>
-              <a:ext uri="{FF2B5EF4-FFF2-40B4-BE49-F238E27FC236}">
-                <a16:creationId xmlns:a16="http://schemas.microsoft.com/office/drawing/2014/main" id="{A6B509EC-568E-4992-9B66-2DA3DEF480DB}"/>
-              </a:ext>
-            </a:extLst>
-          </p:cNvPr>
-          <p:cNvPicPr>
-            <a:picLocks noChangeAspect="1"/>
-          </p:cNvPicPr>
-          <p:nvPr/>
-        </p:nvPicPr>
-        <p:blipFill>
-          <a:blip r:embed="rId4">
-            <a:extLst>
-              <a:ext uri="{28A0092B-C50C-407E-A947-70E740481C1C}">
-                <a14:useLocalDpi xmlns:a14="http://schemas.microsoft.com/office/drawing/2010/main" val="0"/>
-              </a:ext>
-            </a:extLst>
-          </a:blip>
-          <a:stretch>
-            <a:fillRect/>
-          </a:stretch>
-        </p:blipFill>
-        <p:spPr>
-          <a:xfrm>
-            <a:off x="4528300" y="0"/>
-            <a:ext cx="905660" cy="905660"/>
-          </a:xfrm>
-          <a:prstGeom prst="rect">
-            <a:avLst/>
-          </a:prstGeom>
-        </p:spPr>
-      </p:pic>
-      <p:pic>
-        <p:nvPicPr>
-          <p:cNvPr id="35" name="Picture 34">
-            <a:extLst>
-              <a:ext uri="{FF2B5EF4-FFF2-40B4-BE49-F238E27FC236}">
-                <a16:creationId xmlns:a16="http://schemas.microsoft.com/office/drawing/2014/main" id="{A617F1BB-C1A2-43A3-9283-B5F48B7D9F31}"/>
-              </a:ext>
-            </a:extLst>
-          </p:cNvPr>
-          <p:cNvPicPr>
-            <a:picLocks noChangeAspect="1"/>
-          </p:cNvPicPr>
-          <p:nvPr/>
-        </p:nvPicPr>
-        <p:blipFill>
-          <a:blip r:embed="rId4">
-            <a:extLst>
-              <a:ext uri="{28A0092B-C50C-407E-A947-70E740481C1C}">
-                <a14:useLocalDpi xmlns:a14="http://schemas.microsoft.com/office/drawing/2010/main" val="0"/>
-              </a:ext>
-            </a:extLst>
-          </a:blip>
-          <a:stretch>
-            <a:fillRect/>
-          </a:stretch>
-        </p:blipFill>
-        <p:spPr>
-          <a:xfrm>
-            <a:off x="5433960" y="0"/>
-            <a:ext cx="905660" cy="905660"/>
-          </a:xfrm>
-          <a:prstGeom prst="rect">
-            <a:avLst/>
-          </a:prstGeom>
-        </p:spPr>
-      </p:pic>
-      <p:pic>
-        <p:nvPicPr>
-          <p:cNvPr id="36" name="Picture 35">
-            <a:extLst>
-              <a:ext uri="{FF2B5EF4-FFF2-40B4-BE49-F238E27FC236}">
-                <a16:creationId xmlns:a16="http://schemas.microsoft.com/office/drawing/2014/main" id="{E9540E28-1E7D-4185-B9B2-28D6DA52AAAA}"/>
-              </a:ext>
-            </a:extLst>
-          </p:cNvPr>
-          <p:cNvPicPr>
-            <a:picLocks noChangeAspect="1"/>
-          </p:cNvPicPr>
-          <p:nvPr/>
-        </p:nvPicPr>
-        <p:blipFill>
-          <a:blip r:embed="rId4">
-            <a:extLst>
-              <a:ext uri="{28A0092B-C50C-407E-A947-70E740481C1C}">
-                <a14:useLocalDpi xmlns:a14="http://schemas.microsoft.com/office/drawing/2010/main" val="0"/>
-              </a:ext>
-            </a:extLst>
-          </a:blip>
-          <a:stretch>
-            <a:fillRect/>
-          </a:stretch>
-        </p:blipFill>
-        <p:spPr>
-          <a:xfrm>
-            <a:off x="6339620" y="0"/>
-            <a:ext cx="905660" cy="905660"/>
-          </a:xfrm>
-          <a:prstGeom prst="rect">
-            <a:avLst/>
-          </a:prstGeom>
-        </p:spPr>
-      </p:pic>
-      <p:pic>
-        <p:nvPicPr>
-          <p:cNvPr id="37" name="Picture 36">
-            <a:extLst>
-              <a:ext uri="{FF2B5EF4-FFF2-40B4-BE49-F238E27FC236}">
-                <a16:creationId xmlns:a16="http://schemas.microsoft.com/office/drawing/2014/main" id="{0634F39E-D40A-4F93-A3C5-DF8F7E34231B}"/>
-              </a:ext>
-            </a:extLst>
-          </p:cNvPr>
-          <p:cNvPicPr>
-            <a:picLocks noChangeAspect="1"/>
-          </p:cNvPicPr>
-          <p:nvPr/>
-        </p:nvPicPr>
-        <p:blipFill>
-          <a:blip r:embed="rId4">
-            <a:extLst>
-              <a:ext uri="{28A0092B-C50C-407E-A947-70E740481C1C}">
-                <a14:useLocalDpi xmlns:a14="http://schemas.microsoft.com/office/drawing/2010/main" val="0"/>
-              </a:ext>
-            </a:extLst>
-          </a:blip>
-          <a:stretch>
-            <a:fillRect/>
-          </a:stretch>
-        </p:blipFill>
-        <p:spPr>
-          <a:xfrm>
-            <a:off x="7210870" y="0"/>
-            <a:ext cx="905660" cy="905660"/>
-          </a:xfrm>
-          <a:prstGeom prst="rect">
-            <a:avLst/>
-          </a:prstGeom>
-        </p:spPr>
-      </p:pic>
-      <p:pic>
-        <p:nvPicPr>
-          <p:cNvPr id="38" name="Picture 37">
-            <a:extLst>
-              <a:ext uri="{FF2B5EF4-FFF2-40B4-BE49-F238E27FC236}">
-                <a16:creationId xmlns:a16="http://schemas.microsoft.com/office/drawing/2014/main" id="{BBDFA3FD-AC1D-4651-AAC9-B605D920D28E}"/>
-              </a:ext>
-            </a:extLst>
-          </p:cNvPr>
-          <p:cNvPicPr>
-            <a:picLocks noChangeAspect="1"/>
-          </p:cNvPicPr>
-          <p:nvPr/>
-        </p:nvPicPr>
-        <p:blipFill>
-          <a:blip r:embed="rId4">
-            <a:extLst>
-              <a:ext uri="{28A0092B-C50C-407E-A947-70E740481C1C}">
-                <a14:useLocalDpi xmlns:a14="http://schemas.microsoft.com/office/drawing/2010/main" val="0"/>
-              </a:ext>
-            </a:extLst>
-          </a:blip>
-          <a:stretch>
-            <a:fillRect/>
-          </a:stretch>
-        </p:blipFill>
-        <p:spPr>
-          <a:xfrm>
-            <a:off x="8116530" y="0"/>
-            <a:ext cx="905660" cy="905660"/>
-          </a:xfrm>
-          <a:prstGeom prst="rect">
-            <a:avLst/>
-          </a:prstGeom>
-        </p:spPr>
-      </p:pic>
-      <p:pic>
-        <p:nvPicPr>
-          <p:cNvPr id="39" name="Picture 38">
-            <a:extLst>
-              <a:ext uri="{FF2B5EF4-FFF2-40B4-BE49-F238E27FC236}">
-                <a16:creationId xmlns:a16="http://schemas.microsoft.com/office/drawing/2014/main" id="{A2806EB1-797B-428D-BAC5-FC9E994C5D07}"/>
-              </a:ext>
-            </a:extLst>
-          </p:cNvPr>
-          <p:cNvPicPr>
-            <a:picLocks noChangeAspect="1"/>
-          </p:cNvPicPr>
-          <p:nvPr/>
-        </p:nvPicPr>
-        <p:blipFill>
-          <a:blip r:embed="rId4">
-            <a:extLst>
-              <a:ext uri="{28A0092B-C50C-407E-A947-70E740481C1C}">
-                <a14:useLocalDpi xmlns:a14="http://schemas.microsoft.com/office/drawing/2010/main" val="0"/>
-              </a:ext>
-            </a:extLst>
-          </a:blip>
-          <a:stretch>
-            <a:fillRect/>
-          </a:stretch>
-        </p:blipFill>
-        <p:spPr>
-          <a:xfrm>
-            <a:off x="9022190" y="0"/>
-            <a:ext cx="905660" cy="905660"/>
-          </a:xfrm>
-          <a:prstGeom prst="rect">
-            <a:avLst/>
-          </a:prstGeom>
-        </p:spPr>
-      </p:pic>
-      <p:pic>
-        <p:nvPicPr>
-          <p:cNvPr id="40" name="Picture 39">
-            <a:extLst>
-              <a:ext uri="{FF2B5EF4-FFF2-40B4-BE49-F238E27FC236}">
-                <a16:creationId xmlns:a16="http://schemas.microsoft.com/office/drawing/2014/main" id="{F968631A-49FA-4563-BC4B-8B831F921F3F}"/>
-              </a:ext>
-            </a:extLst>
-          </p:cNvPr>
-          <p:cNvPicPr>
-            <a:picLocks noChangeAspect="1"/>
-          </p:cNvPicPr>
-          <p:nvPr/>
-        </p:nvPicPr>
-        <p:blipFill>
-          <a:blip r:embed="rId4">
-            <a:extLst>
-              <a:ext uri="{28A0092B-C50C-407E-A947-70E740481C1C}">
-                <a14:useLocalDpi xmlns:a14="http://schemas.microsoft.com/office/drawing/2010/main" val="0"/>
-              </a:ext>
-            </a:extLst>
-          </a:blip>
-          <a:stretch>
-            <a:fillRect/>
-          </a:stretch>
-        </p:blipFill>
-        <p:spPr>
-          <a:xfrm>
-            <a:off x="9927850" y="-7926"/>
-            <a:ext cx="905660" cy="905660"/>
-          </a:xfrm>
-          <a:prstGeom prst="rect">
-            <a:avLst/>
-          </a:prstGeom>
-        </p:spPr>
-      </p:pic>
-      <p:pic>
-        <p:nvPicPr>
-          <p:cNvPr id="43" name="Picture 42">
-            <a:extLst>
-              <a:ext uri="{FF2B5EF4-FFF2-40B4-BE49-F238E27FC236}">
-                <a16:creationId xmlns:a16="http://schemas.microsoft.com/office/drawing/2014/main" id="{7AC2B981-B522-440A-877D-4015B7D9CCFF}"/>
-              </a:ext>
-            </a:extLst>
-          </p:cNvPr>
-          <p:cNvPicPr>
-            <a:picLocks noChangeAspect="1"/>
-          </p:cNvPicPr>
-          <p:nvPr/>
-        </p:nvPicPr>
-        <p:blipFill>
-          <a:blip r:embed="rId4">
-            <a:extLst>
-              <a:ext uri="{28A0092B-C50C-407E-A947-70E740481C1C}">
-                <a14:useLocalDpi xmlns:a14="http://schemas.microsoft.com/office/drawing/2010/main" val="0"/>
-              </a:ext>
-            </a:extLst>
-          </a:blip>
-          <a:stretch>
-            <a:fillRect/>
-          </a:stretch>
-        </p:blipFill>
-        <p:spPr>
-          <a:xfrm>
-            <a:off x="10380680" y="-7926"/>
-            <a:ext cx="905660" cy="905660"/>
-          </a:xfrm>
-          <a:prstGeom prst="rect">
-            <a:avLst/>
-          </a:prstGeom>
-        </p:spPr>
-      </p:pic>
-      <p:pic>
-        <p:nvPicPr>
-          <p:cNvPr id="44" name="Picture 43">
-            <a:extLst>
-              <a:ext uri="{FF2B5EF4-FFF2-40B4-BE49-F238E27FC236}">
-                <a16:creationId xmlns:a16="http://schemas.microsoft.com/office/drawing/2014/main" id="{5D4FCCC4-3464-428E-B41E-3BCBB49A154E}"/>
-              </a:ext>
-            </a:extLst>
-          </p:cNvPr>
-          <p:cNvPicPr>
-            <a:picLocks noChangeAspect="1"/>
-          </p:cNvPicPr>
-          <p:nvPr/>
-        </p:nvPicPr>
-        <p:blipFill>
-          <a:blip r:embed="rId4">
-            <a:extLst>
-              <a:ext uri="{28A0092B-C50C-407E-A947-70E740481C1C}">
-                <a14:useLocalDpi xmlns:a14="http://schemas.microsoft.com/office/drawing/2010/main" val="0"/>
-              </a:ext>
-            </a:extLst>
-          </a:blip>
-          <a:stretch>
-            <a:fillRect/>
-          </a:stretch>
-        </p:blipFill>
-        <p:spPr>
-          <a:xfrm>
-            <a:off x="11286340" y="-7926"/>
-            <a:ext cx="905660" cy="905660"/>
-          </a:xfrm>
-          <a:prstGeom prst="rect">
-            <a:avLst/>
-          </a:prstGeom>
-        </p:spPr>
-      </p:pic>
-      <p:sp>
-        <p:nvSpPr>
-          <p:cNvPr id="41" name="Title 1">
-            <a:extLst>
-              <a:ext uri="{FF2B5EF4-FFF2-40B4-BE49-F238E27FC236}">
-                <a16:creationId xmlns:a16="http://schemas.microsoft.com/office/drawing/2014/main" id="{8AC07EAB-005E-4F05-88FA-60C2B6AC2AFF}"/>
-              </a:ext>
-            </a:extLst>
-          </p:cNvPr>
-          <p:cNvSpPr txBox="1">
-            <a:spLocks/>
-          </p:cNvSpPr>
-          <p:nvPr/>
-        </p:nvSpPr>
-        <p:spPr>
-          <a:xfrm>
-            <a:off x="-412467" y="353354"/>
-            <a:ext cx="3582277" cy="1325563"/>
-          </a:xfrm>
-          <a:prstGeom prst="rect">
-            <a:avLst/>
-          </a:prstGeom>
-        </p:spPr>
-        <p:txBody>
-          <a:bodyPr vert="horz" lIns="91440" tIns="45720" rIns="91440" bIns="45720" rtlCol="0" anchor="b">
-            <a:normAutofit/>
-          </a:bodyPr>
-          <a:lstStyle>
-            <a:lvl1pPr algn="ctr" defTabSz="914400" rtl="0" eaLnBrk="1" latinLnBrk="0" hangingPunct="1">
-              <a:lnSpc>
-                <a:spcPct val="90000"/>
-              </a:lnSpc>
-              <a:spcBef>
-                <a:spcPct val="0"/>
-              </a:spcBef>
-              <a:buNone/>
-              <a:defRPr sz="6000" kern="1200">
-                <a:solidFill>
-                  <a:schemeClr val="tx1"/>
-                </a:solidFill>
-                <a:latin typeface="+mj-lt"/>
-                <a:ea typeface="+mj-ea"/>
-                <a:cs typeface="+mj-cs"/>
-              </a:defRPr>
-            </a:lvl1pPr>
-          </a:lstStyle>
-          <a:p>
-            <a:r>
-              <a:rPr lang="en-GB" sz="4800" b="1" dirty="0"/>
-              <a:t>Gameplay</a:t>
-            </a:r>
-          </a:p>
-        </p:txBody>
-      </p:sp>
-      <p:sp>
-        <p:nvSpPr>
-          <p:cNvPr id="5" name="Rectangle 4">
-            <a:extLst>
-              <a:ext uri="{FF2B5EF4-FFF2-40B4-BE49-F238E27FC236}">
-                <a16:creationId xmlns:a16="http://schemas.microsoft.com/office/drawing/2014/main" id="{88F385B8-8226-4538-AF65-A294E44D4A14}"/>
-              </a:ext>
-            </a:extLst>
-          </p:cNvPr>
-          <p:cNvSpPr/>
-          <p:nvPr/>
-        </p:nvSpPr>
-        <p:spPr>
-          <a:xfrm>
-            <a:off x="3622640" y="1257197"/>
-            <a:ext cx="6953664" cy="3768696"/>
-          </a:xfrm>
-          <a:prstGeom prst="rect">
-            <a:avLst/>
-          </a:prstGeom>
-        </p:spPr>
-        <p:style>
-          <a:lnRef idx="2">
-            <a:schemeClr val="accent1">
-              <a:shade val="50000"/>
-            </a:schemeClr>
-          </a:lnRef>
-          <a:fillRef idx="1">
-            <a:schemeClr val="accent1"/>
-          </a:fillRef>
-          <a:effectRef idx="0">
-            <a:schemeClr val="accent1"/>
-          </a:effectRef>
-          <a:fontRef idx="minor">
-            <a:schemeClr val="lt1"/>
-          </a:fontRef>
-        </p:style>
-        <p:txBody>
-          <a:bodyPr rtlCol="0" anchor="ctr"/>
-          <a:lstStyle/>
-          <a:p>
-            <a:pPr algn="ctr"/>
-            <a:endParaRPr lang="en-GB"/>
-          </a:p>
-        </p:txBody>
-      </p:sp>
-    </p:spTree>
-    <p:extLst>
-      <p:ext uri="{BB962C8B-B14F-4D97-AF65-F5344CB8AC3E}">
-        <p14:creationId xmlns:p14="http://schemas.microsoft.com/office/powerpoint/2010/main" val="2728339474"/>
-      </p:ext>
-    </p:extLst>
-  </p:cSld>
-  <p:clrMapOvr>
-    <a:masterClrMapping/>
-  </p:clrMapOvr>
-</p:sld>
-</file>
-
-<file path=ppt/slides/slide5.xml><?xml version="1.0" encoding="utf-8"?>
-<p:sld xmlns:a="http://schemas.openxmlformats.org/drawingml/2006/main" xmlns:r="http://schemas.openxmlformats.org/officeDocument/2006/relationships" xmlns:p="http://schemas.openxmlformats.org/presentationml/2006/main">
-  <p:cSld>
-    <p:bg>
-      <p:bgPr>
-        <a:gradFill flip="none" rotWithShape="1">
-          <a:gsLst>
-            <a:gs pos="0">
-              <a:schemeClr val="accent2">
-                <a:lumMod val="40000"/>
-                <a:lumOff val="60000"/>
-              </a:schemeClr>
-            </a:gs>
-            <a:gs pos="26000">
-              <a:schemeClr val="accent2">
-                <a:lumMod val="95000"/>
-                <a:lumOff val="5000"/>
-              </a:schemeClr>
-            </a:gs>
-            <a:gs pos="75000">
-              <a:srgbClr val="EC7A2C">
-                <a:alpha val="69804"/>
-              </a:srgbClr>
-            </a:gs>
-          </a:gsLst>
-          <a:path path="circle">
-            <a:fillToRect l="50000" t="130000" r="50000" b="-30000"/>
-          </a:path>
-          <a:tileRect/>
-        </a:gradFill>
-        <a:effectLst/>
-      </p:bgPr>
-    </p:bg>
-    <p:spTree>
-      <p:nvGrpSpPr>
-        <p:cNvPr id="1" name=""/>
-        <p:cNvGrpSpPr/>
-        <p:nvPr/>
-      </p:nvGrpSpPr>
-      <p:grpSpPr>
-        <a:xfrm>
-          <a:off x="0" y="0"/>
-          <a:ext cx="0" cy="0"/>
-          <a:chOff x="0" y="0"/>
-          <a:chExt cx="0" cy="0"/>
-        </a:xfrm>
-      </p:grpSpPr>
-      <p:pic>
-        <p:nvPicPr>
-          <p:cNvPr id="42" name="Picture 41">
-            <a:extLst>
-              <a:ext uri="{FF2B5EF4-FFF2-40B4-BE49-F238E27FC236}">
-                <a16:creationId xmlns:a16="http://schemas.microsoft.com/office/drawing/2014/main" id="{E598C5E6-8091-44F2-AE1D-479A793DCE13}"/>
-              </a:ext>
-            </a:extLst>
-          </p:cNvPr>
-          <p:cNvPicPr>
-            <a:picLocks noChangeAspect="1"/>
-          </p:cNvPicPr>
-          <p:nvPr/>
-        </p:nvPicPr>
-        <p:blipFill>
-          <a:blip r:embed="rId2">
-            <a:extLst>
-              <a:ext uri="{28A0092B-C50C-407E-A947-70E740481C1C}">
-                <a14:useLocalDpi xmlns:a14="http://schemas.microsoft.com/office/drawing/2010/main" val="0"/>
-              </a:ext>
-            </a:extLst>
-          </a:blip>
-          <a:stretch>
-            <a:fillRect/>
-          </a:stretch>
-        </p:blipFill>
-        <p:spPr>
-          <a:xfrm flipH="1">
-            <a:off x="10371032" y="4326888"/>
-            <a:ext cx="1113290" cy="1335948"/>
-          </a:xfrm>
-          <a:prstGeom prst="rect">
-            <a:avLst/>
-          </a:prstGeom>
-        </p:spPr>
-      </p:pic>
-      <p:pic>
-        <p:nvPicPr>
-          <p:cNvPr id="7" name="Picture 6">
-            <a:extLst>
-              <a:ext uri="{FF2B5EF4-FFF2-40B4-BE49-F238E27FC236}">
-                <a16:creationId xmlns:a16="http://schemas.microsoft.com/office/drawing/2014/main" id="{44B836B1-C6C3-4EAD-B5AC-9D1EF71AAA55}"/>
-              </a:ext>
-            </a:extLst>
-          </p:cNvPr>
-          <p:cNvPicPr>
-            <a:picLocks noChangeAspect="1"/>
-          </p:cNvPicPr>
-          <p:nvPr/>
-        </p:nvPicPr>
-        <p:blipFill>
-          <a:blip r:embed="rId3">
-            <a:extLst>
-              <a:ext uri="{28A0092B-C50C-407E-A947-70E740481C1C}">
-                <a14:useLocalDpi xmlns:a14="http://schemas.microsoft.com/office/drawing/2010/main" val="0"/>
-              </a:ext>
-            </a:extLst>
-          </a:blip>
-          <a:stretch>
-            <a:fillRect/>
-          </a:stretch>
-        </p:blipFill>
-        <p:spPr>
-          <a:xfrm>
-            <a:off x="0" y="5482206"/>
-            <a:ext cx="1375794" cy="1375794"/>
-          </a:xfrm>
-          <a:prstGeom prst="rect">
-            <a:avLst/>
-          </a:prstGeom>
-          <a:effectLst>
-            <a:outerShdw dist="165100" algn="ctr" rotWithShape="0">
-              <a:srgbClr val="000000">
-                <a:alpha val="43137"/>
-              </a:srgbClr>
-            </a:outerShdw>
-          </a:effectLst>
-        </p:spPr>
-      </p:pic>
-      <p:pic>
-        <p:nvPicPr>
-          <p:cNvPr id="10" name="Picture 9">
-            <a:extLst>
-              <a:ext uri="{FF2B5EF4-FFF2-40B4-BE49-F238E27FC236}">
-                <a16:creationId xmlns:a16="http://schemas.microsoft.com/office/drawing/2014/main" id="{4B0A6CF1-72CA-47E6-B852-8AAAA1E54C5B}"/>
-              </a:ext>
-            </a:extLst>
-          </p:cNvPr>
-          <p:cNvPicPr>
-            <a:picLocks noChangeAspect="1"/>
-          </p:cNvPicPr>
-          <p:nvPr/>
-        </p:nvPicPr>
-        <p:blipFill>
-          <a:blip r:embed="rId3">
-            <a:extLst>
-              <a:ext uri="{28A0092B-C50C-407E-A947-70E740481C1C}">
-                <a14:useLocalDpi xmlns:a14="http://schemas.microsoft.com/office/drawing/2010/main" val="0"/>
-              </a:ext>
-            </a:extLst>
-          </a:blip>
-          <a:stretch>
-            <a:fillRect/>
-          </a:stretch>
-        </p:blipFill>
-        <p:spPr>
-          <a:xfrm>
-            <a:off x="1375794" y="5482206"/>
-            <a:ext cx="1375794" cy="1375794"/>
-          </a:xfrm>
-          <a:prstGeom prst="rect">
-            <a:avLst/>
-          </a:prstGeom>
-          <a:effectLst>
-            <a:outerShdw dist="165100" algn="ctr" rotWithShape="0">
-              <a:srgbClr val="000000">
-                <a:alpha val="43137"/>
-              </a:srgbClr>
-            </a:outerShdw>
-          </a:effectLst>
-        </p:spPr>
-      </p:pic>
-      <p:pic>
-        <p:nvPicPr>
-          <p:cNvPr id="11" name="Picture 10">
-            <a:extLst>
-              <a:ext uri="{FF2B5EF4-FFF2-40B4-BE49-F238E27FC236}">
-                <a16:creationId xmlns:a16="http://schemas.microsoft.com/office/drawing/2014/main" id="{2ACD24B4-FAEE-4450-8B52-5868D3309BFE}"/>
-              </a:ext>
-            </a:extLst>
-          </p:cNvPr>
-          <p:cNvPicPr>
-            <a:picLocks noChangeAspect="1"/>
-          </p:cNvPicPr>
-          <p:nvPr/>
-        </p:nvPicPr>
-        <p:blipFill>
-          <a:blip r:embed="rId3">
-            <a:extLst>
-              <a:ext uri="{28A0092B-C50C-407E-A947-70E740481C1C}">
-                <a14:useLocalDpi xmlns:a14="http://schemas.microsoft.com/office/drawing/2010/main" val="0"/>
-              </a:ext>
-            </a:extLst>
-          </a:blip>
-          <a:stretch>
-            <a:fillRect/>
-          </a:stretch>
-        </p:blipFill>
-        <p:spPr>
-          <a:xfrm>
-            <a:off x="2751588" y="5482206"/>
-            <a:ext cx="1375794" cy="1375794"/>
-          </a:xfrm>
-          <a:prstGeom prst="rect">
-            <a:avLst/>
-          </a:prstGeom>
-          <a:effectLst>
-            <a:outerShdw dist="165100" algn="ctr" rotWithShape="0">
-              <a:srgbClr val="000000">
-                <a:alpha val="43137"/>
-              </a:srgbClr>
-            </a:outerShdw>
-          </a:effectLst>
-        </p:spPr>
-      </p:pic>
-      <p:pic>
-        <p:nvPicPr>
-          <p:cNvPr id="12" name="Picture 11">
-            <a:extLst>
-              <a:ext uri="{FF2B5EF4-FFF2-40B4-BE49-F238E27FC236}">
-                <a16:creationId xmlns:a16="http://schemas.microsoft.com/office/drawing/2014/main" id="{4775F30A-10B9-4C48-AA69-9A5B1A98D2DA}"/>
-              </a:ext>
-            </a:extLst>
-          </p:cNvPr>
-          <p:cNvPicPr>
-            <a:picLocks noChangeAspect="1"/>
-          </p:cNvPicPr>
-          <p:nvPr/>
-        </p:nvPicPr>
-        <p:blipFill>
-          <a:blip r:embed="rId3">
-            <a:extLst>
-              <a:ext uri="{28A0092B-C50C-407E-A947-70E740481C1C}">
-                <a14:useLocalDpi xmlns:a14="http://schemas.microsoft.com/office/drawing/2010/main" val="0"/>
-              </a:ext>
-            </a:extLst>
-          </a:blip>
-          <a:stretch>
-            <a:fillRect/>
-          </a:stretch>
-        </p:blipFill>
-        <p:spPr>
-          <a:xfrm>
-            <a:off x="4127382" y="5482206"/>
-            <a:ext cx="1375794" cy="1375794"/>
-          </a:xfrm>
-          <a:prstGeom prst="rect">
-            <a:avLst/>
-          </a:prstGeom>
-          <a:effectLst>
-            <a:outerShdw dist="165100" algn="ctr" rotWithShape="0">
-              <a:srgbClr val="000000">
-                <a:alpha val="43137"/>
-              </a:srgbClr>
-            </a:outerShdw>
-          </a:effectLst>
-        </p:spPr>
-      </p:pic>
-      <p:pic>
-        <p:nvPicPr>
-          <p:cNvPr id="13" name="Picture 12">
-            <a:extLst>
-              <a:ext uri="{FF2B5EF4-FFF2-40B4-BE49-F238E27FC236}">
-                <a16:creationId xmlns:a16="http://schemas.microsoft.com/office/drawing/2014/main" id="{6309CBEB-58D7-46B6-809D-9038F02C0D37}"/>
-              </a:ext>
-            </a:extLst>
-          </p:cNvPr>
-          <p:cNvPicPr>
-            <a:picLocks noChangeAspect="1"/>
-          </p:cNvPicPr>
-          <p:nvPr/>
-        </p:nvPicPr>
-        <p:blipFill>
-          <a:blip r:embed="rId3">
-            <a:extLst>
-              <a:ext uri="{28A0092B-C50C-407E-A947-70E740481C1C}">
-                <a14:useLocalDpi xmlns:a14="http://schemas.microsoft.com/office/drawing/2010/main" val="0"/>
-              </a:ext>
-            </a:extLst>
-          </a:blip>
-          <a:stretch>
-            <a:fillRect/>
-          </a:stretch>
-        </p:blipFill>
-        <p:spPr>
-          <a:xfrm>
-            <a:off x="5503176" y="5482206"/>
-            <a:ext cx="1375794" cy="1375794"/>
-          </a:xfrm>
-          <a:prstGeom prst="rect">
-            <a:avLst/>
-          </a:prstGeom>
-          <a:effectLst>
-            <a:outerShdw dist="165100" algn="ctr" rotWithShape="0">
-              <a:srgbClr val="000000">
-                <a:alpha val="43137"/>
-              </a:srgbClr>
-            </a:outerShdw>
-          </a:effectLst>
-        </p:spPr>
-      </p:pic>
-      <p:pic>
-        <p:nvPicPr>
-          <p:cNvPr id="14" name="Picture 13">
-            <a:extLst>
-              <a:ext uri="{FF2B5EF4-FFF2-40B4-BE49-F238E27FC236}">
-                <a16:creationId xmlns:a16="http://schemas.microsoft.com/office/drawing/2014/main" id="{BF502DC7-20A1-4713-B8F0-27F5F6D3FA6D}"/>
-              </a:ext>
-            </a:extLst>
-          </p:cNvPr>
-          <p:cNvPicPr>
-            <a:picLocks noChangeAspect="1"/>
-          </p:cNvPicPr>
-          <p:nvPr/>
-        </p:nvPicPr>
-        <p:blipFill>
-          <a:blip r:embed="rId3">
-            <a:extLst>
-              <a:ext uri="{28A0092B-C50C-407E-A947-70E740481C1C}">
-                <a14:useLocalDpi xmlns:a14="http://schemas.microsoft.com/office/drawing/2010/main" val="0"/>
-              </a:ext>
-            </a:extLst>
-          </a:blip>
-          <a:stretch>
-            <a:fillRect/>
-          </a:stretch>
-        </p:blipFill>
-        <p:spPr>
-          <a:xfrm>
-            <a:off x="6878970" y="5482206"/>
-            <a:ext cx="1375794" cy="1375794"/>
-          </a:xfrm>
-          <a:prstGeom prst="rect">
-            <a:avLst/>
-          </a:prstGeom>
-          <a:effectLst>
-            <a:outerShdw dist="165100" algn="ctr" rotWithShape="0">
-              <a:srgbClr val="000000">
-                <a:alpha val="43137"/>
-              </a:srgbClr>
-            </a:outerShdw>
-          </a:effectLst>
-        </p:spPr>
-      </p:pic>
-      <p:pic>
-        <p:nvPicPr>
-          <p:cNvPr id="15" name="Picture 14">
-            <a:extLst>
-              <a:ext uri="{FF2B5EF4-FFF2-40B4-BE49-F238E27FC236}">
-                <a16:creationId xmlns:a16="http://schemas.microsoft.com/office/drawing/2014/main" id="{B163AFE9-FCAA-42DC-A3A4-EA6B06744B0B}"/>
-              </a:ext>
-            </a:extLst>
-          </p:cNvPr>
-          <p:cNvPicPr>
-            <a:picLocks noChangeAspect="1"/>
-          </p:cNvPicPr>
-          <p:nvPr/>
-        </p:nvPicPr>
-        <p:blipFill>
-          <a:blip r:embed="rId3">
-            <a:extLst>
-              <a:ext uri="{28A0092B-C50C-407E-A947-70E740481C1C}">
-                <a14:useLocalDpi xmlns:a14="http://schemas.microsoft.com/office/drawing/2010/main" val="0"/>
-              </a:ext>
-            </a:extLst>
-          </a:blip>
-          <a:stretch>
-            <a:fillRect/>
-          </a:stretch>
-        </p:blipFill>
-        <p:spPr>
-          <a:xfrm>
-            <a:off x="8254764" y="5482206"/>
-            <a:ext cx="1375794" cy="1375794"/>
-          </a:xfrm>
-          <a:prstGeom prst="rect">
-            <a:avLst/>
-          </a:prstGeom>
-          <a:effectLst>
-            <a:outerShdw dist="165100" algn="ctr" rotWithShape="0">
-              <a:srgbClr val="000000">
-                <a:alpha val="43137"/>
-              </a:srgbClr>
-            </a:outerShdw>
-          </a:effectLst>
-        </p:spPr>
-      </p:pic>
-      <p:pic>
-        <p:nvPicPr>
-          <p:cNvPr id="16" name="Picture 15">
-            <a:extLst>
-              <a:ext uri="{FF2B5EF4-FFF2-40B4-BE49-F238E27FC236}">
-                <a16:creationId xmlns:a16="http://schemas.microsoft.com/office/drawing/2014/main" id="{01CA3122-8BBD-4ECB-BB95-00FB73D72B65}"/>
-              </a:ext>
-            </a:extLst>
-          </p:cNvPr>
-          <p:cNvPicPr>
-            <a:picLocks noChangeAspect="1"/>
-          </p:cNvPicPr>
-          <p:nvPr/>
-        </p:nvPicPr>
-        <p:blipFill>
-          <a:blip r:embed="rId3">
-            <a:extLst>
-              <a:ext uri="{28A0092B-C50C-407E-A947-70E740481C1C}">
-                <a14:useLocalDpi xmlns:a14="http://schemas.microsoft.com/office/drawing/2010/main" val="0"/>
-              </a:ext>
-            </a:extLst>
-          </a:blip>
-          <a:stretch>
-            <a:fillRect/>
-          </a:stretch>
-        </p:blipFill>
-        <p:spPr>
-          <a:xfrm>
-            <a:off x="9630558" y="5482206"/>
-            <a:ext cx="1375794" cy="1375794"/>
-          </a:xfrm>
-          <a:prstGeom prst="rect">
-            <a:avLst/>
-          </a:prstGeom>
-          <a:effectLst>
-            <a:outerShdw dist="165100" algn="ctr" rotWithShape="0">
-              <a:srgbClr val="000000">
-                <a:alpha val="43137"/>
-              </a:srgbClr>
-            </a:outerShdw>
-          </a:effectLst>
-        </p:spPr>
-      </p:pic>
-      <p:pic>
-        <p:nvPicPr>
-          <p:cNvPr id="17" name="Picture 16">
-            <a:extLst>
-              <a:ext uri="{FF2B5EF4-FFF2-40B4-BE49-F238E27FC236}">
-                <a16:creationId xmlns:a16="http://schemas.microsoft.com/office/drawing/2014/main" id="{47C0484B-D26D-4BD6-A04D-3FF4C2916F98}"/>
-              </a:ext>
-            </a:extLst>
-          </p:cNvPr>
-          <p:cNvPicPr>
-            <a:picLocks noChangeAspect="1"/>
-          </p:cNvPicPr>
-          <p:nvPr/>
-        </p:nvPicPr>
-        <p:blipFill>
-          <a:blip r:embed="rId3">
-            <a:extLst>
-              <a:ext uri="{28A0092B-C50C-407E-A947-70E740481C1C}">
-                <a14:useLocalDpi xmlns:a14="http://schemas.microsoft.com/office/drawing/2010/main" val="0"/>
-              </a:ext>
-            </a:extLst>
-          </a:blip>
-          <a:stretch>
-            <a:fillRect/>
-          </a:stretch>
-        </p:blipFill>
-        <p:spPr>
-          <a:xfrm>
-            <a:off x="11006352" y="5482206"/>
-            <a:ext cx="1375794" cy="1375794"/>
-          </a:xfrm>
-          <a:prstGeom prst="rect">
-            <a:avLst/>
-          </a:prstGeom>
-          <a:effectLst>
-            <a:outerShdw dist="165100" algn="ctr" rotWithShape="0">
-              <a:srgbClr val="000000">
-                <a:alpha val="43137"/>
-              </a:srgbClr>
-            </a:outerShdw>
-          </a:effectLst>
-        </p:spPr>
-      </p:pic>
-      <p:pic>
-        <p:nvPicPr>
-          <p:cNvPr id="29" name="Picture 28">
-            <a:extLst>
-              <a:ext uri="{FF2B5EF4-FFF2-40B4-BE49-F238E27FC236}">
-                <a16:creationId xmlns:a16="http://schemas.microsoft.com/office/drawing/2014/main" id="{AD04A304-858F-48E1-BF87-761D6D9A8A70}"/>
-              </a:ext>
-            </a:extLst>
-          </p:cNvPr>
-          <p:cNvPicPr>
-            <a:picLocks noChangeAspect="1"/>
-          </p:cNvPicPr>
-          <p:nvPr/>
-        </p:nvPicPr>
-        <p:blipFill>
-          <a:blip r:embed="rId4">
-            <a:extLst>
-              <a:ext uri="{28A0092B-C50C-407E-A947-70E740481C1C}">
-                <a14:useLocalDpi xmlns:a14="http://schemas.microsoft.com/office/drawing/2010/main" val="0"/>
-              </a:ext>
-            </a:extLst>
-          </a:blip>
-          <a:stretch>
-            <a:fillRect/>
-          </a:stretch>
-        </p:blipFill>
-        <p:spPr>
-          <a:xfrm>
-            <a:off x="0" y="0"/>
-            <a:ext cx="905660" cy="905660"/>
-          </a:xfrm>
-          <a:prstGeom prst="rect">
-            <a:avLst/>
-          </a:prstGeom>
-        </p:spPr>
-      </p:pic>
-      <p:pic>
-        <p:nvPicPr>
-          <p:cNvPr id="30" name="Picture 29">
-            <a:extLst>
-              <a:ext uri="{FF2B5EF4-FFF2-40B4-BE49-F238E27FC236}">
-                <a16:creationId xmlns:a16="http://schemas.microsoft.com/office/drawing/2014/main" id="{0A10D12A-7790-4FBC-801F-27505887D3AE}"/>
-              </a:ext>
-            </a:extLst>
-          </p:cNvPr>
-          <p:cNvPicPr>
-            <a:picLocks noChangeAspect="1"/>
-          </p:cNvPicPr>
-          <p:nvPr/>
-        </p:nvPicPr>
-        <p:blipFill>
-          <a:blip r:embed="rId4">
-            <a:extLst>
-              <a:ext uri="{28A0092B-C50C-407E-A947-70E740481C1C}">
-                <a14:useLocalDpi xmlns:a14="http://schemas.microsoft.com/office/drawing/2010/main" val="0"/>
-              </a:ext>
-            </a:extLst>
-          </a:blip>
-          <a:stretch>
-            <a:fillRect/>
-          </a:stretch>
-        </p:blipFill>
-        <p:spPr>
-          <a:xfrm>
-            <a:off x="905660" y="0"/>
-            <a:ext cx="905660" cy="905660"/>
-          </a:xfrm>
-          <a:prstGeom prst="rect">
-            <a:avLst/>
-          </a:prstGeom>
-        </p:spPr>
-      </p:pic>
-      <p:pic>
-        <p:nvPicPr>
-          <p:cNvPr id="31" name="Picture 30">
-            <a:extLst>
-              <a:ext uri="{FF2B5EF4-FFF2-40B4-BE49-F238E27FC236}">
-                <a16:creationId xmlns:a16="http://schemas.microsoft.com/office/drawing/2014/main" id="{34568B21-4967-4460-A568-8F7DE8B79CB5}"/>
-              </a:ext>
-            </a:extLst>
-          </p:cNvPr>
-          <p:cNvPicPr>
-            <a:picLocks noChangeAspect="1"/>
-          </p:cNvPicPr>
-          <p:nvPr/>
-        </p:nvPicPr>
-        <p:blipFill>
-          <a:blip r:embed="rId4">
-            <a:extLst>
-              <a:ext uri="{28A0092B-C50C-407E-A947-70E740481C1C}">
-                <a14:useLocalDpi xmlns:a14="http://schemas.microsoft.com/office/drawing/2010/main" val="0"/>
-              </a:ext>
-            </a:extLst>
-          </a:blip>
-          <a:stretch>
-            <a:fillRect/>
-          </a:stretch>
-        </p:blipFill>
-        <p:spPr>
-          <a:xfrm>
-            <a:off x="1811320" y="-7926"/>
-            <a:ext cx="905660" cy="905660"/>
-          </a:xfrm>
-          <a:prstGeom prst="rect">
-            <a:avLst/>
-          </a:prstGeom>
-        </p:spPr>
-      </p:pic>
-      <p:pic>
-        <p:nvPicPr>
-          <p:cNvPr id="32" name="Picture 31">
-            <a:extLst>
-              <a:ext uri="{FF2B5EF4-FFF2-40B4-BE49-F238E27FC236}">
-                <a16:creationId xmlns:a16="http://schemas.microsoft.com/office/drawing/2014/main" id="{1F50D146-0480-463B-B14A-86EE03C3699F}"/>
-              </a:ext>
-            </a:extLst>
-          </p:cNvPr>
-          <p:cNvPicPr>
-            <a:picLocks noChangeAspect="1"/>
-          </p:cNvPicPr>
-          <p:nvPr/>
-        </p:nvPicPr>
-        <p:blipFill>
-          <a:blip r:embed="rId4">
-            <a:extLst>
-              <a:ext uri="{28A0092B-C50C-407E-A947-70E740481C1C}">
-                <a14:useLocalDpi xmlns:a14="http://schemas.microsoft.com/office/drawing/2010/main" val="0"/>
-              </a:ext>
-            </a:extLst>
-          </a:blip>
-          <a:stretch>
-            <a:fillRect/>
-          </a:stretch>
-        </p:blipFill>
-        <p:spPr>
-          <a:xfrm>
-            <a:off x="2716980" y="-7926"/>
-            <a:ext cx="905660" cy="905660"/>
-          </a:xfrm>
-          <a:prstGeom prst="rect">
-            <a:avLst/>
-          </a:prstGeom>
-        </p:spPr>
-      </p:pic>
-      <p:pic>
-        <p:nvPicPr>
-          <p:cNvPr id="33" name="Picture 32">
-            <a:extLst>
-              <a:ext uri="{FF2B5EF4-FFF2-40B4-BE49-F238E27FC236}">
-                <a16:creationId xmlns:a16="http://schemas.microsoft.com/office/drawing/2014/main" id="{E851B150-EFAD-4FDE-B8D0-14E6ADAE534E}"/>
-              </a:ext>
-            </a:extLst>
-          </p:cNvPr>
-          <p:cNvPicPr>
-            <a:picLocks noChangeAspect="1"/>
-          </p:cNvPicPr>
-          <p:nvPr/>
-        </p:nvPicPr>
-        <p:blipFill>
-          <a:blip r:embed="rId4">
-            <a:extLst>
-              <a:ext uri="{28A0092B-C50C-407E-A947-70E740481C1C}">
-                <a14:useLocalDpi xmlns:a14="http://schemas.microsoft.com/office/drawing/2010/main" val="0"/>
-              </a:ext>
-            </a:extLst>
-          </a:blip>
-          <a:stretch>
-            <a:fillRect/>
-          </a:stretch>
-        </p:blipFill>
-        <p:spPr>
-          <a:xfrm>
-            <a:off x="3622640" y="0"/>
-            <a:ext cx="905660" cy="905660"/>
-          </a:xfrm>
-          <a:prstGeom prst="rect">
-            <a:avLst/>
-          </a:prstGeom>
-        </p:spPr>
-      </p:pic>
-      <p:pic>
-        <p:nvPicPr>
-          <p:cNvPr id="34" name="Picture 33">
-            <a:extLst>
-              <a:ext uri="{FF2B5EF4-FFF2-40B4-BE49-F238E27FC236}">
-                <a16:creationId xmlns:a16="http://schemas.microsoft.com/office/drawing/2014/main" id="{A6B509EC-568E-4992-9B66-2DA3DEF480DB}"/>
-              </a:ext>
-            </a:extLst>
-          </p:cNvPr>
-          <p:cNvPicPr>
-            <a:picLocks noChangeAspect="1"/>
-          </p:cNvPicPr>
-          <p:nvPr/>
-        </p:nvPicPr>
-        <p:blipFill>
-          <a:blip r:embed="rId4">
-            <a:extLst>
-              <a:ext uri="{28A0092B-C50C-407E-A947-70E740481C1C}">
-                <a14:useLocalDpi xmlns:a14="http://schemas.microsoft.com/office/drawing/2010/main" val="0"/>
-              </a:ext>
-            </a:extLst>
-          </a:blip>
-          <a:stretch>
-            <a:fillRect/>
-          </a:stretch>
-        </p:blipFill>
-        <p:spPr>
-          <a:xfrm>
-            <a:off x="4528300" y="0"/>
-            <a:ext cx="905660" cy="905660"/>
-          </a:xfrm>
-          <a:prstGeom prst="rect">
-            <a:avLst/>
-          </a:prstGeom>
-        </p:spPr>
-      </p:pic>
-      <p:pic>
-        <p:nvPicPr>
-          <p:cNvPr id="35" name="Picture 34">
-            <a:extLst>
-              <a:ext uri="{FF2B5EF4-FFF2-40B4-BE49-F238E27FC236}">
-                <a16:creationId xmlns:a16="http://schemas.microsoft.com/office/drawing/2014/main" id="{A617F1BB-C1A2-43A3-9283-B5F48B7D9F31}"/>
-              </a:ext>
-            </a:extLst>
-          </p:cNvPr>
-          <p:cNvPicPr>
-            <a:picLocks noChangeAspect="1"/>
-          </p:cNvPicPr>
-          <p:nvPr/>
-        </p:nvPicPr>
-        <p:blipFill>
-          <a:blip r:embed="rId4">
-            <a:extLst>
-              <a:ext uri="{28A0092B-C50C-407E-A947-70E740481C1C}">
-                <a14:useLocalDpi xmlns:a14="http://schemas.microsoft.com/office/drawing/2010/main" val="0"/>
-              </a:ext>
-            </a:extLst>
-          </a:blip>
-          <a:stretch>
-            <a:fillRect/>
-          </a:stretch>
-        </p:blipFill>
-        <p:spPr>
-          <a:xfrm>
-            <a:off x="5433960" y="0"/>
-            <a:ext cx="905660" cy="905660"/>
-          </a:xfrm>
-          <a:prstGeom prst="rect">
-            <a:avLst/>
-          </a:prstGeom>
-        </p:spPr>
-      </p:pic>
-      <p:pic>
-        <p:nvPicPr>
-          <p:cNvPr id="36" name="Picture 35">
-            <a:extLst>
-              <a:ext uri="{FF2B5EF4-FFF2-40B4-BE49-F238E27FC236}">
-                <a16:creationId xmlns:a16="http://schemas.microsoft.com/office/drawing/2014/main" id="{E9540E28-1E7D-4185-B9B2-28D6DA52AAAA}"/>
-              </a:ext>
-            </a:extLst>
-          </p:cNvPr>
-          <p:cNvPicPr>
-            <a:picLocks noChangeAspect="1"/>
-          </p:cNvPicPr>
-          <p:nvPr/>
-        </p:nvPicPr>
-        <p:blipFill>
-          <a:blip r:embed="rId4">
-            <a:extLst>
-              <a:ext uri="{28A0092B-C50C-407E-A947-70E740481C1C}">
-                <a14:useLocalDpi xmlns:a14="http://schemas.microsoft.com/office/drawing/2010/main" val="0"/>
-              </a:ext>
-            </a:extLst>
-          </a:blip>
-          <a:stretch>
-            <a:fillRect/>
-          </a:stretch>
-        </p:blipFill>
-        <p:spPr>
-          <a:xfrm>
-            <a:off x="6339620" y="0"/>
-            <a:ext cx="905660" cy="905660"/>
-          </a:xfrm>
-          <a:prstGeom prst="rect">
-            <a:avLst/>
-          </a:prstGeom>
-        </p:spPr>
-      </p:pic>
-      <p:pic>
-        <p:nvPicPr>
-          <p:cNvPr id="37" name="Picture 36">
-            <a:extLst>
-              <a:ext uri="{FF2B5EF4-FFF2-40B4-BE49-F238E27FC236}">
-                <a16:creationId xmlns:a16="http://schemas.microsoft.com/office/drawing/2014/main" id="{0634F39E-D40A-4F93-A3C5-DF8F7E34231B}"/>
-              </a:ext>
-            </a:extLst>
-          </p:cNvPr>
-          <p:cNvPicPr>
-            <a:picLocks noChangeAspect="1"/>
-          </p:cNvPicPr>
-          <p:nvPr/>
-        </p:nvPicPr>
-        <p:blipFill>
-          <a:blip r:embed="rId4">
-            <a:extLst>
-              <a:ext uri="{28A0092B-C50C-407E-A947-70E740481C1C}">
-                <a14:useLocalDpi xmlns:a14="http://schemas.microsoft.com/office/drawing/2010/main" val="0"/>
-              </a:ext>
-            </a:extLst>
-          </a:blip>
-          <a:stretch>
-            <a:fillRect/>
-          </a:stretch>
-        </p:blipFill>
-        <p:spPr>
-          <a:xfrm>
-            <a:off x="7210870" y="0"/>
-            <a:ext cx="905660" cy="905660"/>
-          </a:xfrm>
-          <a:prstGeom prst="rect">
-            <a:avLst/>
-          </a:prstGeom>
-        </p:spPr>
-      </p:pic>
-      <p:pic>
-        <p:nvPicPr>
-          <p:cNvPr id="38" name="Picture 37">
-            <a:extLst>
-              <a:ext uri="{FF2B5EF4-FFF2-40B4-BE49-F238E27FC236}">
-                <a16:creationId xmlns:a16="http://schemas.microsoft.com/office/drawing/2014/main" id="{BBDFA3FD-AC1D-4651-AAC9-B605D920D28E}"/>
-              </a:ext>
-            </a:extLst>
-          </p:cNvPr>
-          <p:cNvPicPr>
-            <a:picLocks noChangeAspect="1"/>
-          </p:cNvPicPr>
-          <p:nvPr/>
-        </p:nvPicPr>
-        <p:blipFill>
-          <a:blip r:embed="rId4">
-            <a:extLst>
-              <a:ext uri="{28A0092B-C50C-407E-A947-70E740481C1C}">
-                <a14:useLocalDpi xmlns:a14="http://schemas.microsoft.com/office/drawing/2010/main" val="0"/>
-              </a:ext>
-            </a:extLst>
-          </a:blip>
-          <a:stretch>
-            <a:fillRect/>
-          </a:stretch>
-        </p:blipFill>
-        <p:spPr>
-          <a:xfrm>
-            <a:off x="8116530" y="0"/>
-            <a:ext cx="905660" cy="905660"/>
-          </a:xfrm>
-          <a:prstGeom prst="rect">
-            <a:avLst/>
-          </a:prstGeom>
-        </p:spPr>
-      </p:pic>
-      <p:pic>
-        <p:nvPicPr>
-          <p:cNvPr id="39" name="Picture 38">
-            <a:extLst>
-              <a:ext uri="{FF2B5EF4-FFF2-40B4-BE49-F238E27FC236}">
-                <a16:creationId xmlns:a16="http://schemas.microsoft.com/office/drawing/2014/main" id="{A2806EB1-797B-428D-BAC5-FC9E994C5D07}"/>
-              </a:ext>
-            </a:extLst>
-          </p:cNvPr>
-          <p:cNvPicPr>
-            <a:picLocks noChangeAspect="1"/>
-          </p:cNvPicPr>
-          <p:nvPr/>
-        </p:nvPicPr>
-        <p:blipFill>
-          <a:blip r:embed="rId4">
-            <a:extLst>
-              <a:ext uri="{28A0092B-C50C-407E-A947-70E740481C1C}">
-                <a14:useLocalDpi xmlns:a14="http://schemas.microsoft.com/office/drawing/2010/main" val="0"/>
-              </a:ext>
-            </a:extLst>
-          </a:blip>
-          <a:stretch>
-            <a:fillRect/>
-          </a:stretch>
-        </p:blipFill>
-        <p:spPr>
-          <a:xfrm>
-            <a:off x="9022190" y="0"/>
-            <a:ext cx="905660" cy="905660"/>
-          </a:xfrm>
-          <a:prstGeom prst="rect">
-            <a:avLst/>
-          </a:prstGeom>
-        </p:spPr>
-      </p:pic>
-      <p:pic>
-        <p:nvPicPr>
-          <p:cNvPr id="40" name="Picture 39">
-            <a:extLst>
-              <a:ext uri="{FF2B5EF4-FFF2-40B4-BE49-F238E27FC236}">
-                <a16:creationId xmlns:a16="http://schemas.microsoft.com/office/drawing/2014/main" id="{F968631A-49FA-4563-BC4B-8B831F921F3F}"/>
-              </a:ext>
-            </a:extLst>
-          </p:cNvPr>
-          <p:cNvPicPr>
-            <a:picLocks noChangeAspect="1"/>
-          </p:cNvPicPr>
-          <p:nvPr/>
-        </p:nvPicPr>
-        <p:blipFill>
-          <a:blip r:embed="rId4">
-            <a:extLst>
-              <a:ext uri="{28A0092B-C50C-407E-A947-70E740481C1C}">
-                <a14:useLocalDpi xmlns:a14="http://schemas.microsoft.com/office/drawing/2010/main" val="0"/>
-              </a:ext>
-            </a:extLst>
-          </a:blip>
-          <a:stretch>
-            <a:fillRect/>
-          </a:stretch>
-        </p:blipFill>
-        <p:spPr>
-          <a:xfrm>
-            <a:off x="9927850" y="-7926"/>
-            <a:ext cx="905660" cy="905660"/>
-          </a:xfrm>
-          <a:prstGeom prst="rect">
-            <a:avLst/>
-          </a:prstGeom>
-        </p:spPr>
-      </p:pic>
-      <p:pic>
-        <p:nvPicPr>
-          <p:cNvPr id="43" name="Picture 42">
-            <a:extLst>
-              <a:ext uri="{FF2B5EF4-FFF2-40B4-BE49-F238E27FC236}">
-                <a16:creationId xmlns:a16="http://schemas.microsoft.com/office/drawing/2014/main" id="{7AC2B981-B522-440A-877D-4015B7D9CCFF}"/>
-              </a:ext>
-            </a:extLst>
-          </p:cNvPr>
-          <p:cNvPicPr>
-            <a:picLocks noChangeAspect="1"/>
-          </p:cNvPicPr>
-          <p:nvPr/>
-        </p:nvPicPr>
-        <p:blipFill>
-          <a:blip r:embed="rId4">
-            <a:extLst>
-              <a:ext uri="{28A0092B-C50C-407E-A947-70E740481C1C}">
-                <a14:useLocalDpi xmlns:a14="http://schemas.microsoft.com/office/drawing/2010/main" val="0"/>
-              </a:ext>
-            </a:extLst>
-          </a:blip>
-          <a:stretch>
-            <a:fillRect/>
-          </a:stretch>
-        </p:blipFill>
-        <p:spPr>
-          <a:xfrm>
-            <a:off x="10380680" y="-7926"/>
-            <a:ext cx="905660" cy="905660"/>
-          </a:xfrm>
-          <a:prstGeom prst="rect">
-            <a:avLst/>
-          </a:prstGeom>
-        </p:spPr>
-      </p:pic>
-      <p:pic>
-        <p:nvPicPr>
-          <p:cNvPr id="44" name="Picture 43">
-            <a:extLst>
-              <a:ext uri="{FF2B5EF4-FFF2-40B4-BE49-F238E27FC236}">
-                <a16:creationId xmlns:a16="http://schemas.microsoft.com/office/drawing/2014/main" id="{5D4FCCC4-3464-428E-B41E-3BCBB49A154E}"/>
-              </a:ext>
-            </a:extLst>
-          </p:cNvPr>
-          <p:cNvPicPr>
-            <a:picLocks noChangeAspect="1"/>
-          </p:cNvPicPr>
-          <p:nvPr/>
-        </p:nvPicPr>
-        <p:blipFill>
-          <a:blip r:embed="rId4">
-            <a:extLst>
-              <a:ext uri="{28A0092B-C50C-407E-A947-70E740481C1C}">
-                <a14:useLocalDpi xmlns:a14="http://schemas.microsoft.com/office/drawing/2010/main" val="0"/>
-              </a:ext>
-            </a:extLst>
-          </a:blip>
-          <a:stretch>
-            <a:fillRect/>
-          </a:stretch>
-        </p:blipFill>
-        <p:spPr>
-          <a:xfrm>
-            <a:off x="11286340" y="-7926"/>
-            <a:ext cx="905660" cy="905660"/>
-          </a:xfrm>
-          <a:prstGeom prst="rect">
-            <a:avLst/>
-          </a:prstGeom>
-        </p:spPr>
-      </p:pic>
-      <p:sp>
-        <p:nvSpPr>
-          <p:cNvPr id="41" name="Title 1">
-            <a:extLst>
-              <a:ext uri="{FF2B5EF4-FFF2-40B4-BE49-F238E27FC236}">
-                <a16:creationId xmlns:a16="http://schemas.microsoft.com/office/drawing/2014/main" id="{8AC07EAB-005E-4F05-88FA-60C2B6AC2AFF}"/>
-              </a:ext>
-            </a:extLst>
-          </p:cNvPr>
-          <p:cNvSpPr txBox="1">
-            <a:spLocks/>
-          </p:cNvSpPr>
-          <p:nvPr/>
-        </p:nvSpPr>
-        <p:spPr>
-          <a:xfrm>
-            <a:off x="-412467" y="353354"/>
-            <a:ext cx="5236137" cy="1325563"/>
-          </a:xfrm>
-          <a:prstGeom prst="rect">
-            <a:avLst/>
-          </a:prstGeom>
-        </p:spPr>
-        <p:txBody>
-          <a:bodyPr vert="horz" lIns="91440" tIns="45720" rIns="91440" bIns="45720" rtlCol="0" anchor="b">
-            <a:normAutofit/>
-          </a:bodyPr>
-          <a:lstStyle>
-            <a:lvl1pPr algn="ctr" defTabSz="914400" rtl="0" eaLnBrk="1" latinLnBrk="0" hangingPunct="1">
-              <a:lnSpc>
-                <a:spcPct val="90000"/>
-              </a:lnSpc>
-              <a:spcBef>
-                <a:spcPct val="0"/>
-              </a:spcBef>
-              <a:buNone/>
-              <a:defRPr sz="6000" kern="1200">
-                <a:solidFill>
-                  <a:schemeClr val="tx1"/>
-                </a:solidFill>
-                <a:latin typeface="+mj-lt"/>
-                <a:ea typeface="+mj-ea"/>
-                <a:cs typeface="+mj-cs"/>
-              </a:defRPr>
-            </a:lvl1pPr>
-          </a:lstStyle>
-          <a:p>
-            <a:r>
-              <a:rPr lang="en-GB" sz="4800" b="1" dirty="0"/>
-              <a:t>Final Deliverables</a:t>
-            </a:r>
-          </a:p>
-        </p:txBody>
-      </p:sp>
-      <p:sp>
-        <p:nvSpPr>
-          <p:cNvPr id="28" name="Content Placeholder 2">
-            <a:extLst>
-              <a:ext uri="{FF2B5EF4-FFF2-40B4-BE49-F238E27FC236}">
-                <a16:creationId xmlns:a16="http://schemas.microsoft.com/office/drawing/2014/main" id="{A93B4DC4-1AD0-46EE-9253-B72D5BD32D26}"/>
-              </a:ext>
-            </a:extLst>
-          </p:cNvPr>
-          <p:cNvSpPr txBox="1">
-            <a:spLocks/>
-          </p:cNvSpPr>
-          <p:nvPr/>
-        </p:nvSpPr>
-        <p:spPr>
-          <a:xfrm>
-            <a:off x="2561442" y="2214079"/>
-            <a:ext cx="6911766" cy="2701647"/>
-          </a:xfrm>
-          <a:prstGeom prst="rect">
-            <a:avLst/>
-          </a:prstGeom>
-        </p:spPr>
-        <p:txBody>
-          <a:bodyPr vert="horz" lIns="91440" tIns="45720" rIns="91440" bIns="45720" rtlCol="0">
-            <a:normAutofit/>
-          </a:bodyPr>
-          <a:lstStyle>
-            <a:lvl1pPr marL="0" indent="0" algn="ctr" defTabSz="914400" rtl="0" eaLnBrk="1" latinLnBrk="0" hangingPunct="1">
-              <a:lnSpc>
-                <a:spcPct val="90000"/>
-              </a:lnSpc>
-              <a:spcBef>
-                <a:spcPts val="1000"/>
-              </a:spcBef>
-              <a:buFont typeface="Arial" panose="020B0604020202020204" pitchFamily="34" charset="0"/>
-              <a:buNone/>
-              <a:defRPr sz="2400" kern="1200">
-                <a:solidFill>
-                  <a:schemeClr val="tx1"/>
-                </a:solidFill>
-                <a:latin typeface="+mn-lt"/>
-                <a:ea typeface="+mn-ea"/>
-                <a:cs typeface="+mn-cs"/>
-              </a:defRPr>
-            </a:lvl1pPr>
-            <a:lvl2pPr marL="457200" indent="0" algn="ctr" defTabSz="914400" rtl="0" eaLnBrk="1" latinLnBrk="0" hangingPunct="1">
-              <a:lnSpc>
-                <a:spcPct val="90000"/>
-              </a:lnSpc>
-              <a:spcBef>
-                <a:spcPts val="500"/>
-              </a:spcBef>
-              <a:buFont typeface="Arial" panose="020B0604020202020204" pitchFamily="34" charset="0"/>
-              <a:buNone/>
-              <a:defRPr sz="2000" kern="1200">
-                <a:solidFill>
-                  <a:schemeClr val="tx1"/>
-                </a:solidFill>
-                <a:latin typeface="+mn-lt"/>
-                <a:ea typeface="+mn-ea"/>
-                <a:cs typeface="+mn-cs"/>
-              </a:defRPr>
-            </a:lvl2pPr>
-            <a:lvl3pPr marL="914400" indent="0" algn="ctr" defTabSz="914400" rtl="0" eaLnBrk="1" latinLnBrk="0" hangingPunct="1">
-              <a:lnSpc>
-                <a:spcPct val="90000"/>
-              </a:lnSpc>
-              <a:spcBef>
-                <a:spcPts val="500"/>
-              </a:spcBef>
-              <a:buFont typeface="Arial" panose="020B0604020202020204" pitchFamily="34" charset="0"/>
-              <a:buNone/>
-              <a:defRPr sz="1800" kern="1200">
-                <a:solidFill>
-                  <a:schemeClr val="tx1"/>
-                </a:solidFill>
-                <a:latin typeface="+mn-lt"/>
-                <a:ea typeface="+mn-ea"/>
-                <a:cs typeface="+mn-cs"/>
-              </a:defRPr>
-            </a:lvl3pPr>
-            <a:lvl4pPr marL="1371600" indent="0" algn="ctr" defTabSz="914400" rtl="0" eaLnBrk="1" latinLnBrk="0" hangingPunct="1">
-              <a:lnSpc>
-                <a:spcPct val="90000"/>
-              </a:lnSpc>
-              <a:spcBef>
-                <a:spcPts val="500"/>
-              </a:spcBef>
-              <a:buFont typeface="Arial" panose="020B0604020202020204" pitchFamily="34" charset="0"/>
-              <a:buNone/>
-              <a:defRPr sz="1600" kern="1200">
-                <a:solidFill>
-                  <a:schemeClr val="tx1"/>
-                </a:solidFill>
-                <a:latin typeface="+mn-lt"/>
-                <a:ea typeface="+mn-ea"/>
-                <a:cs typeface="+mn-cs"/>
-              </a:defRPr>
-            </a:lvl4pPr>
-            <a:lvl5pPr marL="1828800" indent="0" algn="ctr" defTabSz="914400" rtl="0" eaLnBrk="1" latinLnBrk="0" hangingPunct="1">
-              <a:lnSpc>
-                <a:spcPct val="90000"/>
-              </a:lnSpc>
-              <a:spcBef>
-                <a:spcPts val="500"/>
-              </a:spcBef>
-              <a:buFont typeface="Arial" panose="020B0604020202020204" pitchFamily="34" charset="0"/>
-              <a:buNone/>
-              <a:defRPr sz="1600" kern="1200">
-                <a:solidFill>
-                  <a:schemeClr val="tx1"/>
-                </a:solidFill>
-                <a:latin typeface="+mn-lt"/>
-                <a:ea typeface="+mn-ea"/>
-                <a:cs typeface="+mn-cs"/>
-              </a:defRPr>
-            </a:lvl5pPr>
-            <a:lvl6pPr marL="2286000" indent="0" algn="ctr" defTabSz="914400" rtl="0" eaLnBrk="1" latinLnBrk="0" hangingPunct="1">
-              <a:lnSpc>
-                <a:spcPct val="90000"/>
-              </a:lnSpc>
-              <a:spcBef>
-                <a:spcPts val="500"/>
-              </a:spcBef>
-              <a:buFont typeface="Arial" panose="020B0604020202020204" pitchFamily="34" charset="0"/>
-              <a:buNone/>
-              <a:defRPr sz="1600" kern="1200">
-                <a:solidFill>
-                  <a:schemeClr val="tx1"/>
-                </a:solidFill>
-                <a:latin typeface="+mn-lt"/>
-                <a:ea typeface="+mn-ea"/>
-                <a:cs typeface="+mn-cs"/>
-              </a:defRPr>
-            </a:lvl6pPr>
-            <a:lvl7pPr marL="2743200" indent="0" algn="ctr" defTabSz="914400" rtl="0" eaLnBrk="1" latinLnBrk="0" hangingPunct="1">
-              <a:lnSpc>
-                <a:spcPct val="90000"/>
-              </a:lnSpc>
-              <a:spcBef>
-                <a:spcPts val="500"/>
-              </a:spcBef>
-              <a:buFont typeface="Arial" panose="020B0604020202020204" pitchFamily="34" charset="0"/>
-              <a:buNone/>
-              <a:defRPr sz="1600" kern="1200">
-                <a:solidFill>
-                  <a:schemeClr val="tx1"/>
-                </a:solidFill>
-                <a:latin typeface="+mn-lt"/>
-                <a:ea typeface="+mn-ea"/>
-                <a:cs typeface="+mn-cs"/>
-              </a:defRPr>
-            </a:lvl7pPr>
-            <a:lvl8pPr marL="3200400" indent="0" algn="ctr" defTabSz="914400" rtl="0" eaLnBrk="1" latinLnBrk="0" hangingPunct="1">
-              <a:lnSpc>
-                <a:spcPct val="90000"/>
-              </a:lnSpc>
-              <a:spcBef>
-                <a:spcPts val="500"/>
-              </a:spcBef>
-              <a:buFont typeface="Arial" panose="020B0604020202020204" pitchFamily="34" charset="0"/>
-              <a:buNone/>
-              <a:defRPr sz="1600" kern="1200">
-                <a:solidFill>
-                  <a:schemeClr val="tx1"/>
-                </a:solidFill>
-                <a:latin typeface="+mn-lt"/>
-                <a:ea typeface="+mn-ea"/>
-                <a:cs typeface="+mn-cs"/>
-              </a:defRPr>
-            </a:lvl8pPr>
-            <a:lvl9pPr marL="3657600" indent="0" algn="ctr" defTabSz="914400" rtl="0" eaLnBrk="1" latinLnBrk="0" hangingPunct="1">
-              <a:lnSpc>
-                <a:spcPct val="90000"/>
-              </a:lnSpc>
-              <a:spcBef>
-                <a:spcPts val="500"/>
-              </a:spcBef>
-              <a:buFont typeface="Arial" panose="020B0604020202020204" pitchFamily="34" charset="0"/>
-              <a:buNone/>
-              <a:defRPr sz="1600" kern="1200">
-                <a:solidFill>
-                  <a:schemeClr val="tx1"/>
-                </a:solidFill>
-                <a:latin typeface="+mn-lt"/>
-                <a:ea typeface="+mn-ea"/>
-                <a:cs typeface="+mn-cs"/>
-              </a:defRPr>
-            </a:lvl9pPr>
-          </a:lstStyle>
           <a:p>
             <a:pPr marL="342900" indent="-342900">
               <a:buFont typeface="Arial" panose="020B0604020202020204" pitchFamily="34" charset="0"/>
               <a:buChar char="•"/>
             </a:pPr>
             <a:r>
-              <a:rPr lang="en-GB" dirty="0"/>
-              <a:t>Smooth and tight grappling.</a:t>
-            </a:r>
-          </a:p>
-          <a:p>
-            <a:pPr marL="342900" indent="-342900">
-              <a:buFont typeface="Arial" panose="020B0604020202020204" pitchFamily="34" charset="0"/>
-              <a:buChar char="•"/>
-            </a:pPr>
-            <a:r>
-              <a:rPr lang="en-GB" dirty="0"/>
-              <a:t>4 levels with escalating difficulty.</a:t>
-            </a:r>
-          </a:p>
-          <a:p>
-            <a:pPr marL="342900" indent="-342900">
-              <a:buFont typeface="Arial" panose="020B0604020202020204" pitchFamily="34" charset="0"/>
-              <a:buChar char="•"/>
-            </a:pPr>
-            <a:r>
-              <a:rPr lang="en-GB" dirty="0"/>
-              <a:t>3 different enemy designs.</a:t>
-            </a:r>
-          </a:p>
-          <a:p>
-            <a:pPr marL="342900" indent="-342900">
-              <a:buFont typeface="Arial" panose="020B0604020202020204" pitchFamily="34" charset="0"/>
-              <a:buChar char="•"/>
-            </a:pPr>
-            <a:r>
-              <a:rPr lang="en-GB" dirty="0"/>
-              <a:t>Stealth mechanics tied to enemies Line of sight.</a:t>
-            </a:r>
-          </a:p>
-          <a:p>
-            <a:pPr marL="342900" indent="-342900">
-              <a:buFont typeface="Arial" panose="020B0604020202020204" pitchFamily="34" charset="0"/>
-              <a:buChar char="•"/>
-            </a:pPr>
-            <a:r>
-              <a:rPr lang="en-GB" dirty="0"/>
+              <a:rPr lang="en-GB" sz="2800" dirty="0">
+                <a:latin typeface="Bahnschrift Condensed" panose="020B0502040204020203" pitchFamily="34" charset="0"/>
+              </a:rPr>
               <a:t>2 Tile Sets used to create level variation.</a:t>
             </a:r>
-          </a:p>
-          <a:p>
-            <a:pPr marL="342900" indent="-342900">
-              <a:buFont typeface="Arial" panose="020B0604020202020204" pitchFamily="34" charset="0"/>
-              <a:buChar char="•"/>
-            </a:pPr>
-            <a:endParaRPr lang="en-GB" dirty="0"/>
           </a:p>
         </p:txBody>
       </p:sp>
@@ -10822,7 +10882,9 @@
           </a:lstStyle>
           <a:p>
             <a:r>
-              <a:rPr lang="en-GB" sz="4800" b="1" dirty="0"/>
+              <a:rPr lang="en-GB" b="1" dirty="0">
+                <a:latin typeface="Agency FB" panose="020B0503020202020204" pitchFamily="34" charset="0"/>
+              </a:rPr>
               <a:t>Any Questions?</a:t>
             </a:r>
           </a:p>

--- a/Presentations/Group 13 Level 4 & 5 Presentation.pptx
+++ b/Presentations/Group 13 Level 4 & 5 Presentation.pptx
@@ -266,7 +266,7 @@
           <a:p>
             <a:fld id="{90CAAAAF-6875-46FD-B12D-8AF225AFEBE5}" type="datetimeFigureOut">
               <a:rPr lang="en-GB" smtClean="0"/>
-              <a:t>03/03/2019</a:t>
+              <a:t>04/03/2019</a:t>
             </a:fld>
             <a:endParaRPr lang="en-GB"/>
           </a:p>
@@ -466,7 +466,7 @@
           <a:p>
             <a:fld id="{90CAAAAF-6875-46FD-B12D-8AF225AFEBE5}" type="datetimeFigureOut">
               <a:rPr lang="en-GB" smtClean="0"/>
-              <a:t>03/03/2019</a:t>
+              <a:t>04/03/2019</a:t>
             </a:fld>
             <a:endParaRPr lang="en-GB"/>
           </a:p>
@@ -676,7 +676,7 @@
           <a:p>
             <a:fld id="{90CAAAAF-6875-46FD-B12D-8AF225AFEBE5}" type="datetimeFigureOut">
               <a:rPr lang="en-GB" smtClean="0"/>
-              <a:t>03/03/2019</a:t>
+              <a:t>04/03/2019</a:t>
             </a:fld>
             <a:endParaRPr lang="en-GB"/>
           </a:p>
@@ -876,7 +876,7 @@
           <a:p>
             <a:fld id="{90CAAAAF-6875-46FD-B12D-8AF225AFEBE5}" type="datetimeFigureOut">
               <a:rPr lang="en-GB" smtClean="0"/>
-              <a:t>03/03/2019</a:t>
+              <a:t>04/03/2019</a:t>
             </a:fld>
             <a:endParaRPr lang="en-GB"/>
           </a:p>
@@ -1152,7 +1152,7 @@
           <a:p>
             <a:fld id="{90CAAAAF-6875-46FD-B12D-8AF225AFEBE5}" type="datetimeFigureOut">
               <a:rPr lang="en-GB" smtClean="0"/>
-              <a:t>03/03/2019</a:t>
+              <a:t>04/03/2019</a:t>
             </a:fld>
             <a:endParaRPr lang="en-GB"/>
           </a:p>
@@ -1420,7 +1420,7 @@
           <a:p>
             <a:fld id="{90CAAAAF-6875-46FD-B12D-8AF225AFEBE5}" type="datetimeFigureOut">
               <a:rPr lang="en-GB" smtClean="0"/>
-              <a:t>03/03/2019</a:t>
+              <a:t>04/03/2019</a:t>
             </a:fld>
             <a:endParaRPr lang="en-GB"/>
           </a:p>
@@ -1835,7 +1835,7 @@
           <a:p>
             <a:fld id="{90CAAAAF-6875-46FD-B12D-8AF225AFEBE5}" type="datetimeFigureOut">
               <a:rPr lang="en-GB" smtClean="0"/>
-              <a:t>03/03/2019</a:t>
+              <a:t>04/03/2019</a:t>
             </a:fld>
             <a:endParaRPr lang="en-GB"/>
           </a:p>
@@ -1977,7 +1977,7 @@
           <a:p>
             <a:fld id="{90CAAAAF-6875-46FD-B12D-8AF225AFEBE5}" type="datetimeFigureOut">
               <a:rPr lang="en-GB" smtClean="0"/>
-              <a:t>03/03/2019</a:t>
+              <a:t>04/03/2019</a:t>
             </a:fld>
             <a:endParaRPr lang="en-GB"/>
           </a:p>
@@ -2090,7 +2090,7 @@
           <a:p>
             <a:fld id="{90CAAAAF-6875-46FD-B12D-8AF225AFEBE5}" type="datetimeFigureOut">
               <a:rPr lang="en-GB" smtClean="0"/>
-              <a:t>03/03/2019</a:t>
+              <a:t>04/03/2019</a:t>
             </a:fld>
             <a:endParaRPr lang="en-GB"/>
           </a:p>
@@ -2403,7 +2403,7 @@
           <a:p>
             <a:fld id="{90CAAAAF-6875-46FD-B12D-8AF225AFEBE5}" type="datetimeFigureOut">
               <a:rPr lang="en-GB" smtClean="0"/>
-              <a:t>03/03/2019</a:t>
+              <a:t>04/03/2019</a:t>
             </a:fld>
             <a:endParaRPr lang="en-GB"/>
           </a:p>
@@ -2692,7 +2692,7 @@
           <a:p>
             <a:fld id="{90CAAAAF-6875-46FD-B12D-8AF225AFEBE5}" type="datetimeFigureOut">
               <a:rPr lang="en-GB" smtClean="0"/>
-              <a:t>03/03/2019</a:t>
+              <a:t>04/03/2019</a:t>
             </a:fld>
             <a:endParaRPr lang="en-GB"/>
           </a:p>
@@ -2935,7 +2935,7 @@
           <a:p>
             <a:fld id="{90CAAAAF-6875-46FD-B12D-8AF225AFEBE5}" type="datetimeFigureOut">
               <a:rPr lang="en-GB" smtClean="0"/>
-              <a:t>03/03/2019</a:t>
+              <a:t>04/03/2019</a:t>
             </a:fld>
             <a:endParaRPr lang="en-GB"/>
           </a:p>
@@ -5539,7 +5539,7 @@
         </p:nvSpPr>
         <p:spPr>
           <a:xfrm>
-            <a:off x="-642459" y="344236"/>
+            <a:off x="-172423" y="405838"/>
             <a:ext cx="4907557" cy="1325563"/>
           </a:xfrm>
           <a:prstGeom prst="rect">
@@ -6823,7 +6823,7 @@
         </p:nvSpPr>
         <p:spPr>
           <a:xfrm>
-            <a:off x="-642459" y="344236"/>
+            <a:off x="-690805" y="824717"/>
             <a:ext cx="7624373" cy="1325563"/>
           </a:xfrm>
           <a:prstGeom prst="rect">
@@ -6832,7 +6832,7 @@
         </p:spPr>
         <p:txBody>
           <a:bodyPr vert="horz" lIns="91440" tIns="45720" rIns="91440" bIns="45720" rtlCol="0" anchor="b">
-            <a:normAutofit/>
+            <a:normAutofit lnSpcReduction="10000"/>
           </a:bodyPr>
           <a:lstStyle>
             <a:lvl1pPr algn="ctr" defTabSz="914400" rtl="0" eaLnBrk="1" latinLnBrk="0" hangingPunct="1">
@@ -6877,7 +6877,7 @@
         </p:nvSpPr>
         <p:spPr>
           <a:xfrm>
-            <a:off x="579487" y="1844759"/>
+            <a:off x="529557" y="2085189"/>
             <a:ext cx="3663182" cy="1384995"/>
           </a:xfrm>
           <a:prstGeom prst="rect">
@@ -6938,7 +6938,7 @@
         </p:nvSpPr>
         <p:spPr>
           <a:xfrm>
-            <a:off x="605610" y="3320445"/>
+            <a:off x="555680" y="3560875"/>
             <a:ext cx="6939720" cy="1815882"/>
           </a:xfrm>
           <a:prstGeom prst="rect">
@@ -7362,8 +7362,8 @@
         </p:nvSpPr>
         <p:spPr>
           <a:xfrm rot="10800000">
-            <a:off x="9122044" y="3759173"/>
-            <a:ext cx="1241524" cy="300379"/>
+            <a:off x="9122044" y="3759172"/>
+            <a:ext cx="1241524" cy="340302"/>
           </a:xfrm>
           <a:prstGeom prst="rightArrow">
             <a:avLst/>
@@ -8465,7 +8465,7 @@
         </p:nvSpPr>
         <p:spPr>
           <a:xfrm>
-            <a:off x="-412467" y="353354"/>
+            <a:off x="-65334" y="414684"/>
             <a:ext cx="3582277" cy="1325563"/>
           </a:xfrm>
           <a:prstGeom prst="rect">
@@ -9554,7 +9554,7 @@
         </p:nvSpPr>
         <p:spPr>
           <a:xfrm>
-            <a:off x="-412467" y="353354"/>
+            <a:off x="-509456" y="897734"/>
             <a:ext cx="5236137" cy="1325563"/>
           </a:xfrm>
           <a:prstGeom prst="rect">
@@ -9563,7 +9563,7 @@
         </p:spPr>
         <p:txBody>
           <a:bodyPr vert="horz" lIns="91440" tIns="45720" rIns="91440" bIns="45720" rtlCol="0" anchor="b">
-            <a:normAutofit/>
+            <a:normAutofit lnSpcReduction="10000"/>
           </a:bodyPr>
           <a:lstStyle>
             <a:lvl1pPr algn="ctr" defTabSz="914400" rtl="0" eaLnBrk="1" latinLnBrk="0" hangingPunct="1">
@@ -10859,7 +10859,7 @@
         </p:spPr>
         <p:txBody>
           <a:bodyPr vert="horz" lIns="91440" tIns="45720" rIns="91440" bIns="45720" rtlCol="0" anchor="b">
-            <a:normAutofit/>
+            <a:normAutofit fontScale="92500"/>
           </a:bodyPr>
           <a:lstStyle>
             <a:lvl1pPr algn="ctr" defTabSz="914400" rtl="0" eaLnBrk="1" latinLnBrk="0" hangingPunct="1">
